--- a/Documents/Trivial_React.pptx
+++ b/Documents/Trivial_React.pptx
@@ -9,13 +9,23 @@
     <p:sldId id="257" r:id="rId3"/>
     <p:sldId id="258" r:id="rId4"/>
     <p:sldId id="259" r:id="rId5"/>
-    <p:sldId id="260" r:id="rId6"/>
-    <p:sldId id="263" r:id="rId7"/>
-    <p:sldId id="261" r:id="rId8"/>
-    <p:sldId id="264" r:id="rId9"/>
-    <p:sldId id="265" r:id="rId10"/>
-    <p:sldId id="267" r:id="rId11"/>
-    <p:sldId id="269" r:id="rId12"/>
+    <p:sldId id="272" r:id="rId6"/>
+    <p:sldId id="271" r:id="rId7"/>
+    <p:sldId id="260" r:id="rId8"/>
+    <p:sldId id="263" r:id="rId9"/>
+    <p:sldId id="264" r:id="rId10"/>
+    <p:sldId id="261" r:id="rId11"/>
+    <p:sldId id="267" r:id="rId12"/>
+    <p:sldId id="269" r:id="rId13"/>
+    <p:sldId id="273" r:id="rId14"/>
+    <p:sldId id="274" r:id="rId15"/>
+    <p:sldId id="275" r:id="rId16"/>
+    <p:sldId id="276" r:id="rId17"/>
+    <p:sldId id="278" r:id="rId18"/>
+    <p:sldId id="279" r:id="rId19"/>
+    <p:sldId id="277" r:id="rId20"/>
+    <p:sldId id="280" r:id="rId21"/>
+    <p:sldId id="270" r:id="rId22"/>
   </p:sldIdLst>
   <p:sldSz cx="12192000" cy="6858000"/>
   <p:notesSz cx="6858000" cy="9144000"/>
@@ -3578,7 +3588,7 @@
           </a:lstStyle>
           <a:p>
             <a:r>
-              <a:rPr lang="en-US" smtClean="0"/>
+              <a:rPr lang="en-US"/>
               <a:t>Click to edit Master title style</a:t>
             </a:r>
             <a:endParaRPr lang="en-US" dirty="0"/>
@@ -3658,7 +3668,7 @@
           </a:lstStyle>
           <a:p>
             <a:r>
-              <a:rPr lang="en-US" smtClean="0"/>
+              <a:rPr lang="en-US"/>
               <a:t>Click to edit Master subtitle style</a:t>
             </a:r>
             <a:endParaRPr lang="en-US" dirty="0"/>
@@ -3686,7 +3696,7 @@
           <a:p>
             <a:fld id="{8872061F-2D2D-4C9B-BE4B-97F1BF8D82AB}" type="datetimeFigureOut">
               <a:rPr lang="es-ES" smtClean="0"/>
-              <a:t>24.mar.2018</a:t>
+              <a:t>17/05/2018</a:t>
             </a:fld>
             <a:endParaRPr lang="es-ES"/>
           </a:p>
@@ -3728,7 +3738,7 @@
           <a:p>
             <a:fld id="{F0718073-08D8-4D69-97D5-394DDE67839D}" type="slidenum">
               <a:rPr lang="es-ES" smtClean="0"/>
-              <a:t>‹#›</a:t>
+              <a:t>‹Nº›</a:t>
             </a:fld>
             <a:endParaRPr lang="es-ES"/>
           </a:p>
@@ -3815,7 +3825,7 @@
           <a:lstStyle/>
           <a:p>
             <a:r>
-              <a:rPr lang="en-US" smtClean="0"/>
+              <a:rPr lang="en-US"/>
               <a:t>Click to edit Master title style</a:t>
             </a:r>
             <a:endParaRPr lang="en-US" dirty="0"/>
@@ -3839,35 +3849,35 @@
           <a:p>
             <a:pPr lvl="0"/>
             <a:r>
-              <a:rPr lang="en-US" smtClean="0"/>
+              <a:rPr lang="en-US"/>
               <a:t>Click to edit Master text styles</a:t>
             </a:r>
           </a:p>
           <a:p>
             <a:pPr lvl="1"/>
             <a:r>
-              <a:rPr lang="en-US" smtClean="0"/>
+              <a:rPr lang="en-US"/>
               <a:t>Second level</a:t>
             </a:r>
           </a:p>
           <a:p>
             <a:pPr lvl="2"/>
             <a:r>
-              <a:rPr lang="en-US" smtClean="0"/>
+              <a:rPr lang="en-US"/>
               <a:t>Third level</a:t>
             </a:r>
           </a:p>
           <a:p>
             <a:pPr lvl="3"/>
             <a:r>
-              <a:rPr lang="en-US" smtClean="0"/>
+              <a:rPr lang="en-US"/>
               <a:t>Fourth level</a:t>
             </a:r>
           </a:p>
           <a:p>
             <a:pPr lvl="4"/>
             <a:r>
-              <a:rPr lang="en-US" smtClean="0"/>
+              <a:rPr lang="en-US"/>
               <a:t>Fifth level</a:t>
             </a:r>
             <a:endParaRPr lang="en-US" dirty="0"/>
@@ -3891,7 +3901,7 @@
           <a:p>
             <a:fld id="{8872061F-2D2D-4C9B-BE4B-97F1BF8D82AB}" type="datetimeFigureOut">
               <a:rPr lang="es-ES" smtClean="0"/>
-              <a:t>24.mar.2018</a:t>
+              <a:t>17/05/2018</a:t>
             </a:fld>
             <a:endParaRPr lang="es-ES"/>
           </a:p>
@@ -3933,7 +3943,7 @@
           <a:p>
             <a:fld id="{F0718073-08D8-4D69-97D5-394DDE67839D}" type="slidenum">
               <a:rPr lang="es-ES" smtClean="0"/>
-              <a:t>‹#›</a:t>
+              <a:t>‹Nº›</a:t>
             </a:fld>
             <a:endParaRPr lang="es-ES"/>
           </a:p>
@@ -3990,7 +4000,7 @@
           <a:lstStyle/>
           <a:p>
             <a:r>
-              <a:rPr lang="en-US" smtClean="0"/>
+              <a:rPr lang="en-US"/>
               <a:t>Click to edit Master title style</a:t>
             </a:r>
             <a:endParaRPr lang="en-US" dirty="0"/>
@@ -4019,35 +4029,35 @@
           <a:p>
             <a:pPr lvl="0"/>
             <a:r>
-              <a:rPr lang="en-US" smtClean="0"/>
+              <a:rPr lang="en-US"/>
               <a:t>Click to edit Master text styles</a:t>
             </a:r>
           </a:p>
           <a:p>
             <a:pPr lvl="1"/>
             <a:r>
-              <a:rPr lang="en-US" smtClean="0"/>
+              <a:rPr lang="en-US"/>
               <a:t>Second level</a:t>
             </a:r>
           </a:p>
           <a:p>
             <a:pPr lvl="2"/>
             <a:r>
-              <a:rPr lang="en-US" smtClean="0"/>
+              <a:rPr lang="en-US"/>
               <a:t>Third level</a:t>
             </a:r>
           </a:p>
           <a:p>
             <a:pPr lvl="3"/>
             <a:r>
-              <a:rPr lang="en-US" smtClean="0"/>
+              <a:rPr lang="en-US"/>
               <a:t>Fourth level</a:t>
             </a:r>
           </a:p>
           <a:p>
             <a:pPr lvl="4"/>
             <a:r>
-              <a:rPr lang="en-US" smtClean="0"/>
+              <a:rPr lang="en-US"/>
               <a:t>Fifth level</a:t>
             </a:r>
             <a:endParaRPr lang="en-US" dirty="0"/>
@@ -4071,7 +4081,7 @@
           <a:p>
             <a:fld id="{8872061F-2D2D-4C9B-BE4B-97F1BF8D82AB}" type="datetimeFigureOut">
               <a:rPr lang="es-ES" smtClean="0"/>
-              <a:t>24.mar.2018</a:t>
+              <a:t>17/05/2018</a:t>
             </a:fld>
             <a:endParaRPr lang="es-ES"/>
           </a:p>
@@ -4113,7 +4123,7 @@
           <a:p>
             <a:fld id="{F0718073-08D8-4D69-97D5-394DDE67839D}" type="slidenum">
               <a:rPr lang="es-ES" smtClean="0"/>
-              <a:t>‹#›</a:t>
+              <a:t>‹Nº›</a:t>
             </a:fld>
             <a:endParaRPr lang="es-ES"/>
           </a:p>
@@ -4200,7 +4210,7 @@
           <a:lstStyle/>
           <a:p>
             <a:r>
-              <a:rPr lang="en-US" smtClean="0"/>
+              <a:rPr lang="en-US"/>
               <a:t>Click to edit Master title style</a:t>
             </a:r>
             <a:endParaRPr lang="en-US" dirty="0"/>
@@ -4224,35 +4234,35 @@
           <a:p>
             <a:pPr lvl="0"/>
             <a:r>
-              <a:rPr lang="en-US" smtClean="0"/>
+              <a:rPr lang="en-US"/>
               <a:t>Click to edit Master text styles</a:t>
             </a:r>
           </a:p>
           <a:p>
             <a:pPr lvl="1"/>
             <a:r>
-              <a:rPr lang="en-US" smtClean="0"/>
+              <a:rPr lang="en-US"/>
               <a:t>Second level</a:t>
             </a:r>
           </a:p>
           <a:p>
             <a:pPr lvl="2"/>
             <a:r>
-              <a:rPr lang="en-US" smtClean="0"/>
+              <a:rPr lang="en-US"/>
               <a:t>Third level</a:t>
             </a:r>
           </a:p>
           <a:p>
             <a:pPr lvl="3"/>
             <a:r>
-              <a:rPr lang="en-US" smtClean="0"/>
+              <a:rPr lang="en-US"/>
               <a:t>Fourth level</a:t>
             </a:r>
           </a:p>
           <a:p>
             <a:pPr lvl="4"/>
             <a:r>
-              <a:rPr lang="en-US" smtClean="0"/>
+              <a:rPr lang="en-US"/>
               <a:t>Fifth level</a:t>
             </a:r>
             <a:endParaRPr lang="en-US" dirty="0"/>
@@ -4276,7 +4286,7 @@
           <a:p>
             <a:fld id="{8872061F-2D2D-4C9B-BE4B-97F1BF8D82AB}" type="datetimeFigureOut">
               <a:rPr lang="es-ES" smtClean="0"/>
-              <a:t>24.mar.2018</a:t>
+              <a:t>17/05/2018</a:t>
             </a:fld>
             <a:endParaRPr lang="es-ES"/>
           </a:p>
@@ -4318,7 +4328,7 @@
           <a:p>
             <a:fld id="{F0718073-08D8-4D69-97D5-394DDE67839D}" type="slidenum">
               <a:rPr lang="es-ES" smtClean="0"/>
-              <a:t>‹#›</a:t>
+              <a:t>‹Nº›</a:t>
             </a:fld>
             <a:endParaRPr lang="es-ES"/>
           </a:p>
@@ -7793,7 +7803,7 @@
           </a:lstStyle>
           <a:p>
             <a:r>
-              <a:rPr lang="en-US" smtClean="0"/>
+              <a:rPr lang="en-US"/>
               <a:t>Click to edit Master title style</a:t>
             </a:r>
             <a:endParaRPr lang="en-US" dirty="0"/>
@@ -7922,7 +7932,7 @@
           <a:p>
             <a:pPr lvl="0"/>
             <a:r>
-              <a:rPr lang="en-US" smtClean="0"/>
+              <a:rPr lang="en-US"/>
               <a:t>Click to edit Master text styles</a:t>
             </a:r>
           </a:p>
@@ -7945,7 +7955,7 @@
           <a:p>
             <a:fld id="{8872061F-2D2D-4C9B-BE4B-97F1BF8D82AB}" type="datetimeFigureOut">
               <a:rPr lang="es-ES" smtClean="0"/>
-              <a:t>24.mar.2018</a:t>
+              <a:t>17/05/2018</a:t>
             </a:fld>
             <a:endParaRPr lang="es-ES"/>
           </a:p>
@@ -7987,7 +7997,7 @@
           <a:p>
             <a:fld id="{F0718073-08D8-4D69-97D5-394DDE67839D}" type="slidenum">
               <a:rPr lang="es-ES" smtClean="0"/>
-              <a:t>‹#›</a:t>
+              <a:t>‹Nº›</a:t>
             </a:fld>
             <a:endParaRPr lang="es-ES"/>
           </a:p>
@@ -8079,7 +8089,7 @@
           <a:lstStyle/>
           <a:p>
             <a:r>
-              <a:rPr lang="en-US" smtClean="0"/>
+              <a:rPr lang="en-US"/>
               <a:t>Click to edit Master title style</a:t>
             </a:r>
             <a:endParaRPr lang="en-US" dirty="0"/>
@@ -8108,35 +8118,35 @@
           <a:p>
             <a:pPr lvl="0"/>
             <a:r>
-              <a:rPr lang="en-US" smtClean="0"/>
+              <a:rPr lang="en-US"/>
               <a:t>Click to edit Master text styles</a:t>
             </a:r>
           </a:p>
           <a:p>
             <a:pPr lvl="1"/>
             <a:r>
-              <a:rPr lang="en-US" smtClean="0"/>
+              <a:rPr lang="en-US"/>
               <a:t>Second level</a:t>
             </a:r>
           </a:p>
           <a:p>
             <a:pPr lvl="2"/>
             <a:r>
-              <a:rPr lang="en-US" smtClean="0"/>
+              <a:rPr lang="en-US"/>
               <a:t>Third level</a:t>
             </a:r>
           </a:p>
           <a:p>
             <a:pPr lvl="3"/>
             <a:r>
-              <a:rPr lang="en-US" smtClean="0"/>
+              <a:rPr lang="en-US"/>
               <a:t>Fourth level</a:t>
             </a:r>
           </a:p>
           <a:p>
             <a:pPr lvl="4"/>
             <a:r>
-              <a:rPr lang="en-US" smtClean="0"/>
+              <a:rPr lang="en-US"/>
               <a:t>Fifth level</a:t>
             </a:r>
             <a:endParaRPr lang="en-US" dirty="0"/>
@@ -8165,35 +8175,35 @@
           <a:p>
             <a:pPr lvl="0"/>
             <a:r>
-              <a:rPr lang="en-US" smtClean="0"/>
+              <a:rPr lang="en-US"/>
               <a:t>Click to edit Master text styles</a:t>
             </a:r>
           </a:p>
           <a:p>
             <a:pPr lvl="1"/>
             <a:r>
-              <a:rPr lang="en-US" smtClean="0"/>
+              <a:rPr lang="en-US"/>
               <a:t>Second level</a:t>
             </a:r>
           </a:p>
           <a:p>
             <a:pPr lvl="2"/>
             <a:r>
-              <a:rPr lang="en-US" smtClean="0"/>
+              <a:rPr lang="en-US"/>
               <a:t>Third level</a:t>
             </a:r>
           </a:p>
           <a:p>
             <a:pPr lvl="3"/>
             <a:r>
-              <a:rPr lang="en-US" smtClean="0"/>
+              <a:rPr lang="en-US"/>
               <a:t>Fourth level</a:t>
             </a:r>
           </a:p>
           <a:p>
             <a:pPr lvl="4"/>
             <a:r>
-              <a:rPr lang="en-US" smtClean="0"/>
+              <a:rPr lang="en-US"/>
               <a:t>Fifth level</a:t>
             </a:r>
             <a:endParaRPr lang="en-US" dirty="0"/>
@@ -8217,7 +8227,7 @@
           <a:p>
             <a:fld id="{8872061F-2D2D-4C9B-BE4B-97F1BF8D82AB}" type="datetimeFigureOut">
               <a:rPr lang="es-ES" smtClean="0"/>
-              <a:t>24.mar.2018</a:t>
+              <a:t>17/05/2018</a:t>
             </a:fld>
             <a:endParaRPr lang="es-ES"/>
           </a:p>
@@ -8259,7 +8269,7 @@
           <a:p>
             <a:fld id="{F0718073-08D8-4D69-97D5-394DDE67839D}" type="slidenum">
               <a:rPr lang="es-ES" smtClean="0"/>
-              <a:t>‹#›</a:t>
+              <a:t>‹Nº›</a:t>
             </a:fld>
             <a:endParaRPr lang="es-ES"/>
           </a:p>
@@ -8316,7 +8326,7 @@
           <a:lstStyle/>
           <a:p>
             <a:r>
-              <a:rPr lang="en-US" smtClean="0"/>
+              <a:rPr lang="en-US"/>
               <a:t>Click to edit Master title style</a:t>
             </a:r>
             <a:endParaRPr lang="en-US" dirty="0"/>
@@ -8395,7 +8405,7 @@
           <a:p>
             <a:pPr lvl="0"/>
             <a:r>
-              <a:rPr lang="en-US" smtClean="0"/>
+              <a:rPr lang="en-US"/>
               <a:t>Click to edit Master text styles</a:t>
             </a:r>
           </a:p>
@@ -8423,35 +8433,35 @@
           <a:p>
             <a:pPr lvl="0"/>
             <a:r>
-              <a:rPr lang="en-US" smtClean="0"/>
+              <a:rPr lang="en-US"/>
               <a:t>Click to edit Master text styles</a:t>
             </a:r>
           </a:p>
           <a:p>
             <a:pPr lvl="1"/>
             <a:r>
-              <a:rPr lang="en-US" smtClean="0"/>
+              <a:rPr lang="en-US"/>
               <a:t>Second level</a:t>
             </a:r>
           </a:p>
           <a:p>
             <a:pPr lvl="2"/>
             <a:r>
-              <a:rPr lang="en-US" smtClean="0"/>
+              <a:rPr lang="en-US"/>
               <a:t>Third level</a:t>
             </a:r>
           </a:p>
           <a:p>
             <a:pPr lvl="3"/>
             <a:r>
-              <a:rPr lang="en-US" smtClean="0"/>
+              <a:rPr lang="en-US"/>
               <a:t>Fourth level</a:t>
             </a:r>
           </a:p>
           <a:p>
             <a:pPr lvl="4"/>
             <a:r>
-              <a:rPr lang="en-US" smtClean="0"/>
+              <a:rPr lang="en-US"/>
               <a:t>Fifth level</a:t>
             </a:r>
             <a:endParaRPr lang="en-US" dirty="0"/>
@@ -8540,7 +8550,7 @@
               <a:buNone/>
             </a:pPr>
             <a:r>
-              <a:rPr lang="en-US" smtClean="0"/>
+              <a:rPr lang="en-US"/>
               <a:t>Click to edit Master text styles</a:t>
             </a:r>
           </a:p>
@@ -8568,35 +8578,35 @@
           <a:p>
             <a:pPr lvl="0"/>
             <a:r>
-              <a:rPr lang="en-US" smtClean="0"/>
+              <a:rPr lang="en-US"/>
               <a:t>Click to edit Master text styles</a:t>
             </a:r>
           </a:p>
           <a:p>
             <a:pPr lvl="1"/>
             <a:r>
-              <a:rPr lang="en-US" smtClean="0"/>
+              <a:rPr lang="en-US"/>
               <a:t>Second level</a:t>
             </a:r>
           </a:p>
           <a:p>
             <a:pPr lvl="2"/>
             <a:r>
-              <a:rPr lang="en-US" smtClean="0"/>
+              <a:rPr lang="en-US"/>
               <a:t>Third level</a:t>
             </a:r>
           </a:p>
           <a:p>
             <a:pPr lvl="3"/>
             <a:r>
-              <a:rPr lang="en-US" smtClean="0"/>
+              <a:rPr lang="en-US"/>
               <a:t>Fourth level</a:t>
             </a:r>
           </a:p>
           <a:p>
             <a:pPr lvl="4"/>
             <a:r>
-              <a:rPr lang="en-US" smtClean="0"/>
+              <a:rPr lang="en-US"/>
               <a:t>Fifth level</a:t>
             </a:r>
             <a:endParaRPr lang="en-US" dirty="0"/>
@@ -8620,7 +8630,7 @@
           <a:p>
             <a:fld id="{8872061F-2D2D-4C9B-BE4B-97F1BF8D82AB}" type="datetimeFigureOut">
               <a:rPr lang="es-ES" smtClean="0"/>
-              <a:t>24.mar.2018</a:t>
+              <a:t>17/05/2018</a:t>
             </a:fld>
             <a:endParaRPr lang="es-ES"/>
           </a:p>
@@ -8662,7 +8672,7 @@
           <a:p>
             <a:fld id="{F0718073-08D8-4D69-97D5-394DDE67839D}" type="slidenum">
               <a:rPr lang="es-ES" smtClean="0"/>
-              <a:t>‹#›</a:t>
+              <a:t>‹Nº›</a:t>
             </a:fld>
             <a:endParaRPr lang="es-ES"/>
           </a:p>
@@ -8714,7 +8724,7 @@
           <a:lstStyle/>
           <a:p>
             <a:r>
-              <a:rPr lang="en-US" smtClean="0"/>
+              <a:rPr lang="en-US"/>
               <a:t>Click to edit Master title style</a:t>
             </a:r>
             <a:endParaRPr lang="en-US" dirty="0"/>
@@ -8738,7 +8748,7 @@
           <a:p>
             <a:fld id="{8872061F-2D2D-4C9B-BE4B-97F1BF8D82AB}" type="datetimeFigureOut">
               <a:rPr lang="es-ES" smtClean="0"/>
-              <a:t>24.mar.2018</a:t>
+              <a:t>17/05/2018</a:t>
             </a:fld>
             <a:endParaRPr lang="es-ES"/>
           </a:p>
@@ -8780,7 +8790,7 @@
           <a:p>
             <a:fld id="{F0718073-08D8-4D69-97D5-394DDE67839D}" type="slidenum">
               <a:rPr lang="es-ES" smtClean="0"/>
-              <a:t>‹#›</a:t>
+              <a:t>‹Nº›</a:t>
             </a:fld>
             <a:endParaRPr lang="es-ES"/>
           </a:p>
@@ -8833,7 +8843,7 @@
           <a:p>
             <a:fld id="{8872061F-2D2D-4C9B-BE4B-97F1BF8D82AB}" type="datetimeFigureOut">
               <a:rPr lang="es-ES" smtClean="0"/>
-              <a:t>24.mar.2018</a:t>
+              <a:t>17/05/2018</a:t>
             </a:fld>
             <a:endParaRPr lang="es-ES"/>
           </a:p>
@@ -8875,7 +8885,7 @@
           <a:p>
             <a:fld id="{F0718073-08D8-4D69-97D5-394DDE67839D}" type="slidenum">
               <a:rPr lang="es-ES" smtClean="0"/>
-              <a:t>‹#›</a:t>
+              <a:t>‹Nº›</a:t>
             </a:fld>
             <a:endParaRPr lang="es-ES"/>
           </a:p>
@@ -8941,7 +8951,7 @@
           </a:lstStyle>
           <a:p>
             <a:r>
-              <a:rPr lang="en-US" smtClean="0"/>
+              <a:rPr lang="en-US"/>
               <a:t>Click to edit Master title style</a:t>
             </a:r>
             <a:endParaRPr lang="en-US" dirty="0"/>
@@ -8998,35 +9008,35 @@
           <a:p>
             <a:pPr lvl="0"/>
             <a:r>
-              <a:rPr lang="en-US" smtClean="0"/>
+              <a:rPr lang="en-US"/>
               <a:t>Click to edit Master text styles</a:t>
             </a:r>
           </a:p>
           <a:p>
             <a:pPr lvl="1"/>
             <a:r>
-              <a:rPr lang="en-US" smtClean="0"/>
+              <a:rPr lang="en-US"/>
               <a:t>Second level</a:t>
             </a:r>
           </a:p>
           <a:p>
             <a:pPr lvl="2"/>
             <a:r>
-              <a:rPr lang="en-US" smtClean="0"/>
+              <a:rPr lang="en-US"/>
               <a:t>Third level</a:t>
             </a:r>
           </a:p>
           <a:p>
             <a:pPr lvl="3"/>
             <a:r>
-              <a:rPr lang="en-US" smtClean="0"/>
+              <a:rPr lang="en-US"/>
               <a:t>Fourth level</a:t>
             </a:r>
           </a:p>
           <a:p>
             <a:pPr lvl="4"/>
             <a:r>
-              <a:rPr lang="en-US" smtClean="0"/>
+              <a:rPr lang="en-US"/>
               <a:t>Fifth level</a:t>
             </a:r>
             <a:endParaRPr lang="en-US" dirty="0"/>
@@ -9100,7 +9110,7 @@
           <a:p>
             <a:pPr lvl="0"/>
             <a:r>
-              <a:rPr lang="en-US" smtClean="0"/>
+              <a:rPr lang="en-US"/>
               <a:t>Click to edit Master text styles</a:t>
             </a:r>
           </a:p>
@@ -9123,7 +9133,7 @@
           <a:p>
             <a:fld id="{8872061F-2D2D-4C9B-BE4B-97F1BF8D82AB}" type="datetimeFigureOut">
               <a:rPr lang="es-ES" smtClean="0"/>
-              <a:t>24.mar.2018</a:t>
+              <a:t>17/05/2018</a:t>
             </a:fld>
             <a:endParaRPr lang="es-ES"/>
           </a:p>
@@ -9165,7 +9175,7 @@
           <a:p>
             <a:fld id="{F0718073-08D8-4D69-97D5-394DDE67839D}" type="slidenum">
               <a:rPr lang="es-ES" smtClean="0"/>
-              <a:t>‹#›</a:t>
+              <a:t>‹Nº›</a:t>
             </a:fld>
             <a:endParaRPr lang="es-ES"/>
           </a:p>
@@ -9228,7 +9238,7 @@
           </a:lstStyle>
           <a:p>
             <a:r>
-              <a:rPr lang="en-US" smtClean="0"/>
+              <a:rPr lang="en-US"/>
               <a:t>Click to edit Master title style</a:t>
             </a:r>
             <a:endParaRPr lang="en-US" dirty="0"/>
@@ -9299,7 +9309,7 @@
           </a:lstStyle>
           <a:p>
             <a:r>
-              <a:rPr lang="en-US" smtClean="0"/>
+              <a:rPr lang="en-US"/>
               <a:t>Click icon to add picture</a:t>
             </a:r>
             <a:endParaRPr lang="en-US" dirty="0"/>
@@ -9380,7 +9390,7 @@
           <a:p>
             <a:pPr lvl="0"/>
             <a:r>
-              <a:rPr lang="en-US" smtClean="0"/>
+              <a:rPr lang="en-US"/>
               <a:t>Click to edit Master text styles</a:t>
             </a:r>
           </a:p>
@@ -9403,7 +9413,7 @@
           <a:p>
             <a:fld id="{8872061F-2D2D-4C9B-BE4B-97F1BF8D82AB}" type="datetimeFigureOut">
               <a:rPr lang="es-ES" smtClean="0"/>
-              <a:t>24.mar.2018</a:t>
+              <a:t>17/05/2018</a:t>
             </a:fld>
             <a:endParaRPr lang="es-ES"/>
           </a:p>
@@ -9445,7 +9455,7 @@
           <a:p>
             <a:fld id="{F0718073-08D8-4D69-97D5-394DDE67839D}" type="slidenum">
               <a:rPr lang="es-ES" smtClean="0"/>
-              <a:t>‹#›</a:t>
+              <a:t>‹Nº›</a:t>
             </a:fld>
             <a:endParaRPr lang="es-ES"/>
           </a:p>
@@ -9547,7 +9557,7 @@
           <a:lstStyle/>
           <a:p>
             <a:r>
-              <a:rPr lang="en-US" smtClean="0"/>
+              <a:rPr lang="en-US"/>
               <a:t>Click to edit Master title style</a:t>
             </a:r>
             <a:endParaRPr lang="en-US" dirty="0"/>
@@ -9581,35 +9591,35 @@
           <a:p>
             <a:pPr lvl="0"/>
             <a:r>
-              <a:rPr lang="en-US" smtClean="0"/>
+              <a:rPr lang="en-US"/>
               <a:t>Click to edit Master text styles</a:t>
             </a:r>
           </a:p>
           <a:p>
             <a:pPr lvl="1"/>
             <a:r>
-              <a:rPr lang="en-US" smtClean="0"/>
+              <a:rPr lang="en-US"/>
               <a:t>Second level</a:t>
             </a:r>
           </a:p>
           <a:p>
             <a:pPr lvl="2"/>
             <a:r>
-              <a:rPr lang="en-US" smtClean="0"/>
+              <a:rPr lang="en-US"/>
               <a:t>Third level</a:t>
             </a:r>
           </a:p>
           <a:p>
             <a:pPr lvl="3"/>
             <a:r>
-              <a:rPr lang="en-US" smtClean="0"/>
+              <a:rPr lang="en-US"/>
               <a:t>Fourth level</a:t>
             </a:r>
           </a:p>
           <a:p>
             <a:pPr lvl="4"/>
             <a:r>
-              <a:rPr lang="en-US" smtClean="0"/>
+              <a:rPr lang="en-US"/>
               <a:t>Fifth level</a:t>
             </a:r>
             <a:endParaRPr lang="en-US" dirty="0"/>
@@ -9653,7 +9663,7 @@
           <a:p>
             <a:fld id="{8872061F-2D2D-4C9B-BE4B-97F1BF8D82AB}" type="datetimeFigureOut">
               <a:rPr lang="es-ES" smtClean="0"/>
-              <a:t>24.mar.2018</a:t>
+              <a:t>17/05/2018</a:t>
             </a:fld>
             <a:endParaRPr lang="es-ES"/>
           </a:p>
@@ -9735,7 +9745,7 @@
           <a:p>
             <a:fld id="{F0718073-08D8-4D69-97D5-394DDE67839D}" type="slidenum">
               <a:rPr lang="es-ES" smtClean="0"/>
-              <a:t>‹#›</a:t>
+              <a:t>‹Nº›</a:t>
             </a:fld>
             <a:endParaRPr lang="es-ES"/>
           </a:p>
@@ -10183,7 +10193,7 @@
           <a:p>
             <a:pPr algn="ctr"/>
             <a:r>
-              <a:rPr lang="es-ES" sz="4400" b="1" dirty="0" smtClean="0">
+              <a:rPr lang="es-ES" sz="4400" b="1" dirty="0">
                 <a:solidFill>
                   <a:schemeClr val="accent1">
                     <a:lumMod val="75000"/>
@@ -10192,13 +10202,6 @@
               </a:rPr>
               <a:t>COMO HICE STEMTRIVIAL CON REACT</a:t>
             </a:r>
-            <a:endParaRPr lang="es-ES" sz="4400" b="1" dirty="0">
-              <a:solidFill>
-                <a:schemeClr val="accent1">
-                  <a:lumMod val="75000"/>
-                </a:schemeClr>
-              </a:solidFill>
-            </a:endParaRPr>
           </a:p>
         </p:txBody>
       </p:sp>
@@ -10229,7 +10232,7 @@
           <a:lstStyle/>
           <a:p>
             <a:r>
-              <a:rPr lang="es-ES" b="1" dirty="0" smtClean="0">
+              <a:rPr lang="es-ES" b="1" dirty="0">
                 <a:solidFill>
                   <a:schemeClr val="accent1">
                     <a:lumMod val="75000"/>
@@ -10238,13 +10241,6 @@
               </a:rPr>
               <a:t>AZAHARA FERNANDEZ GUIZAN</a:t>
             </a:r>
-            <a:endParaRPr lang="es-ES" b="1" dirty="0">
-              <a:solidFill>
-                <a:schemeClr val="accent1">
-                  <a:lumMod val="75000"/>
-                </a:schemeClr>
-              </a:solidFill>
-            </a:endParaRPr>
           </a:p>
         </p:txBody>
       </p:sp>
@@ -10310,6 +10306,208 @@
       </p:grpSpPr>
       <p:sp>
         <p:nvSpPr>
+          <p:cNvPr id="4" name="Cloud 3"/>
+          <p:cNvSpPr/>
+          <p:nvPr/>
+        </p:nvSpPr>
+        <p:spPr>
+          <a:xfrm>
+            <a:off x="8827675" y="3989908"/>
+            <a:ext cx="2927445" cy="2278812"/>
+          </a:xfrm>
+          <a:prstGeom prst="cloud">
+            <a:avLst/>
+          </a:prstGeom>
+        </p:spPr>
+        <p:style>
+          <a:lnRef idx="2">
+            <a:schemeClr val="accent1">
+              <a:shade val="50000"/>
+            </a:schemeClr>
+          </a:lnRef>
+          <a:fillRef idx="1">
+            <a:schemeClr val="accent1"/>
+          </a:fillRef>
+          <a:effectRef idx="0">
+            <a:schemeClr val="accent1"/>
+          </a:effectRef>
+          <a:fontRef idx="minor">
+            <a:schemeClr val="lt1"/>
+          </a:fontRef>
+        </p:style>
+        <p:txBody>
+          <a:bodyPr rtlCol="0" anchor="ctr"/>
+          <a:lstStyle/>
+          <a:p>
+            <a:pPr algn="ctr"/>
+            <a:endParaRPr lang="es-ES"/>
+          </a:p>
+        </p:txBody>
+      </p:sp>
+      <p:sp>
+        <p:nvSpPr>
+          <p:cNvPr id="5" name="TextBox 4"/>
+          <p:cNvSpPr txBox="1"/>
+          <p:nvPr/>
+        </p:nvSpPr>
+        <p:spPr>
+          <a:xfrm>
+            <a:off x="9178026" y="4259595"/>
+            <a:ext cx="2155435" cy="1754326"/>
+          </a:xfrm>
+          <a:prstGeom prst="rect">
+            <a:avLst/>
+          </a:prstGeom>
+          <a:noFill/>
+        </p:spPr>
+        <p:txBody>
+          <a:bodyPr wrap="square" rtlCol="0">
+            <a:spAutoFit/>
+          </a:bodyPr>
+          <a:lstStyle/>
+          <a:p>
+            <a:pPr algn="ctr"/>
+            <a:r>
+              <a:rPr lang="es-ES" b="1" dirty="0">
+                <a:solidFill>
+                  <a:schemeClr val="bg1"/>
+                </a:solidFill>
+              </a:rPr>
+              <a:t>En este componente lo más especial es la forma en que se le pasa la respuesta seleccionado en el método </a:t>
+            </a:r>
+            <a:r>
+              <a:rPr lang="es-ES" b="1" dirty="0" err="1">
+                <a:solidFill>
+                  <a:schemeClr val="bg1"/>
+                </a:solidFill>
+              </a:rPr>
+              <a:t>onclick</a:t>
+            </a:r>
+            <a:endParaRPr lang="es-ES" b="1" dirty="0">
+              <a:solidFill>
+                <a:schemeClr val="bg1"/>
+              </a:solidFill>
+            </a:endParaRPr>
+          </a:p>
+        </p:txBody>
+      </p:sp>
+      <p:sp>
+        <p:nvSpPr>
+          <p:cNvPr id="6" name="Title 11">
+            <a:extLst>
+              <a:ext uri="{FF2B5EF4-FFF2-40B4-BE49-F238E27FC236}">
+                <a16:creationId xmlns:a16="http://schemas.microsoft.com/office/drawing/2014/main" id="{70E32D2E-C114-4943-A213-3F2C1817EF01}"/>
+              </a:ext>
+            </a:extLst>
+          </p:cNvPr>
+          <p:cNvSpPr txBox="1">
+            <a:spLocks/>
+          </p:cNvSpPr>
+          <p:nvPr/>
+        </p:nvSpPr>
+        <p:spPr>
+          <a:xfrm>
+            <a:off x="6946537" y="192273"/>
+            <a:ext cx="4920343" cy="1499616"/>
+          </a:xfrm>
+          <a:prstGeom prst="rect">
+            <a:avLst/>
+          </a:prstGeom>
+        </p:spPr>
+        <p:txBody>
+          <a:bodyPr/>
+          <a:lstStyle>
+            <a:lvl1pPr algn="l" defTabSz="914400" rtl="0" eaLnBrk="1" latinLnBrk="0" hangingPunct="1">
+              <a:lnSpc>
+                <a:spcPct val="80000"/>
+              </a:lnSpc>
+              <a:spcBef>
+                <a:spcPct val="0"/>
+              </a:spcBef>
+              <a:buNone/>
+              <a:defRPr sz="5000" kern="1200" cap="all" spc="100" baseline="0">
+                <a:solidFill>
+                  <a:schemeClr val="tx1">
+                    <a:lumMod val="95000"/>
+                    <a:lumOff val="5000"/>
+                  </a:schemeClr>
+                </a:solidFill>
+                <a:latin typeface="+mj-lt"/>
+                <a:ea typeface="+mj-ea"/>
+                <a:cs typeface="+mj-cs"/>
+              </a:defRPr>
+            </a:lvl1pPr>
+          </a:lstStyle>
+          <a:p>
+            <a:r>
+              <a:rPr lang="es-ES" dirty="0"/>
+              <a:t>Componente GAME</a:t>
+            </a:r>
+          </a:p>
+        </p:txBody>
+      </p:sp>
+      <p:pic>
+        <p:nvPicPr>
+          <p:cNvPr id="2" name="Imagen 1">
+            <a:extLst>
+              <a:ext uri="{FF2B5EF4-FFF2-40B4-BE49-F238E27FC236}">
+                <a16:creationId xmlns:a16="http://schemas.microsoft.com/office/drawing/2014/main" id="{14F36316-FF9A-4E78-8C43-5D5CF27A95D7}"/>
+              </a:ext>
+            </a:extLst>
+          </p:cNvPr>
+          <p:cNvPicPr>
+            <a:picLocks noChangeAspect="1"/>
+          </p:cNvPicPr>
+          <p:nvPr/>
+        </p:nvPicPr>
+        <p:blipFill>
+          <a:blip r:embed="rId2"/>
+          <a:stretch>
+            <a:fillRect/>
+          </a:stretch>
+        </p:blipFill>
+        <p:spPr>
+          <a:xfrm>
+            <a:off x="182880" y="1064749"/>
+            <a:ext cx="8644795" cy="4359170"/>
+          </a:xfrm>
+          <a:prstGeom prst="rect">
+            <a:avLst/>
+          </a:prstGeom>
+        </p:spPr>
+      </p:pic>
+    </p:spTree>
+    <p:extLst>
+      <p:ext uri="{BB962C8B-B14F-4D97-AF65-F5344CB8AC3E}">
+        <p14:creationId xmlns:p14="http://schemas.microsoft.com/office/powerpoint/2010/main" val="460771363"/>
+      </p:ext>
+    </p:extLst>
+  </p:cSld>
+  <p:clrMapOvr>
+    <a:masterClrMapping/>
+  </p:clrMapOvr>
+</p:sld>
+</file>
+
+<file path=ppt/slides/slide11.xml><?xml version="1.0" encoding="utf-8"?>
+<p:sld xmlns:a="http://schemas.openxmlformats.org/drawingml/2006/main" xmlns:r="http://schemas.openxmlformats.org/officeDocument/2006/relationships" xmlns:p="http://schemas.openxmlformats.org/presentationml/2006/main">
+  <p:cSld>
+    <p:spTree>
+      <p:nvGrpSpPr>
+        <p:cNvPr id="1" name=""/>
+        <p:cNvGrpSpPr/>
+        <p:nvPr/>
+      </p:nvGrpSpPr>
+      <p:grpSpPr>
+        <a:xfrm>
+          <a:off x="0" y="0"/>
+          <a:ext cx="0" cy="0"/>
+          <a:chOff x="0" y="0"/>
+          <a:chExt cx="0" cy="0"/>
+        </a:xfrm>
+      </p:grpSpPr>
+      <p:sp>
+        <p:nvSpPr>
           <p:cNvPr id="4" name="Title 1"/>
           <p:cNvSpPr>
             <a:spLocks noGrp="1"/>
@@ -10324,7 +10522,7 @@
           <a:lstStyle/>
           <a:p>
             <a:r>
-              <a:rPr lang="es-ES" smtClean="0"/>
+              <a:rPr lang="es-ES"/>
               <a:t>Pantalla resultado</a:t>
             </a:r>
             <a:endParaRPr lang="es-ES" dirty="0"/>
@@ -10363,7 +10561,7 @@
 </p:sld>
 </file>
 
-<file path=ppt/slides/slide11.xml><?xml version="1.0" encoding="utf-8"?>
+<file path=ppt/slides/slide12.xml><?xml version="1.0" encoding="utf-8"?>
 <p:sld xmlns:a="http://schemas.openxmlformats.org/drawingml/2006/main" xmlns:r="http://schemas.openxmlformats.org/officeDocument/2006/relationships" xmlns:p="http://schemas.openxmlformats.org/presentationml/2006/main">
   <p:cSld>
     <p:spTree>
@@ -10380,10 +10578,1876 @@
           <a:chExt cx="0" cy="0"/>
         </a:xfrm>
       </p:grpSpPr>
+      <p:pic>
+        <p:nvPicPr>
+          <p:cNvPr id="2" name="Imagen 1">
+            <a:extLst>
+              <a:ext uri="{FF2B5EF4-FFF2-40B4-BE49-F238E27FC236}">
+                <a16:creationId xmlns:a16="http://schemas.microsoft.com/office/drawing/2014/main" id="{960BEFA9-611D-4B9B-83A3-FC733A133343}"/>
+              </a:ext>
+            </a:extLst>
+          </p:cNvPr>
+          <p:cNvPicPr>
+            <a:picLocks noChangeAspect="1"/>
+          </p:cNvPicPr>
+          <p:nvPr/>
+        </p:nvPicPr>
+        <p:blipFill>
+          <a:blip r:embed="rId2"/>
+          <a:stretch>
+            <a:fillRect/>
+          </a:stretch>
+        </p:blipFill>
+        <p:spPr>
+          <a:xfrm>
+            <a:off x="316250" y="284480"/>
+            <a:ext cx="5779750" cy="4216717"/>
+          </a:xfrm>
+          <a:prstGeom prst="rect">
+            <a:avLst/>
+          </a:prstGeom>
+        </p:spPr>
+      </p:pic>
+      <p:pic>
+        <p:nvPicPr>
+          <p:cNvPr id="3" name="Imagen 2">
+            <a:extLst>
+              <a:ext uri="{FF2B5EF4-FFF2-40B4-BE49-F238E27FC236}">
+                <a16:creationId xmlns:a16="http://schemas.microsoft.com/office/drawing/2014/main" id="{EC8A3C9D-D1F2-482D-83B1-2697465FA70F}"/>
+              </a:ext>
+            </a:extLst>
+          </p:cNvPr>
+          <p:cNvPicPr>
+            <a:picLocks noChangeAspect="1"/>
+          </p:cNvPicPr>
+          <p:nvPr/>
+        </p:nvPicPr>
+        <p:blipFill>
+          <a:blip r:embed="rId3"/>
+          <a:stretch>
+            <a:fillRect/>
+          </a:stretch>
+        </p:blipFill>
+        <p:spPr>
+          <a:xfrm>
+            <a:off x="224809" y="4465310"/>
+            <a:ext cx="7720311" cy="2108210"/>
+          </a:xfrm>
+          <a:prstGeom prst="rect">
+            <a:avLst/>
+          </a:prstGeom>
+        </p:spPr>
+      </p:pic>
+      <p:grpSp>
+        <p:nvGrpSpPr>
+          <p:cNvPr id="6" name="Grupo 5">
+            <a:extLst>
+              <a:ext uri="{FF2B5EF4-FFF2-40B4-BE49-F238E27FC236}">
+                <a16:creationId xmlns:a16="http://schemas.microsoft.com/office/drawing/2014/main" id="{48B60F3C-5FB7-4CAE-9EC0-57F9BEB22115}"/>
+              </a:ext>
+            </a:extLst>
+          </p:cNvPr>
+          <p:cNvGrpSpPr/>
+          <p:nvPr/>
+        </p:nvGrpSpPr>
+        <p:grpSpPr>
+          <a:xfrm>
+            <a:off x="6851093" y="1150188"/>
+            <a:ext cx="2927445" cy="2278812"/>
+            <a:chOff x="6851093" y="1150188"/>
+            <a:chExt cx="2927445" cy="2278812"/>
+          </a:xfrm>
+        </p:grpSpPr>
+        <p:sp>
+          <p:nvSpPr>
+            <p:cNvPr id="4" name="Cloud 3">
+              <a:extLst>
+                <a:ext uri="{FF2B5EF4-FFF2-40B4-BE49-F238E27FC236}">
+                  <a16:creationId xmlns:a16="http://schemas.microsoft.com/office/drawing/2014/main" id="{92070504-FDE7-459A-9D82-FA45A6A445E8}"/>
+                </a:ext>
+              </a:extLst>
+            </p:cNvPr>
+            <p:cNvSpPr/>
+            <p:nvPr/>
+          </p:nvSpPr>
+          <p:spPr>
+            <a:xfrm>
+              <a:off x="6851093" y="1150188"/>
+              <a:ext cx="2927445" cy="2278812"/>
+            </a:xfrm>
+            <a:prstGeom prst="cloud">
+              <a:avLst/>
+            </a:prstGeom>
+          </p:spPr>
+          <p:style>
+            <a:lnRef idx="2">
+              <a:schemeClr val="accent1">
+                <a:shade val="50000"/>
+              </a:schemeClr>
+            </a:lnRef>
+            <a:fillRef idx="1">
+              <a:schemeClr val="accent1"/>
+            </a:fillRef>
+            <a:effectRef idx="0">
+              <a:schemeClr val="accent1"/>
+            </a:effectRef>
+            <a:fontRef idx="minor">
+              <a:schemeClr val="lt1"/>
+            </a:fontRef>
+          </p:style>
+          <p:txBody>
+            <a:bodyPr rtlCol="0" anchor="ctr"/>
+            <a:lstStyle/>
+            <a:p>
+              <a:pPr algn="ctr"/>
+              <a:endParaRPr lang="es-ES"/>
+            </a:p>
+          </p:txBody>
+        </p:sp>
+        <p:sp>
+          <p:nvSpPr>
+            <p:cNvPr id="5" name="TextBox 4">
+              <a:extLst>
+                <a:ext uri="{FF2B5EF4-FFF2-40B4-BE49-F238E27FC236}">
+                  <a16:creationId xmlns:a16="http://schemas.microsoft.com/office/drawing/2014/main" id="{E09E3C1B-9158-4A0A-90AD-76C19B96FBAD}"/>
+                </a:ext>
+              </a:extLst>
+            </p:cNvPr>
+            <p:cNvSpPr txBox="1"/>
+            <p:nvPr/>
+          </p:nvSpPr>
+          <p:spPr>
+            <a:xfrm>
+              <a:off x="7237097" y="1412431"/>
+              <a:ext cx="2155435" cy="1754326"/>
+            </a:xfrm>
+            <a:prstGeom prst="rect">
+              <a:avLst/>
+            </a:prstGeom>
+            <a:noFill/>
+          </p:spPr>
+          <p:txBody>
+            <a:bodyPr wrap="square" rtlCol="0">
+              <a:spAutoFit/>
+            </a:bodyPr>
+            <a:lstStyle/>
+            <a:p>
+              <a:pPr algn="ctr"/>
+              <a:r>
+                <a:rPr lang="es-ES" b="1" dirty="0">
+                  <a:solidFill>
+                    <a:schemeClr val="bg1"/>
+                  </a:solidFill>
+                </a:rPr>
+                <a:t>En este componente lo más especial es la forma en que se le pasa la respuesta seleccionado en el método </a:t>
+              </a:r>
+              <a:r>
+                <a:rPr lang="es-ES" b="1" dirty="0" err="1">
+                  <a:solidFill>
+                    <a:schemeClr val="bg1"/>
+                  </a:solidFill>
+                </a:rPr>
+                <a:t>onclick</a:t>
+              </a:r>
+              <a:endParaRPr lang="es-ES" b="1" dirty="0">
+                <a:solidFill>
+                  <a:schemeClr val="bg1"/>
+                </a:solidFill>
+              </a:endParaRPr>
+            </a:p>
+          </p:txBody>
+        </p:sp>
+      </p:grpSp>
     </p:spTree>
     <p:extLst>
       <p:ext uri="{BB962C8B-B14F-4D97-AF65-F5344CB8AC3E}">
         <p14:creationId xmlns:p14="http://schemas.microsoft.com/office/powerpoint/2010/main" val="132803926"/>
+      </p:ext>
+    </p:extLst>
+  </p:cSld>
+  <p:clrMapOvr>
+    <a:masterClrMapping/>
+  </p:clrMapOvr>
+</p:sld>
+</file>
+
+<file path=ppt/slides/slide13.xml><?xml version="1.0" encoding="utf-8"?>
+<p:sld xmlns:a="http://schemas.openxmlformats.org/drawingml/2006/main" xmlns:r="http://schemas.openxmlformats.org/officeDocument/2006/relationships" xmlns:p="http://schemas.openxmlformats.org/presentationml/2006/main">
+  <p:cSld>
+    <p:spTree>
+      <p:nvGrpSpPr>
+        <p:cNvPr id="1" name=""/>
+        <p:cNvGrpSpPr/>
+        <p:nvPr/>
+      </p:nvGrpSpPr>
+      <p:grpSpPr>
+        <a:xfrm>
+          <a:off x="0" y="0"/>
+          <a:ext cx="0" cy="0"/>
+          <a:chOff x="0" y="0"/>
+          <a:chExt cx="0" cy="0"/>
+        </a:xfrm>
+      </p:grpSpPr>
+      <p:sp>
+        <p:nvSpPr>
+          <p:cNvPr id="2" name="Título 1">
+            <a:extLst>
+              <a:ext uri="{FF2B5EF4-FFF2-40B4-BE49-F238E27FC236}">
+                <a16:creationId xmlns:a16="http://schemas.microsoft.com/office/drawing/2014/main" id="{E0428829-46B8-4996-97BF-D04BE58513FB}"/>
+              </a:ext>
+            </a:extLst>
+          </p:cNvPr>
+          <p:cNvSpPr>
+            <a:spLocks noGrp="1"/>
+          </p:cNvSpPr>
+          <p:nvPr>
+            <p:ph type="title"/>
+          </p:nvPr>
+        </p:nvSpPr>
+        <p:spPr/>
+        <p:txBody>
+          <a:bodyPr/>
+          <a:lstStyle/>
+          <a:p>
+            <a:r>
+              <a:rPr lang="es-ES" dirty="0"/>
+              <a:t>Lógica del juego</a:t>
+            </a:r>
+          </a:p>
+        </p:txBody>
+      </p:sp>
+      <p:sp>
+        <p:nvSpPr>
+          <p:cNvPr id="3" name="Marcador de texto 2">
+            <a:extLst>
+              <a:ext uri="{FF2B5EF4-FFF2-40B4-BE49-F238E27FC236}">
+                <a16:creationId xmlns:a16="http://schemas.microsoft.com/office/drawing/2014/main" id="{D7E5DF1C-4C85-48EB-ADD2-44DCEAFC0A0E}"/>
+              </a:ext>
+            </a:extLst>
+          </p:cNvPr>
+          <p:cNvSpPr>
+            <a:spLocks noGrp="1"/>
+          </p:cNvSpPr>
+          <p:nvPr>
+            <p:ph type="body" idx="1"/>
+          </p:nvPr>
+        </p:nvSpPr>
+        <p:spPr/>
+        <p:txBody>
+          <a:bodyPr>
+            <a:normAutofit/>
+          </a:bodyPr>
+          <a:lstStyle/>
+          <a:p>
+            <a:r>
+              <a:rPr lang="es-ES" sz="3200" b="1" dirty="0">
+                <a:solidFill>
+                  <a:schemeClr val="accent5">
+                    <a:lumMod val="75000"/>
+                  </a:schemeClr>
+                </a:solidFill>
+              </a:rPr>
+              <a:t>APP</a:t>
+            </a:r>
+            <a:r>
+              <a:rPr lang="es-ES" sz="3200" b="1" i="1" dirty="0">
+                <a:solidFill>
+                  <a:schemeClr val="accent5">
+                    <a:lumMod val="75000"/>
+                  </a:schemeClr>
+                </a:solidFill>
+              </a:rPr>
+              <a:t>.JS</a:t>
+            </a:r>
+          </a:p>
+        </p:txBody>
+      </p:sp>
+    </p:spTree>
+    <p:extLst>
+      <p:ext uri="{BB962C8B-B14F-4D97-AF65-F5344CB8AC3E}">
+        <p14:creationId xmlns:p14="http://schemas.microsoft.com/office/powerpoint/2010/main" val="1206069311"/>
+      </p:ext>
+    </p:extLst>
+  </p:cSld>
+  <p:clrMapOvr>
+    <a:masterClrMapping/>
+  </p:clrMapOvr>
+</p:sld>
+</file>
+
+<file path=ppt/slides/slide14.xml><?xml version="1.0" encoding="utf-8"?>
+<p:sld xmlns:a="http://schemas.openxmlformats.org/drawingml/2006/main" xmlns:r="http://schemas.openxmlformats.org/officeDocument/2006/relationships" xmlns:p="http://schemas.openxmlformats.org/presentationml/2006/main">
+  <p:cSld>
+    <p:spTree>
+      <p:nvGrpSpPr>
+        <p:cNvPr id="1" name=""/>
+        <p:cNvGrpSpPr/>
+        <p:nvPr/>
+      </p:nvGrpSpPr>
+      <p:grpSpPr>
+        <a:xfrm>
+          <a:off x="0" y="0"/>
+          <a:ext cx="0" cy="0"/>
+          <a:chOff x="0" y="0"/>
+          <a:chExt cx="0" cy="0"/>
+        </a:xfrm>
+      </p:grpSpPr>
+      <p:pic>
+        <p:nvPicPr>
+          <p:cNvPr id="2" name="Imagen 1">
+            <a:extLst>
+              <a:ext uri="{FF2B5EF4-FFF2-40B4-BE49-F238E27FC236}">
+                <a16:creationId xmlns:a16="http://schemas.microsoft.com/office/drawing/2014/main" id="{66D3D799-0290-4D11-A0E8-3395E8FFEF09}"/>
+              </a:ext>
+            </a:extLst>
+          </p:cNvPr>
+          <p:cNvPicPr>
+            <a:picLocks noChangeAspect="1"/>
+          </p:cNvPicPr>
+          <p:nvPr/>
+        </p:nvPicPr>
+        <p:blipFill>
+          <a:blip r:embed="rId2"/>
+          <a:stretch>
+            <a:fillRect/>
+          </a:stretch>
+        </p:blipFill>
+        <p:spPr>
+          <a:xfrm>
+            <a:off x="0" y="464319"/>
+            <a:ext cx="9305925" cy="5467350"/>
+          </a:xfrm>
+          <a:prstGeom prst="rect">
+            <a:avLst/>
+          </a:prstGeom>
+        </p:spPr>
+      </p:pic>
+      <p:grpSp>
+        <p:nvGrpSpPr>
+          <p:cNvPr id="3" name="Grupo 2">
+            <a:extLst>
+              <a:ext uri="{FF2B5EF4-FFF2-40B4-BE49-F238E27FC236}">
+                <a16:creationId xmlns:a16="http://schemas.microsoft.com/office/drawing/2014/main" id="{B8C0AC01-0F15-4F41-A50B-533A862EEE2D}"/>
+              </a:ext>
+            </a:extLst>
+          </p:cNvPr>
+          <p:cNvGrpSpPr/>
+          <p:nvPr/>
+        </p:nvGrpSpPr>
+        <p:grpSpPr>
+          <a:xfrm>
+            <a:off x="8707602" y="1990696"/>
+            <a:ext cx="3290434" cy="2830685"/>
+            <a:chOff x="6851093" y="1150188"/>
+            <a:chExt cx="2927445" cy="2293568"/>
+          </a:xfrm>
+        </p:grpSpPr>
+        <p:sp>
+          <p:nvSpPr>
+            <p:cNvPr id="4" name="Cloud 3">
+              <a:extLst>
+                <a:ext uri="{FF2B5EF4-FFF2-40B4-BE49-F238E27FC236}">
+                  <a16:creationId xmlns:a16="http://schemas.microsoft.com/office/drawing/2014/main" id="{55BD2ACE-C830-4AF7-82F5-AA31B5AA780B}"/>
+                </a:ext>
+              </a:extLst>
+            </p:cNvPr>
+            <p:cNvSpPr/>
+            <p:nvPr/>
+          </p:nvSpPr>
+          <p:spPr>
+            <a:xfrm>
+              <a:off x="6851093" y="1150188"/>
+              <a:ext cx="2927445" cy="2278812"/>
+            </a:xfrm>
+            <a:prstGeom prst="cloud">
+              <a:avLst/>
+            </a:prstGeom>
+          </p:spPr>
+          <p:style>
+            <a:lnRef idx="2">
+              <a:schemeClr val="accent1">
+                <a:shade val="50000"/>
+              </a:schemeClr>
+            </a:lnRef>
+            <a:fillRef idx="1">
+              <a:schemeClr val="accent1"/>
+            </a:fillRef>
+            <a:effectRef idx="0">
+              <a:schemeClr val="accent1"/>
+            </a:effectRef>
+            <a:fontRef idx="minor">
+              <a:schemeClr val="lt1"/>
+            </a:fontRef>
+          </p:style>
+          <p:txBody>
+            <a:bodyPr rtlCol="0" anchor="ctr"/>
+            <a:lstStyle/>
+            <a:p>
+              <a:pPr algn="ctr"/>
+              <a:endParaRPr lang="es-ES"/>
+            </a:p>
+          </p:txBody>
+        </p:sp>
+        <p:sp>
+          <p:nvSpPr>
+            <p:cNvPr id="5" name="TextBox 4">
+              <a:extLst>
+                <a:ext uri="{FF2B5EF4-FFF2-40B4-BE49-F238E27FC236}">
+                  <a16:creationId xmlns:a16="http://schemas.microsoft.com/office/drawing/2014/main" id="{136FA3C8-CA16-47D2-90A6-93B9A687D349}"/>
+                </a:ext>
+              </a:extLst>
+            </p:cNvPr>
+            <p:cNvSpPr txBox="1"/>
+            <p:nvPr/>
+          </p:nvSpPr>
+          <p:spPr>
+            <a:xfrm>
+              <a:off x="7237097" y="1412431"/>
+              <a:ext cx="2155435" cy="2031325"/>
+            </a:xfrm>
+            <a:prstGeom prst="rect">
+              <a:avLst/>
+            </a:prstGeom>
+            <a:noFill/>
+          </p:spPr>
+          <p:txBody>
+            <a:bodyPr wrap="square" rtlCol="0">
+              <a:spAutoFit/>
+            </a:bodyPr>
+            <a:lstStyle/>
+            <a:p>
+              <a:pPr algn="ctr"/>
+              <a:r>
+                <a:rPr lang="es-ES" b="1" dirty="0">
+                  <a:solidFill>
+                    <a:schemeClr val="bg1"/>
+                  </a:solidFill>
+                </a:rPr>
+                <a:t>En el constructor inicializo las variable que voy a usar en la lógica y además mediante un </a:t>
+              </a:r>
+              <a:r>
+                <a:rPr lang="es-ES" b="1" dirty="0" err="1">
+                  <a:solidFill>
+                    <a:schemeClr val="bg1"/>
+                  </a:solidFill>
+                </a:rPr>
+                <a:t>require</a:t>
+              </a:r>
+              <a:r>
+                <a:rPr lang="es-ES" b="1" dirty="0">
+                  <a:solidFill>
+                    <a:schemeClr val="bg1"/>
+                  </a:solidFill>
+                </a:rPr>
+                <a:t> cargo el </a:t>
+              </a:r>
+              <a:r>
+                <a:rPr lang="es-ES" b="1" dirty="0" err="1">
+                  <a:solidFill>
+                    <a:schemeClr val="bg1"/>
+                  </a:solidFill>
+                </a:rPr>
+                <a:t>json</a:t>
+              </a:r>
+              <a:r>
+                <a:rPr lang="es-ES" b="1" dirty="0">
+                  <a:solidFill>
+                    <a:schemeClr val="bg1"/>
+                  </a:solidFill>
+                </a:rPr>
+                <a:t> de preguntas</a:t>
+              </a:r>
+            </a:p>
+          </p:txBody>
+        </p:sp>
+      </p:grpSp>
+    </p:spTree>
+    <p:extLst>
+      <p:ext uri="{BB962C8B-B14F-4D97-AF65-F5344CB8AC3E}">
+        <p14:creationId xmlns:p14="http://schemas.microsoft.com/office/powerpoint/2010/main" val="3168232546"/>
+      </p:ext>
+    </p:extLst>
+  </p:cSld>
+  <p:clrMapOvr>
+    <a:masterClrMapping/>
+  </p:clrMapOvr>
+</p:sld>
+</file>
+
+<file path=ppt/slides/slide15.xml><?xml version="1.0" encoding="utf-8"?>
+<p:sld xmlns:a="http://schemas.openxmlformats.org/drawingml/2006/main" xmlns:r="http://schemas.openxmlformats.org/officeDocument/2006/relationships" xmlns:p="http://schemas.openxmlformats.org/presentationml/2006/main">
+  <p:cSld>
+    <p:spTree>
+      <p:nvGrpSpPr>
+        <p:cNvPr id="1" name=""/>
+        <p:cNvGrpSpPr/>
+        <p:nvPr/>
+      </p:nvGrpSpPr>
+      <p:grpSpPr>
+        <a:xfrm>
+          <a:off x="0" y="0"/>
+          <a:ext cx="0" cy="0"/>
+          <a:chOff x="0" y="0"/>
+          <a:chExt cx="0" cy="0"/>
+        </a:xfrm>
+      </p:grpSpPr>
+      <p:pic>
+        <p:nvPicPr>
+          <p:cNvPr id="3" name="Imagen 2">
+            <a:extLst>
+              <a:ext uri="{FF2B5EF4-FFF2-40B4-BE49-F238E27FC236}">
+                <a16:creationId xmlns:a16="http://schemas.microsoft.com/office/drawing/2014/main" id="{EF87AD58-F761-4AC6-8E14-515A3071AB46}"/>
+              </a:ext>
+            </a:extLst>
+          </p:cNvPr>
+          <p:cNvPicPr>
+            <a:picLocks noChangeAspect="1"/>
+          </p:cNvPicPr>
+          <p:nvPr/>
+        </p:nvPicPr>
+        <p:blipFill>
+          <a:blip r:embed="rId2"/>
+          <a:stretch>
+            <a:fillRect/>
+          </a:stretch>
+        </p:blipFill>
+        <p:spPr>
+          <a:xfrm>
+            <a:off x="176363" y="3334309"/>
+            <a:ext cx="6469326" cy="3153117"/>
+          </a:xfrm>
+          <a:prstGeom prst="rect">
+            <a:avLst/>
+          </a:prstGeom>
+        </p:spPr>
+      </p:pic>
+      <p:grpSp>
+        <p:nvGrpSpPr>
+          <p:cNvPr id="4" name="Grupo 3">
+            <a:extLst>
+              <a:ext uri="{FF2B5EF4-FFF2-40B4-BE49-F238E27FC236}">
+                <a16:creationId xmlns:a16="http://schemas.microsoft.com/office/drawing/2014/main" id="{39A96CA3-E863-4E42-866B-B466B26F15D2}"/>
+              </a:ext>
+            </a:extLst>
+          </p:cNvPr>
+          <p:cNvGrpSpPr/>
+          <p:nvPr/>
+        </p:nvGrpSpPr>
+        <p:grpSpPr>
+          <a:xfrm>
+            <a:off x="6734422" y="215014"/>
+            <a:ext cx="3290434" cy="2537812"/>
+            <a:chOff x="7116559" y="1186907"/>
+            <a:chExt cx="2927445" cy="2278812"/>
+          </a:xfrm>
+        </p:grpSpPr>
+        <p:sp>
+          <p:nvSpPr>
+            <p:cNvPr id="5" name="Cloud 3">
+              <a:extLst>
+                <a:ext uri="{FF2B5EF4-FFF2-40B4-BE49-F238E27FC236}">
+                  <a16:creationId xmlns:a16="http://schemas.microsoft.com/office/drawing/2014/main" id="{6215F180-A74E-4FDA-876D-7D3059E833B8}"/>
+                </a:ext>
+              </a:extLst>
+            </p:cNvPr>
+            <p:cNvSpPr/>
+            <p:nvPr/>
+          </p:nvSpPr>
+          <p:spPr>
+            <a:xfrm>
+              <a:off x="7116559" y="1186907"/>
+              <a:ext cx="2927445" cy="2278812"/>
+            </a:xfrm>
+            <a:prstGeom prst="cloud">
+              <a:avLst/>
+            </a:prstGeom>
+          </p:spPr>
+          <p:style>
+            <a:lnRef idx="2">
+              <a:schemeClr val="accent1">
+                <a:shade val="50000"/>
+              </a:schemeClr>
+            </a:lnRef>
+            <a:fillRef idx="1">
+              <a:schemeClr val="accent1"/>
+            </a:fillRef>
+            <a:effectRef idx="0">
+              <a:schemeClr val="accent1"/>
+            </a:effectRef>
+            <a:fontRef idx="minor">
+              <a:schemeClr val="lt1"/>
+            </a:fontRef>
+          </p:style>
+          <p:txBody>
+            <a:bodyPr rtlCol="0" anchor="ctr"/>
+            <a:lstStyle/>
+            <a:p>
+              <a:pPr algn="ctr"/>
+              <a:endParaRPr lang="es-ES"/>
+            </a:p>
+          </p:txBody>
+        </p:sp>
+        <p:sp>
+          <p:nvSpPr>
+            <p:cNvPr id="6" name="TextBox 4">
+              <a:extLst>
+                <a:ext uri="{FF2B5EF4-FFF2-40B4-BE49-F238E27FC236}">
+                  <a16:creationId xmlns:a16="http://schemas.microsoft.com/office/drawing/2014/main" id="{05A82C00-4478-4988-ADF2-7E93AA91E2A3}"/>
+                </a:ext>
+              </a:extLst>
+            </p:cNvPr>
+            <p:cNvSpPr txBox="1"/>
+            <p:nvPr/>
+          </p:nvSpPr>
+          <p:spPr>
+            <a:xfrm>
+              <a:off x="7502564" y="1521615"/>
+              <a:ext cx="2155435" cy="1197008"/>
+            </a:xfrm>
+            <a:prstGeom prst="rect">
+              <a:avLst/>
+            </a:prstGeom>
+            <a:noFill/>
+          </p:spPr>
+          <p:txBody>
+            <a:bodyPr wrap="square" rtlCol="0">
+              <a:spAutoFit/>
+            </a:bodyPr>
+            <a:lstStyle/>
+            <a:p>
+              <a:pPr algn="ctr"/>
+              <a:r>
+                <a:rPr lang="es-ES" b="1" dirty="0">
+                  <a:solidFill>
+                    <a:schemeClr val="bg1"/>
+                  </a:solidFill>
+                </a:rPr>
+                <a:t>Al inicializar el juego, </a:t>
+              </a:r>
+              <a:r>
+                <a:rPr lang="es-ES" b="1" dirty="0" err="1">
+                  <a:solidFill>
+                    <a:schemeClr val="bg1"/>
+                  </a:solidFill>
+                </a:rPr>
+                <a:t>seteo</a:t>
+              </a:r>
+              <a:r>
+                <a:rPr lang="es-ES" b="1" dirty="0">
+                  <a:solidFill>
+                    <a:schemeClr val="bg1"/>
+                  </a:solidFill>
+                </a:rPr>
+                <a:t> las variables y cargo el listado de preguntas con 8 aleatorias.</a:t>
+              </a:r>
+            </a:p>
+          </p:txBody>
+        </p:sp>
+      </p:grpSp>
+      <p:pic>
+        <p:nvPicPr>
+          <p:cNvPr id="7" name="Imagen 6">
+            <a:extLst>
+              <a:ext uri="{FF2B5EF4-FFF2-40B4-BE49-F238E27FC236}">
+                <a16:creationId xmlns:a16="http://schemas.microsoft.com/office/drawing/2014/main" id="{E7315B38-76FB-4153-8AAF-A4601F880989}"/>
+              </a:ext>
+            </a:extLst>
+          </p:cNvPr>
+          <p:cNvPicPr>
+            <a:picLocks noChangeAspect="1"/>
+          </p:cNvPicPr>
+          <p:nvPr/>
+        </p:nvPicPr>
+        <p:blipFill>
+          <a:blip r:embed="rId3"/>
+          <a:stretch>
+            <a:fillRect/>
+          </a:stretch>
+        </p:blipFill>
+        <p:spPr>
+          <a:xfrm>
+            <a:off x="176364" y="215013"/>
+            <a:ext cx="6469326" cy="2772568"/>
+          </a:xfrm>
+          <a:prstGeom prst="rect">
+            <a:avLst/>
+          </a:prstGeom>
+        </p:spPr>
+      </p:pic>
+      <p:grpSp>
+        <p:nvGrpSpPr>
+          <p:cNvPr id="8" name="Grupo 7">
+            <a:extLst>
+              <a:ext uri="{FF2B5EF4-FFF2-40B4-BE49-F238E27FC236}">
+                <a16:creationId xmlns:a16="http://schemas.microsoft.com/office/drawing/2014/main" id="{3EE2769F-F1DF-40FD-BAFE-BAA5C19237ED}"/>
+              </a:ext>
+            </a:extLst>
+          </p:cNvPr>
+          <p:cNvGrpSpPr/>
+          <p:nvPr/>
+        </p:nvGrpSpPr>
+        <p:grpSpPr>
+          <a:xfrm>
+            <a:off x="6857946" y="3429000"/>
+            <a:ext cx="3290434" cy="2537812"/>
+            <a:chOff x="7116559" y="1186907"/>
+            <a:chExt cx="2927445" cy="2278812"/>
+          </a:xfrm>
+        </p:grpSpPr>
+        <p:sp>
+          <p:nvSpPr>
+            <p:cNvPr id="9" name="Cloud 3">
+              <a:extLst>
+                <a:ext uri="{FF2B5EF4-FFF2-40B4-BE49-F238E27FC236}">
+                  <a16:creationId xmlns:a16="http://schemas.microsoft.com/office/drawing/2014/main" id="{42D1CAD2-F0CB-49A9-BB5C-28A27A227EFE}"/>
+                </a:ext>
+              </a:extLst>
+            </p:cNvPr>
+            <p:cNvSpPr/>
+            <p:nvPr/>
+          </p:nvSpPr>
+          <p:spPr>
+            <a:xfrm>
+              <a:off x="7116559" y="1186907"/>
+              <a:ext cx="2927445" cy="2278812"/>
+            </a:xfrm>
+            <a:prstGeom prst="cloud">
+              <a:avLst/>
+            </a:prstGeom>
+          </p:spPr>
+          <p:style>
+            <a:lnRef idx="2">
+              <a:schemeClr val="accent1">
+                <a:shade val="50000"/>
+              </a:schemeClr>
+            </a:lnRef>
+            <a:fillRef idx="1">
+              <a:schemeClr val="accent1"/>
+            </a:fillRef>
+            <a:effectRef idx="0">
+              <a:schemeClr val="accent1"/>
+            </a:effectRef>
+            <a:fontRef idx="minor">
+              <a:schemeClr val="lt1"/>
+            </a:fontRef>
+          </p:style>
+          <p:txBody>
+            <a:bodyPr rtlCol="0" anchor="ctr"/>
+            <a:lstStyle/>
+            <a:p>
+              <a:pPr algn="ctr"/>
+              <a:endParaRPr lang="es-ES"/>
+            </a:p>
+          </p:txBody>
+        </p:sp>
+        <p:sp>
+          <p:nvSpPr>
+            <p:cNvPr id="10" name="TextBox 4">
+              <a:extLst>
+                <a:ext uri="{FF2B5EF4-FFF2-40B4-BE49-F238E27FC236}">
+                  <a16:creationId xmlns:a16="http://schemas.microsoft.com/office/drawing/2014/main" id="{60197EA8-D3B7-440C-9AB3-5192E0516963}"/>
+                </a:ext>
+              </a:extLst>
+            </p:cNvPr>
+            <p:cNvSpPr txBox="1"/>
+            <p:nvPr/>
+          </p:nvSpPr>
+          <p:spPr>
+            <a:xfrm>
+              <a:off x="7392667" y="1443828"/>
+              <a:ext cx="2431543" cy="1575286"/>
+            </a:xfrm>
+            <a:prstGeom prst="rect">
+              <a:avLst/>
+            </a:prstGeom>
+            <a:noFill/>
+          </p:spPr>
+          <p:txBody>
+            <a:bodyPr wrap="square" rtlCol="0">
+              <a:spAutoFit/>
+            </a:bodyPr>
+            <a:lstStyle/>
+            <a:p>
+              <a:pPr algn="ctr"/>
+              <a:r>
+                <a:rPr lang="es-ES" b="1" dirty="0">
+                  <a:solidFill>
+                    <a:schemeClr val="bg1"/>
+                  </a:solidFill>
+                </a:rPr>
+                <a:t>Para generar las preguntas aleatorias, voy obteniendo índices </a:t>
+              </a:r>
+              <a:r>
+                <a:rPr lang="es-ES" b="1" dirty="0" err="1">
+                  <a:solidFill>
+                    <a:schemeClr val="bg1"/>
+                  </a:solidFill>
+                </a:rPr>
+                <a:t>random</a:t>
+              </a:r>
+              <a:r>
+                <a:rPr lang="es-ES" b="1" dirty="0">
+                  <a:solidFill>
+                    <a:schemeClr val="bg1"/>
+                  </a:solidFill>
+                </a:rPr>
+                <a:t> y seleccionando preguntas, controlando que no se repitan</a:t>
+              </a:r>
+            </a:p>
+          </p:txBody>
+        </p:sp>
+      </p:grpSp>
+    </p:spTree>
+    <p:extLst>
+      <p:ext uri="{BB962C8B-B14F-4D97-AF65-F5344CB8AC3E}">
+        <p14:creationId xmlns:p14="http://schemas.microsoft.com/office/powerpoint/2010/main" val="313556359"/>
+      </p:ext>
+    </p:extLst>
+  </p:cSld>
+  <p:clrMapOvr>
+    <a:masterClrMapping/>
+  </p:clrMapOvr>
+</p:sld>
+</file>
+
+<file path=ppt/slides/slide16.xml><?xml version="1.0" encoding="utf-8"?>
+<p:sld xmlns:a="http://schemas.openxmlformats.org/drawingml/2006/main" xmlns:r="http://schemas.openxmlformats.org/officeDocument/2006/relationships" xmlns:p="http://schemas.openxmlformats.org/presentationml/2006/main">
+  <p:cSld>
+    <p:spTree>
+      <p:nvGrpSpPr>
+        <p:cNvPr id="1" name=""/>
+        <p:cNvGrpSpPr/>
+        <p:nvPr/>
+      </p:nvGrpSpPr>
+      <p:grpSpPr>
+        <a:xfrm>
+          <a:off x="0" y="0"/>
+          <a:ext cx="0" cy="0"/>
+          <a:chOff x="0" y="0"/>
+          <a:chExt cx="0" cy="0"/>
+        </a:xfrm>
+      </p:grpSpPr>
+      <p:pic>
+        <p:nvPicPr>
+          <p:cNvPr id="2" name="Imagen 1">
+            <a:extLst>
+              <a:ext uri="{FF2B5EF4-FFF2-40B4-BE49-F238E27FC236}">
+                <a16:creationId xmlns:a16="http://schemas.microsoft.com/office/drawing/2014/main" id="{838F518F-7D90-41EE-A95E-733E5CBA1D9A}"/>
+              </a:ext>
+            </a:extLst>
+          </p:cNvPr>
+          <p:cNvPicPr>
+            <a:picLocks noChangeAspect="1"/>
+          </p:cNvPicPr>
+          <p:nvPr/>
+        </p:nvPicPr>
+        <p:blipFill>
+          <a:blip r:embed="rId2"/>
+          <a:stretch>
+            <a:fillRect/>
+          </a:stretch>
+        </p:blipFill>
+        <p:spPr>
+          <a:xfrm>
+            <a:off x="344358" y="280758"/>
+            <a:ext cx="6195045" cy="3129374"/>
+          </a:xfrm>
+          <a:prstGeom prst="rect">
+            <a:avLst/>
+          </a:prstGeom>
+        </p:spPr>
+      </p:pic>
+      <p:pic>
+        <p:nvPicPr>
+          <p:cNvPr id="3" name="Imagen 2">
+            <a:extLst>
+              <a:ext uri="{FF2B5EF4-FFF2-40B4-BE49-F238E27FC236}">
+                <a16:creationId xmlns:a16="http://schemas.microsoft.com/office/drawing/2014/main" id="{F07D063B-144D-4139-A1B0-C757F2DA3375}"/>
+              </a:ext>
+            </a:extLst>
+          </p:cNvPr>
+          <p:cNvPicPr>
+            <a:picLocks noChangeAspect="1"/>
+          </p:cNvPicPr>
+          <p:nvPr/>
+        </p:nvPicPr>
+        <p:blipFill>
+          <a:blip r:embed="rId3"/>
+          <a:stretch>
+            <a:fillRect/>
+          </a:stretch>
+        </p:blipFill>
+        <p:spPr>
+          <a:xfrm>
+            <a:off x="344358" y="3410132"/>
+            <a:ext cx="8035281" cy="3129374"/>
+          </a:xfrm>
+          <a:prstGeom prst="rect">
+            <a:avLst/>
+          </a:prstGeom>
+        </p:spPr>
+      </p:pic>
+      <p:grpSp>
+        <p:nvGrpSpPr>
+          <p:cNvPr id="4" name="Grupo 3">
+            <a:extLst>
+              <a:ext uri="{FF2B5EF4-FFF2-40B4-BE49-F238E27FC236}">
+                <a16:creationId xmlns:a16="http://schemas.microsoft.com/office/drawing/2014/main" id="{7D3EB835-5D26-4E86-BA40-063B5D56F74F}"/>
+              </a:ext>
+            </a:extLst>
+          </p:cNvPr>
+          <p:cNvGrpSpPr/>
+          <p:nvPr/>
+        </p:nvGrpSpPr>
+        <p:grpSpPr>
+          <a:xfrm>
+            <a:off x="6778353" y="215014"/>
+            <a:ext cx="4452484" cy="2788068"/>
+            <a:chOff x="7116559" y="1186907"/>
+            <a:chExt cx="2927445" cy="2278812"/>
+          </a:xfrm>
+        </p:grpSpPr>
+        <p:sp>
+          <p:nvSpPr>
+            <p:cNvPr id="5" name="Cloud 3">
+              <a:extLst>
+                <a:ext uri="{FF2B5EF4-FFF2-40B4-BE49-F238E27FC236}">
+                  <a16:creationId xmlns:a16="http://schemas.microsoft.com/office/drawing/2014/main" id="{4C5E8D56-2173-4BC5-8A0E-969B1A135C60}"/>
+                </a:ext>
+              </a:extLst>
+            </p:cNvPr>
+            <p:cNvSpPr/>
+            <p:nvPr/>
+          </p:nvSpPr>
+          <p:spPr>
+            <a:xfrm>
+              <a:off x="7116559" y="1186907"/>
+              <a:ext cx="2927445" cy="2278812"/>
+            </a:xfrm>
+            <a:prstGeom prst="cloud">
+              <a:avLst/>
+            </a:prstGeom>
+          </p:spPr>
+          <p:style>
+            <a:lnRef idx="2">
+              <a:schemeClr val="accent1">
+                <a:shade val="50000"/>
+              </a:schemeClr>
+            </a:lnRef>
+            <a:fillRef idx="1">
+              <a:schemeClr val="accent1"/>
+            </a:fillRef>
+            <a:effectRef idx="0">
+              <a:schemeClr val="accent1"/>
+            </a:effectRef>
+            <a:fontRef idx="minor">
+              <a:schemeClr val="lt1"/>
+            </a:fontRef>
+          </p:style>
+          <p:txBody>
+            <a:bodyPr rtlCol="0" anchor="ctr"/>
+            <a:lstStyle/>
+            <a:p>
+              <a:pPr algn="ctr"/>
+              <a:endParaRPr lang="es-ES"/>
+            </a:p>
+          </p:txBody>
+        </p:sp>
+        <p:sp>
+          <p:nvSpPr>
+            <p:cNvPr id="6" name="TextBox 4">
+              <a:extLst>
+                <a:ext uri="{FF2B5EF4-FFF2-40B4-BE49-F238E27FC236}">
+                  <a16:creationId xmlns:a16="http://schemas.microsoft.com/office/drawing/2014/main" id="{285D4C9D-3250-4404-9216-F36E71F8046A}"/>
+                </a:ext>
+              </a:extLst>
+            </p:cNvPr>
+            <p:cNvSpPr txBox="1"/>
+            <p:nvPr/>
+          </p:nvSpPr>
+          <p:spPr>
+            <a:xfrm>
+              <a:off x="7273346" y="1496166"/>
+              <a:ext cx="2518733" cy="1660292"/>
+            </a:xfrm>
+            <a:prstGeom prst="rect">
+              <a:avLst/>
+            </a:prstGeom>
+            <a:noFill/>
+          </p:spPr>
+          <p:txBody>
+            <a:bodyPr wrap="square" rtlCol="0">
+              <a:spAutoFit/>
+            </a:bodyPr>
+            <a:lstStyle/>
+            <a:p>
+              <a:pPr algn="ctr"/>
+              <a:r>
+                <a:rPr lang="es-ES" b="1" dirty="0">
+                  <a:solidFill>
+                    <a:schemeClr val="bg1"/>
+                  </a:solidFill>
+                </a:rPr>
+                <a:t>En el método </a:t>
+              </a:r>
+              <a:r>
+                <a:rPr lang="es-ES" b="1" dirty="0" err="1">
+                  <a:solidFill>
+                    <a:schemeClr val="bg1"/>
+                  </a:solidFill>
+                </a:rPr>
+                <a:t>nextQuestion</a:t>
+              </a:r>
+              <a:r>
+                <a:rPr lang="es-ES" b="1" dirty="0">
+                  <a:solidFill>
+                    <a:schemeClr val="bg1"/>
+                  </a:solidFill>
+                </a:rPr>
+                <a:t> compruebo si la respuesta es correcta y cargo la siguiente. Si ya es la última entonces muestro el resultado. Utilizo </a:t>
+              </a:r>
+              <a:r>
+                <a:rPr lang="es-ES" b="1" dirty="0" err="1">
+                  <a:solidFill>
+                    <a:schemeClr val="bg1"/>
+                  </a:solidFill>
+                </a:rPr>
+                <a:t>this.forceUpdate</a:t>
+              </a:r>
+              <a:r>
+                <a:rPr lang="es-ES" b="1" dirty="0">
+                  <a:solidFill>
+                    <a:schemeClr val="bg1"/>
+                  </a:solidFill>
+                </a:rPr>
+                <a:t>() para que refresque la </a:t>
+              </a:r>
+              <a:r>
+                <a:rPr lang="es-ES" b="1" dirty="0" err="1">
+                  <a:solidFill>
+                    <a:schemeClr val="bg1"/>
+                  </a:solidFill>
+                </a:rPr>
+                <a:t>pantala</a:t>
+              </a:r>
+              <a:r>
+                <a:rPr lang="es-ES" b="1" dirty="0">
+                  <a:solidFill>
+                    <a:schemeClr val="bg1"/>
+                  </a:solidFill>
+                </a:rPr>
+                <a:t> y los componentes que se muestran</a:t>
+              </a:r>
+            </a:p>
+          </p:txBody>
+        </p:sp>
+      </p:grpSp>
+      <p:grpSp>
+        <p:nvGrpSpPr>
+          <p:cNvPr id="7" name="Grupo 6">
+            <a:extLst>
+              <a:ext uri="{FF2B5EF4-FFF2-40B4-BE49-F238E27FC236}">
+                <a16:creationId xmlns:a16="http://schemas.microsoft.com/office/drawing/2014/main" id="{95A0ACA8-BB4A-45D8-868B-C3892ADF4E43}"/>
+              </a:ext>
+            </a:extLst>
+          </p:cNvPr>
+          <p:cNvGrpSpPr/>
+          <p:nvPr/>
+        </p:nvGrpSpPr>
+        <p:grpSpPr>
+          <a:xfrm>
+            <a:off x="7873465" y="3659254"/>
+            <a:ext cx="4212416" cy="2473202"/>
+            <a:chOff x="7116559" y="1186907"/>
+            <a:chExt cx="2927445" cy="2278812"/>
+          </a:xfrm>
+        </p:grpSpPr>
+        <p:sp>
+          <p:nvSpPr>
+            <p:cNvPr id="8" name="Cloud 3">
+              <a:extLst>
+                <a:ext uri="{FF2B5EF4-FFF2-40B4-BE49-F238E27FC236}">
+                  <a16:creationId xmlns:a16="http://schemas.microsoft.com/office/drawing/2014/main" id="{4536EC14-4692-4A72-A634-0D5FE257BD39}"/>
+                </a:ext>
+              </a:extLst>
+            </p:cNvPr>
+            <p:cNvSpPr/>
+            <p:nvPr/>
+          </p:nvSpPr>
+          <p:spPr>
+            <a:xfrm>
+              <a:off x="7116559" y="1186907"/>
+              <a:ext cx="2927445" cy="2278812"/>
+            </a:xfrm>
+            <a:prstGeom prst="cloud">
+              <a:avLst/>
+            </a:prstGeom>
+          </p:spPr>
+          <p:style>
+            <a:lnRef idx="2">
+              <a:schemeClr val="accent1">
+                <a:shade val="50000"/>
+              </a:schemeClr>
+            </a:lnRef>
+            <a:fillRef idx="1">
+              <a:schemeClr val="accent1"/>
+            </a:fillRef>
+            <a:effectRef idx="0">
+              <a:schemeClr val="accent1"/>
+            </a:effectRef>
+            <a:fontRef idx="minor">
+              <a:schemeClr val="lt1"/>
+            </a:fontRef>
+          </p:style>
+          <p:txBody>
+            <a:bodyPr rtlCol="0" anchor="ctr"/>
+            <a:lstStyle/>
+            <a:p>
+              <a:pPr algn="ctr"/>
+              <a:endParaRPr lang="es-ES"/>
+            </a:p>
+          </p:txBody>
+        </p:sp>
+        <p:sp>
+          <p:nvSpPr>
+            <p:cNvPr id="9" name="TextBox 4">
+              <a:extLst>
+                <a:ext uri="{FF2B5EF4-FFF2-40B4-BE49-F238E27FC236}">
+                  <a16:creationId xmlns:a16="http://schemas.microsoft.com/office/drawing/2014/main" id="{3BE4399C-499B-4FAB-8F49-DFAB405B69CB}"/>
+                </a:ext>
+              </a:extLst>
+            </p:cNvPr>
+            <p:cNvSpPr txBox="1"/>
+            <p:nvPr/>
+          </p:nvSpPr>
+          <p:spPr>
+            <a:xfrm>
+              <a:off x="7368632" y="1653509"/>
+              <a:ext cx="2518733" cy="981082"/>
+            </a:xfrm>
+            <a:prstGeom prst="rect">
+              <a:avLst/>
+            </a:prstGeom>
+            <a:noFill/>
+          </p:spPr>
+          <p:txBody>
+            <a:bodyPr wrap="square" rtlCol="0">
+              <a:spAutoFit/>
+            </a:bodyPr>
+            <a:lstStyle/>
+            <a:p>
+              <a:pPr algn="ctr"/>
+              <a:r>
+                <a:rPr lang="es-ES" b="1" dirty="0">
+                  <a:solidFill>
+                    <a:schemeClr val="bg1"/>
+                  </a:solidFill>
+                </a:rPr>
+                <a:t>El método de resultado simplemente comprueba mediante porcentaje en que categoría se quedó clasificado y carga los datos correspondientes.</a:t>
+              </a:r>
+            </a:p>
+          </p:txBody>
+        </p:sp>
+      </p:grpSp>
+    </p:spTree>
+    <p:extLst>
+      <p:ext uri="{BB962C8B-B14F-4D97-AF65-F5344CB8AC3E}">
+        <p14:creationId xmlns:p14="http://schemas.microsoft.com/office/powerpoint/2010/main" val="20171594"/>
+      </p:ext>
+    </p:extLst>
+  </p:cSld>
+  <p:clrMapOvr>
+    <a:masterClrMapping/>
+  </p:clrMapOvr>
+</p:sld>
+</file>
+
+<file path=ppt/slides/slide17.xml><?xml version="1.0" encoding="utf-8"?>
+<p:sld xmlns:a="http://schemas.openxmlformats.org/drawingml/2006/main" xmlns:r="http://schemas.openxmlformats.org/officeDocument/2006/relationships" xmlns:p="http://schemas.openxmlformats.org/presentationml/2006/main">
+  <p:cSld>
+    <p:spTree>
+      <p:nvGrpSpPr>
+        <p:cNvPr id="1" name=""/>
+        <p:cNvGrpSpPr/>
+        <p:nvPr/>
+      </p:nvGrpSpPr>
+      <p:grpSpPr>
+        <a:xfrm>
+          <a:off x="0" y="0"/>
+          <a:ext cx="0" cy="0"/>
+          <a:chOff x="0" y="0"/>
+          <a:chExt cx="0" cy="0"/>
+        </a:xfrm>
+      </p:grpSpPr>
+      <p:pic>
+        <p:nvPicPr>
+          <p:cNvPr id="2" name="Imagen 1">
+            <a:extLst>
+              <a:ext uri="{FF2B5EF4-FFF2-40B4-BE49-F238E27FC236}">
+                <a16:creationId xmlns:a16="http://schemas.microsoft.com/office/drawing/2014/main" id="{EFCE6E46-2103-4E8C-A654-F7FC13B591AB}"/>
+              </a:ext>
+            </a:extLst>
+          </p:cNvPr>
+          <p:cNvPicPr>
+            <a:picLocks noChangeAspect="1"/>
+          </p:cNvPicPr>
+          <p:nvPr/>
+        </p:nvPicPr>
+        <p:blipFill>
+          <a:blip r:embed="rId2"/>
+          <a:stretch>
+            <a:fillRect/>
+          </a:stretch>
+        </p:blipFill>
+        <p:spPr>
+          <a:xfrm>
+            <a:off x="220729" y="103873"/>
+            <a:ext cx="9405163" cy="3919487"/>
+          </a:xfrm>
+          <a:prstGeom prst="rect">
+            <a:avLst/>
+          </a:prstGeom>
+        </p:spPr>
+      </p:pic>
+      <p:pic>
+        <p:nvPicPr>
+          <p:cNvPr id="3" name="Imagen 2">
+            <a:extLst>
+              <a:ext uri="{FF2B5EF4-FFF2-40B4-BE49-F238E27FC236}">
+                <a16:creationId xmlns:a16="http://schemas.microsoft.com/office/drawing/2014/main" id="{A2842105-B906-4379-A554-0D37E385559D}"/>
+              </a:ext>
+            </a:extLst>
+          </p:cNvPr>
+          <p:cNvPicPr>
+            <a:picLocks noChangeAspect="1"/>
+          </p:cNvPicPr>
+          <p:nvPr/>
+        </p:nvPicPr>
+        <p:blipFill>
+          <a:blip r:embed="rId3"/>
+          <a:stretch>
+            <a:fillRect/>
+          </a:stretch>
+        </p:blipFill>
+        <p:spPr>
+          <a:xfrm>
+            <a:off x="220729" y="4116336"/>
+            <a:ext cx="5587318" cy="2707338"/>
+          </a:xfrm>
+          <a:prstGeom prst="rect">
+            <a:avLst/>
+          </a:prstGeom>
+        </p:spPr>
+      </p:pic>
+      <p:grpSp>
+        <p:nvGrpSpPr>
+          <p:cNvPr id="4" name="Grupo 3">
+            <a:extLst>
+              <a:ext uri="{FF2B5EF4-FFF2-40B4-BE49-F238E27FC236}">
+                <a16:creationId xmlns:a16="http://schemas.microsoft.com/office/drawing/2014/main" id="{D299F425-179C-44A8-A531-594FB3919C3C}"/>
+              </a:ext>
+            </a:extLst>
+          </p:cNvPr>
+          <p:cNvGrpSpPr/>
+          <p:nvPr/>
+        </p:nvGrpSpPr>
+        <p:grpSpPr>
+          <a:xfrm>
+            <a:off x="8702695" y="4322053"/>
+            <a:ext cx="3184506" cy="2364556"/>
+            <a:chOff x="7116559" y="1186907"/>
+            <a:chExt cx="2927445" cy="2278812"/>
+          </a:xfrm>
+        </p:grpSpPr>
+        <p:sp>
+          <p:nvSpPr>
+            <p:cNvPr id="5" name="Cloud 3">
+              <a:extLst>
+                <a:ext uri="{FF2B5EF4-FFF2-40B4-BE49-F238E27FC236}">
+                  <a16:creationId xmlns:a16="http://schemas.microsoft.com/office/drawing/2014/main" id="{7B02536A-646C-4C76-B44F-7C99029DBD14}"/>
+                </a:ext>
+              </a:extLst>
+            </p:cNvPr>
+            <p:cNvSpPr/>
+            <p:nvPr/>
+          </p:nvSpPr>
+          <p:spPr>
+            <a:xfrm>
+              <a:off x="7116559" y="1186907"/>
+              <a:ext cx="2927445" cy="2278812"/>
+            </a:xfrm>
+            <a:prstGeom prst="cloud">
+              <a:avLst/>
+            </a:prstGeom>
+          </p:spPr>
+          <p:style>
+            <a:lnRef idx="2">
+              <a:schemeClr val="accent1">
+                <a:shade val="50000"/>
+              </a:schemeClr>
+            </a:lnRef>
+            <a:fillRef idx="1">
+              <a:schemeClr val="accent1"/>
+            </a:fillRef>
+            <a:effectRef idx="0">
+              <a:schemeClr val="accent1"/>
+            </a:effectRef>
+            <a:fontRef idx="minor">
+              <a:schemeClr val="lt1"/>
+            </a:fontRef>
+          </p:style>
+          <p:txBody>
+            <a:bodyPr rtlCol="0" anchor="ctr"/>
+            <a:lstStyle/>
+            <a:p>
+              <a:pPr algn="ctr"/>
+              <a:endParaRPr lang="es-ES"/>
+            </a:p>
+          </p:txBody>
+        </p:sp>
+        <p:sp>
+          <p:nvSpPr>
+            <p:cNvPr id="6" name="TextBox 4">
+              <a:extLst>
+                <a:ext uri="{FF2B5EF4-FFF2-40B4-BE49-F238E27FC236}">
+                  <a16:creationId xmlns:a16="http://schemas.microsoft.com/office/drawing/2014/main" id="{2AB5AA9E-50FC-48F4-B426-84A50F83880F}"/>
+                </a:ext>
+              </a:extLst>
+            </p:cNvPr>
+            <p:cNvSpPr txBox="1"/>
+            <p:nvPr/>
+          </p:nvSpPr>
+          <p:spPr>
+            <a:xfrm>
+              <a:off x="7507499" y="1614173"/>
+              <a:ext cx="2067545" cy="1207486"/>
+            </a:xfrm>
+            <a:prstGeom prst="rect">
+              <a:avLst/>
+            </a:prstGeom>
+            <a:noFill/>
+          </p:spPr>
+          <p:txBody>
+            <a:bodyPr wrap="square" rtlCol="0">
+              <a:spAutoFit/>
+            </a:bodyPr>
+            <a:lstStyle/>
+            <a:p>
+              <a:pPr algn="ctr"/>
+              <a:r>
+                <a:rPr lang="es-ES" b="1" dirty="0">
+                  <a:solidFill>
+                    <a:schemeClr val="bg1"/>
+                  </a:solidFill>
+                </a:rPr>
+                <a:t>En el método render es dónde se enlazan los componentes que se van a usar en el juego.</a:t>
+              </a:r>
+            </a:p>
+          </p:txBody>
+        </p:sp>
+      </p:grpSp>
+      <p:sp>
+        <p:nvSpPr>
+          <p:cNvPr id="7" name="TextBox 12">
+            <a:extLst>
+              <a:ext uri="{FF2B5EF4-FFF2-40B4-BE49-F238E27FC236}">
+                <a16:creationId xmlns:a16="http://schemas.microsoft.com/office/drawing/2014/main" id="{25391D22-C007-4B97-9BAD-F54FFA2F172F}"/>
+              </a:ext>
+            </a:extLst>
+          </p:cNvPr>
+          <p:cNvSpPr txBox="1"/>
+          <p:nvPr/>
+        </p:nvSpPr>
+        <p:spPr>
+          <a:xfrm>
+            <a:off x="2566108" y="470352"/>
+            <a:ext cx="8348311" cy="369332"/>
+          </a:xfrm>
+          <a:prstGeom prst="rect">
+            <a:avLst/>
+          </a:prstGeom>
+          <a:solidFill>
+            <a:schemeClr val="accent1"/>
+          </a:solidFill>
+        </p:spPr>
+        <p:txBody>
+          <a:bodyPr wrap="square" rtlCol="0">
+            <a:spAutoFit/>
+          </a:bodyPr>
+          <a:lstStyle/>
+          <a:p>
+            <a:r>
+              <a:rPr lang="es-ES" dirty="0"/>
+              <a:t>Utilizo las propiedades booleanas inicializadas en el </a:t>
+            </a:r>
+            <a:r>
+              <a:rPr lang="es-ES" dirty="0" err="1"/>
+              <a:t>js</a:t>
+            </a:r>
+            <a:r>
+              <a:rPr lang="es-ES" dirty="0"/>
+              <a:t> para mostrar o no los </a:t>
+            </a:r>
+            <a:r>
+              <a:rPr lang="es-ES" dirty="0" err="1"/>
+              <a:t>divs</a:t>
+            </a:r>
+            <a:endParaRPr lang="es-ES" dirty="0"/>
+          </a:p>
+        </p:txBody>
+      </p:sp>
+      <p:sp>
+        <p:nvSpPr>
+          <p:cNvPr id="8" name="TextBox 12">
+            <a:extLst>
+              <a:ext uri="{FF2B5EF4-FFF2-40B4-BE49-F238E27FC236}">
+                <a16:creationId xmlns:a16="http://schemas.microsoft.com/office/drawing/2014/main" id="{F1317F05-7955-4FC7-BF6A-89662DD93474}"/>
+              </a:ext>
+            </a:extLst>
+          </p:cNvPr>
+          <p:cNvSpPr txBox="1"/>
+          <p:nvPr/>
+        </p:nvSpPr>
+        <p:spPr>
+          <a:xfrm>
+            <a:off x="2566107" y="1479400"/>
+            <a:ext cx="8348311" cy="646331"/>
+          </a:xfrm>
+          <a:prstGeom prst="rect">
+            <a:avLst/>
+          </a:prstGeom>
+          <a:solidFill>
+            <a:schemeClr val="accent1"/>
+          </a:solidFill>
+        </p:spPr>
+        <p:txBody>
+          <a:bodyPr wrap="square" rtlCol="0">
+            <a:spAutoFit/>
+          </a:bodyPr>
+          <a:lstStyle/>
+          <a:p>
+            <a:r>
+              <a:rPr lang="es-ES" dirty="0"/>
+              <a:t>Enlazo los </a:t>
+            </a:r>
+            <a:r>
+              <a:rPr lang="es-ES" dirty="0" err="1"/>
+              <a:t>onClick</a:t>
+            </a:r>
+            <a:r>
+              <a:rPr lang="es-ES" dirty="0"/>
+              <a:t> de los botones de los componentes que previamente había declarado como {</a:t>
+            </a:r>
+            <a:r>
+              <a:rPr lang="es-ES" dirty="0" err="1"/>
+              <a:t>this.props.onclick</a:t>
+            </a:r>
+            <a:r>
+              <a:rPr lang="es-ES" dirty="0"/>
+              <a:t>} y los asocio a una funcionalidad del </a:t>
+            </a:r>
+            <a:r>
+              <a:rPr lang="es-ES" dirty="0" err="1"/>
+              <a:t>App.Js</a:t>
+            </a:r>
+            <a:endParaRPr lang="es-ES" dirty="0"/>
+          </a:p>
+        </p:txBody>
+      </p:sp>
+      <p:sp>
+        <p:nvSpPr>
+          <p:cNvPr id="9" name="TextBox 12">
+            <a:extLst>
+              <a:ext uri="{FF2B5EF4-FFF2-40B4-BE49-F238E27FC236}">
+                <a16:creationId xmlns:a16="http://schemas.microsoft.com/office/drawing/2014/main" id="{C848A8CC-63CF-4163-8C83-33E89335B4CC}"/>
+              </a:ext>
+            </a:extLst>
+          </p:cNvPr>
+          <p:cNvSpPr txBox="1"/>
+          <p:nvPr/>
+        </p:nvSpPr>
+        <p:spPr>
+          <a:xfrm>
+            <a:off x="6096000" y="2362010"/>
+            <a:ext cx="4941599" cy="1754326"/>
+          </a:xfrm>
+          <a:prstGeom prst="rect">
+            <a:avLst/>
+          </a:prstGeom>
+          <a:solidFill>
+            <a:schemeClr val="accent1"/>
+          </a:solidFill>
+        </p:spPr>
+        <p:txBody>
+          <a:bodyPr wrap="square" rtlCol="0">
+            <a:spAutoFit/>
+          </a:bodyPr>
+          <a:lstStyle/>
+          <a:p>
+            <a:r>
+              <a:rPr lang="es-ES" dirty="0"/>
+              <a:t>También inicializo en el componente las propiedades que utiliza para mostrar información cuando se muestra por pantalla y que son usadas en el componente como {</a:t>
+            </a:r>
+            <a:r>
+              <a:rPr lang="es-ES" dirty="0" err="1"/>
+              <a:t>this.props.questionType</a:t>
+            </a:r>
+            <a:r>
+              <a:rPr lang="es-ES" dirty="0"/>
+              <a:t>} y de esta forma puedo vincularlas a una propiedad del App.JS</a:t>
+            </a:r>
+          </a:p>
+        </p:txBody>
+      </p:sp>
+      <p:sp>
+        <p:nvSpPr>
+          <p:cNvPr id="10" name="TextBox 12">
+            <a:extLst>
+              <a:ext uri="{FF2B5EF4-FFF2-40B4-BE49-F238E27FC236}">
+                <a16:creationId xmlns:a16="http://schemas.microsoft.com/office/drawing/2014/main" id="{D187D9BB-AB5E-4563-951D-CC395DB21092}"/>
+              </a:ext>
+            </a:extLst>
+          </p:cNvPr>
+          <p:cNvSpPr txBox="1"/>
+          <p:nvPr/>
+        </p:nvSpPr>
+        <p:spPr>
+          <a:xfrm>
+            <a:off x="2051785" y="6177343"/>
+            <a:ext cx="4941599" cy="646331"/>
+          </a:xfrm>
+          <a:prstGeom prst="rect">
+            <a:avLst/>
+          </a:prstGeom>
+          <a:solidFill>
+            <a:schemeClr val="accent1"/>
+          </a:solidFill>
+        </p:spPr>
+        <p:txBody>
+          <a:bodyPr wrap="square" rtlCol="0">
+            <a:spAutoFit/>
+          </a:bodyPr>
+          <a:lstStyle/>
+          <a:p>
+            <a:r>
+              <a:rPr lang="es-ES" dirty="0"/>
+              <a:t>Importante siempre exportar el componente App, para enlazarlo en el Index.js</a:t>
+            </a:r>
+          </a:p>
+        </p:txBody>
+      </p:sp>
+    </p:spTree>
+    <p:extLst>
+      <p:ext uri="{BB962C8B-B14F-4D97-AF65-F5344CB8AC3E}">
+        <p14:creationId xmlns:p14="http://schemas.microsoft.com/office/powerpoint/2010/main" val="2332384664"/>
+      </p:ext>
+    </p:extLst>
+  </p:cSld>
+  <p:clrMapOvr>
+    <a:masterClrMapping/>
+  </p:clrMapOvr>
+</p:sld>
+</file>
+
+<file path=ppt/slides/slide18.xml><?xml version="1.0" encoding="utf-8"?>
+<p:sld xmlns:a="http://schemas.openxmlformats.org/drawingml/2006/main" xmlns:r="http://schemas.openxmlformats.org/officeDocument/2006/relationships" xmlns:p="http://schemas.openxmlformats.org/presentationml/2006/main">
+  <p:cSld>
+    <p:spTree>
+      <p:nvGrpSpPr>
+        <p:cNvPr id="1" name=""/>
+        <p:cNvGrpSpPr/>
+        <p:nvPr/>
+      </p:nvGrpSpPr>
+      <p:grpSpPr>
+        <a:xfrm>
+          <a:off x="0" y="0"/>
+          <a:ext cx="0" cy="0"/>
+          <a:chOff x="0" y="0"/>
+          <a:chExt cx="0" cy="0"/>
+        </a:xfrm>
+      </p:grpSpPr>
+      <p:sp>
+        <p:nvSpPr>
+          <p:cNvPr id="2" name="Título 1">
+            <a:extLst>
+              <a:ext uri="{FF2B5EF4-FFF2-40B4-BE49-F238E27FC236}">
+                <a16:creationId xmlns:a16="http://schemas.microsoft.com/office/drawing/2014/main" id="{0AD5491E-AA80-47BE-8831-E385BFDDD60F}"/>
+              </a:ext>
+            </a:extLst>
+          </p:cNvPr>
+          <p:cNvSpPr>
+            <a:spLocks noGrp="1"/>
+          </p:cNvSpPr>
+          <p:nvPr>
+            <p:ph type="title"/>
+          </p:nvPr>
+        </p:nvSpPr>
+        <p:spPr/>
+        <p:txBody>
+          <a:bodyPr/>
+          <a:lstStyle/>
+          <a:p>
+            <a:r>
+              <a:rPr lang="es-ES" dirty="0" err="1"/>
+              <a:t>EStilos</a:t>
+            </a:r>
+            <a:endParaRPr lang="es-ES" dirty="0"/>
+          </a:p>
+        </p:txBody>
+      </p:sp>
+      <p:sp>
+        <p:nvSpPr>
+          <p:cNvPr id="3" name="Marcador de texto 2">
+            <a:extLst>
+              <a:ext uri="{FF2B5EF4-FFF2-40B4-BE49-F238E27FC236}">
+                <a16:creationId xmlns:a16="http://schemas.microsoft.com/office/drawing/2014/main" id="{3E33F5DF-6468-40B0-BBEE-CAB737213013}"/>
+              </a:ext>
+            </a:extLst>
+          </p:cNvPr>
+          <p:cNvSpPr>
+            <a:spLocks noGrp="1"/>
+          </p:cNvSpPr>
+          <p:nvPr>
+            <p:ph type="body" idx="1"/>
+          </p:nvPr>
+        </p:nvSpPr>
+        <p:spPr>
+          <a:xfrm>
+            <a:off x="8647545" y="4877010"/>
+            <a:ext cx="3200400" cy="1463040"/>
+          </a:xfrm>
+        </p:spPr>
+        <p:txBody>
+          <a:bodyPr>
+            <a:normAutofit/>
+          </a:bodyPr>
+          <a:lstStyle/>
+          <a:p>
+            <a:r>
+              <a:rPr lang="es-ES" sz="3600" b="1" dirty="0">
+                <a:solidFill>
+                  <a:schemeClr val="accent5">
+                    <a:lumMod val="75000"/>
+                  </a:schemeClr>
+                </a:solidFill>
+              </a:rPr>
+              <a:t>CSS</a:t>
+            </a:r>
+          </a:p>
+        </p:txBody>
+      </p:sp>
+    </p:spTree>
+    <p:extLst>
+      <p:ext uri="{BB962C8B-B14F-4D97-AF65-F5344CB8AC3E}">
+        <p14:creationId xmlns:p14="http://schemas.microsoft.com/office/powerpoint/2010/main" val="2049627817"/>
+      </p:ext>
+    </p:extLst>
+  </p:cSld>
+  <p:clrMapOvr>
+    <a:masterClrMapping/>
+  </p:clrMapOvr>
+</p:sld>
+</file>
+
+<file path=ppt/slides/slide19.xml><?xml version="1.0" encoding="utf-8"?>
+<p:sld xmlns:a="http://schemas.openxmlformats.org/drawingml/2006/main" xmlns:r="http://schemas.openxmlformats.org/officeDocument/2006/relationships" xmlns:p="http://schemas.openxmlformats.org/presentationml/2006/main">
+  <p:cSld>
+    <p:spTree>
+      <p:nvGrpSpPr>
+        <p:cNvPr id="1" name=""/>
+        <p:cNvGrpSpPr/>
+        <p:nvPr/>
+      </p:nvGrpSpPr>
+      <p:grpSpPr>
+        <a:xfrm>
+          <a:off x="0" y="0"/>
+          <a:ext cx="0" cy="0"/>
+          <a:chOff x="0" y="0"/>
+          <a:chExt cx="0" cy="0"/>
+        </a:xfrm>
+      </p:grpSpPr>
+      <p:pic>
+        <p:nvPicPr>
+          <p:cNvPr id="2" name="Imagen 1">
+            <a:extLst>
+              <a:ext uri="{FF2B5EF4-FFF2-40B4-BE49-F238E27FC236}">
+                <a16:creationId xmlns:a16="http://schemas.microsoft.com/office/drawing/2014/main" id="{6098CBA2-0E6D-4096-9A22-BBC11F0B0026}"/>
+              </a:ext>
+            </a:extLst>
+          </p:cNvPr>
+          <p:cNvPicPr>
+            <a:picLocks noChangeAspect="1"/>
+          </p:cNvPicPr>
+          <p:nvPr/>
+        </p:nvPicPr>
+        <p:blipFill>
+          <a:blip r:embed="rId2"/>
+          <a:stretch>
+            <a:fillRect/>
+          </a:stretch>
+        </p:blipFill>
+        <p:spPr>
+          <a:xfrm>
+            <a:off x="402858" y="385762"/>
+            <a:ext cx="4610100" cy="6086475"/>
+          </a:xfrm>
+          <a:prstGeom prst="rect">
+            <a:avLst/>
+          </a:prstGeom>
+        </p:spPr>
+      </p:pic>
+      <p:pic>
+        <p:nvPicPr>
+          <p:cNvPr id="4" name="Imagen 3">
+            <a:extLst>
+              <a:ext uri="{FF2B5EF4-FFF2-40B4-BE49-F238E27FC236}">
+                <a16:creationId xmlns:a16="http://schemas.microsoft.com/office/drawing/2014/main" id="{3EA89844-1942-46E5-9231-347FC74B4AFE}"/>
+              </a:ext>
+            </a:extLst>
+          </p:cNvPr>
+          <p:cNvPicPr>
+            <a:picLocks noChangeAspect="1"/>
+          </p:cNvPicPr>
+          <p:nvPr/>
+        </p:nvPicPr>
+        <p:blipFill>
+          <a:blip r:embed="rId3"/>
+          <a:stretch>
+            <a:fillRect/>
+          </a:stretch>
+        </p:blipFill>
+        <p:spPr>
+          <a:xfrm>
+            <a:off x="5449840" y="462763"/>
+            <a:ext cx="3458407" cy="6086475"/>
+          </a:xfrm>
+          <a:prstGeom prst="rect">
+            <a:avLst/>
+          </a:prstGeom>
+        </p:spPr>
+      </p:pic>
+      <p:sp>
+        <p:nvSpPr>
+          <p:cNvPr id="5" name="Cloud 3">
+            <a:extLst>
+              <a:ext uri="{FF2B5EF4-FFF2-40B4-BE49-F238E27FC236}">
+                <a16:creationId xmlns:a16="http://schemas.microsoft.com/office/drawing/2014/main" id="{060D9866-40FE-406F-AA6D-B9C1114B2231}"/>
+              </a:ext>
+            </a:extLst>
+          </p:cNvPr>
+          <p:cNvSpPr/>
+          <p:nvPr/>
+        </p:nvSpPr>
+        <p:spPr>
+          <a:xfrm>
+            <a:off x="8669733" y="1333068"/>
+            <a:ext cx="2927445" cy="2278812"/>
+          </a:xfrm>
+          <a:prstGeom prst="cloud">
+            <a:avLst/>
+          </a:prstGeom>
+        </p:spPr>
+        <p:style>
+          <a:lnRef idx="2">
+            <a:schemeClr val="accent1">
+              <a:shade val="50000"/>
+            </a:schemeClr>
+          </a:lnRef>
+          <a:fillRef idx="1">
+            <a:schemeClr val="accent1"/>
+          </a:fillRef>
+          <a:effectRef idx="0">
+            <a:schemeClr val="accent1"/>
+          </a:effectRef>
+          <a:fontRef idx="minor">
+            <a:schemeClr val="lt1"/>
+          </a:fontRef>
+        </p:style>
+        <p:txBody>
+          <a:bodyPr rtlCol="0" anchor="ctr"/>
+          <a:lstStyle/>
+          <a:p>
+            <a:pPr algn="ctr"/>
+            <a:endParaRPr lang="es-ES"/>
+          </a:p>
+        </p:txBody>
+      </p:sp>
+      <p:sp>
+        <p:nvSpPr>
+          <p:cNvPr id="6" name="TextBox 4">
+            <a:extLst>
+              <a:ext uri="{FF2B5EF4-FFF2-40B4-BE49-F238E27FC236}">
+                <a16:creationId xmlns:a16="http://schemas.microsoft.com/office/drawing/2014/main" id="{E4104E3E-1EB3-4AAD-81F9-7744E4A5EEB8}"/>
+              </a:ext>
+            </a:extLst>
+          </p:cNvPr>
+          <p:cNvSpPr txBox="1"/>
+          <p:nvPr/>
+        </p:nvSpPr>
+        <p:spPr>
+          <a:xfrm>
+            <a:off x="9055737" y="1769101"/>
+            <a:ext cx="2155435" cy="1200329"/>
+          </a:xfrm>
+          <a:prstGeom prst="rect">
+            <a:avLst/>
+          </a:prstGeom>
+          <a:noFill/>
+        </p:spPr>
+        <p:txBody>
+          <a:bodyPr wrap="square" rtlCol="0">
+            <a:spAutoFit/>
+          </a:bodyPr>
+          <a:lstStyle/>
+          <a:p>
+            <a:pPr algn="ctr"/>
+            <a:r>
+              <a:rPr lang="es-ES" b="1" dirty="0">
+                <a:solidFill>
+                  <a:schemeClr val="bg1"/>
+                </a:solidFill>
+              </a:rPr>
+              <a:t>El </a:t>
+            </a:r>
+            <a:r>
+              <a:rPr lang="es-ES" b="1" dirty="0" err="1">
+                <a:solidFill>
+                  <a:schemeClr val="bg1"/>
+                </a:solidFill>
+              </a:rPr>
+              <a:t>css</a:t>
+            </a:r>
+            <a:r>
+              <a:rPr lang="es-ES" b="1" dirty="0">
+                <a:solidFill>
+                  <a:schemeClr val="bg1"/>
+                </a:solidFill>
+              </a:rPr>
+              <a:t> no tiene nada especial, y la parte de los @</a:t>
+            </a:r>
+            <a:r>
+              <a:rPr lang="es-ES" b="1" dirty="0" err="1">
+                <a:solidFill>
+                  <a:schemeClr val="bg1"/>
+                </a:solidFill>
+              </a:rPr>
+              <a:t>keyframes</a:t>
+            </a:r>
+            <a:r>
+              <a:rPr lang="es-ES" b="1" dirty="0">
+                <a:solidFill>
+                  <a:schemeClr val="bg1"/>
+                </a:solidFill>
+              </a:rPr>
+              <a:t> viene por defecto</a:t>
+            </a:r>
+          </a:p>
+        </p:txBody>
+      </p:sp>
+    </p:spTree>
+    <p:extLst>
+      <p:ext uri="{BB962C8B-B14F-4D97-AF65-F5344CB8AC3E}">
+        <p14:creationId xmlns:p14="http://schemas.microsoft.com/office/powerpoint/2010/main" val="719405386"/>
       </p:ext>
     </p:extLst>
   </p:cSld>
@@ -10426,10 +12490,9 @@
           <a:lstStyle/>
           <a:p>
             <a:r>
-              <a:rPr lang="es-ES" dirty="0" smtClean="0"/>
+              <a:rPr lang="es-ES" dirty="0"/>
               <a:t>INSTALACIÓN Y PRIMEROS PASOS</a:t>
             </a:r>
-            <a:endParaRPr lang="es-ES" dirty="0"/>
           </a:p>
         </p:txBody>
       </p:sp>
@@ -10437,6 +12500,317 @@
     <p:extLst>
       <p:ext uri="{BB962C8B-B14F-4D97-AF65-F5344CB8AC3E}">
         <p14:creationId xmlns:p14="http://schemas.microsoft.com/office/powerpoint/2010/main" val="67877259"/>
+      </p:ext>
+    </p:extLst>
+  </p:cSld>
+  <p:clrMapOvr>
+    <a:masterClrMapping/>
+  </p:clrMapOvr>
+</p:sld>
+</file>
+
+<file path=ppt/slides/slide20.xml><?xml version="1.0" encoding="utf-8"?>
+<p:sld xmlns:a="http://schemas.openxmlformats.org/drawingml/2006/main" xmlns:r="http://schemas.openxmlformats.org/officeDocument/2006/relationships" xmlns:p="http://schemas.openxmlformats.org/presentationml/2006/main">
+  <p:cSld>
+    <p:spTree>
+      <p:nvGrpSpPr>
+        <p:cNvPr id="1" name=""/>
+        <p:cNvGrpSpPr/>
+        <p:nvPr/>
+      </p:nvGrpSpPr>
+      <p:grpSpPr>
+        <a:xfrm>
+          <a:off x="0" y="0"/>
+          <a:ext cx="0" cy="0"/>
+          <a:chOff x="0" y="0"/>
+          <a:chExt cx="0" cy="0"/>
+        </a:xfrm>
+      </p:grpSpPr>
+      <p:sp>
+        <p:nvSpPr>
+          <p:cNvPr id="2" name="Título 1">
+            <a:extLst>
+              <a:ext uri="{FF2B5EF4-FFF2-40B4-BE49-F238E27FC236}">
+                <a16:creationId xmlns:a16="http://schemas.microsoft.com/office/drawing/2014/main" id="{C5A15EF4-8678-421B-BBB2-730C64F97DBF}"/>
+              </a:ext>
+            </a:extLst>
+          </p:cNvPr>
+          <p:cNvSpPr>
+            <a:spLocks noGrp="1"/>
+          </p:cNvSpPr>
+          <p:nvPr>
+            <p:ph type="title"/>
+          </p:nvPr>
+        </p:nvSpPr>
+        <p:spPr/>
+        <p:txBody>
+          <a:bodyPr/>
+          <a:lstStyle/>
+          <a:p>
+            <a:r>
+              <a:rPr lang="es-ES" dirty="0"/>
+              <a:t>datos</a:t>
+            </a:r>
+          </a:p>
+        </p:txBody>
+      </p:sp>
+      <p:sp>
+        <p:nvSpPr>
+          <p:cNvPr id="3" name="Marcador de texto 2">
+            <a:extLst>
+              <a:ext uri="{FF2B5EF4-FFF2-40B4-BE49-F238E27FC236}">
+                <a16:creationId xmlns:a16="http://schemas.microsoft.com/office/drawing/2014/main" id="{DAE3240D-66AC-42AA-BFD4-9CAD87EA16E4}"/>
+              </a:ext>
+            </a:extLst>
+          </p:cNvPr>
+          <p:cNvSpPr>
+            <a:spLocks noGrp="1"/>
+          </p:cNvSpPr>
+          <p:nvPr>
+            <p:ph type="body" idx="1"/>
+          </p:nvPr>
+        </p:nvSpPr>
+        <p:spPr/>
+        <p:txBody>
+          <a:bodyPr>
+            <a:normAutofit/>
+          </a:bodyPr>
+          <a:lstStyle/>
+          <a:p>
+            <a:r>
+              <a:rPr lang="es-ES" sz="2800" b="1" dirty="0">
+                <a:solidFill>
+                  <a:schemeClr val="accent5">
+                    <a:lumMod val="75000"/>
+                  </a:schemeClr>
+                </a:solidFill>
+              </a:rPr>
+              <a:t>JSON</a:t>
+            </a:r>
+          </a:p>
+        </p:txBody>
+      </p:sp>
+    </p:spTree>
+    <p:extLst>
+      <p:ext uri="{BB962C8B-B14F-4D97-AF65-F5344CB8AC3E}">
+        <p14:creationId xmlns:p14="http://schemas.microsoft.com/office/powerpoint/2010/main" val="88918126"/>
+      </p:ext>
+    </p:extLst>
+  </p:cSld>
+  <p:clrMapOvr>
+    <a:masterClrMapping/>
+  </p:clrMapOvr>
+</p:sld>
+</file>
+
+<file path=ppt/slides/slide21.xml><?xml version="1.0" encoding="utf-8"?>
+<p:sld xmlns:a="http://schemas.openxmlformats.org/drawingml/2006/main" xmlns:r="http://schemas.openxmlformats.org/officeDocument/2006/relationships" xmlns:p="http://schemas.openxmlformats.org/presentationml/2006/main">
+  <p:cSld>
+    <p:spTree>
+      <p:nvGrpSpPr>
+        <p:cNvPr id="1" name=""/>
+        <p:cNvGrpSpPr/>
+        <p:nvPr/>
+      </p:nvGrpSpPr>
+      <p:grpSpPr>
+        <a:xfrm>
+          <a:off x="0" y="0"/>
+          <a:ext cx="0" cy="0"/>
+          <a:chOff x="0" y="0"/>
+          <a:chExt cx="0" cy="0"/>
+        </a:xfrm>
+      </p:grpSpPr>
+      <p:pic>
+        <p:nvPicPr>
+          <p:cNvPr id="2" name="Imagen 1">
+            <a:extLst>
+              <a:ext uri="{FF2B5EF4-FFF2-40B4-BE49-F238E27FC236}">
+                <a16:creationId xmlns:a16="http://schemas.microsoft.com/office/drawing/2014/main" id="{A1217EEF-3D1E-4760-BCBA-332BB7EF7E68}"/>
+              </a:ext>
+            </a:extLst>
+          </p:cNvPr>
+          <p:cNvPicPr>
+            <a:picLocks noChangeAspect="1"/>
+          </p:cNvPicPr>
+          <p:nvPr/>
+        </p:nvPicPr>
+        <p:blipFill>
+          <a:blip r:embed="rId2"/>
+          <a:stretch>
+            <a:fillRect/>
+          </a:stretch>
+        </p:blipFill>
+        <p:spPr>
+          <a:xfrm>
+            <a:off x="396239" y="1497743"/>
+            <a:ext cx="8997021" cy="5081714"/>
+          </a:xfrm>
+          <a:prstGeom prst="rect">
+            <a:avLst/>
+          </a:prstGeom>
+        </p:spPr>
+      </p:pic>
+      <p:sp>
+        <p:nvSpPr>
+          <p:cNvPr id="3" name="Cloud 3">
+            <a:extLst>
+              <a:ext uri="{FF2B5EF4-FFF2-40B4-BE49-F238E27FC236}">
+                <a16:creationId xmlns:a16="http://schemas.microsoft.com/office/drawing/2014/main" id="{40B1207B-8F08-464E-9D29-6101DEE4FEA1}"/>
+              </a:ext>
+            </a:extLst>
+          </p:cNvPr>
+          <p:cNvSpPr/>
+          <p:nvPr/>
+        </p:nvSpPr>
+        <p:spPr>
+          <a:xfrm>
+            <a:off x="8669733" y="1333068"/>
+            <a:ext cx="2927445" cy="2278812"/>
+          </a:xfrm>
+          <a:prstGeom prst="cloud">
+            <a:avLst/>
+          </a:prstGeom>
+        </p:spPr>
+        <p:style>
+          <a:lnRef idx="2">
+            <a:schemeClr val="accent1">
+              <a:shade val="50000"/>
+            </a:schemeClr>
+          </a:lnRef>
+          <a:fillRef idx="1">
+            <a:schemeClr val="accent1"/>
+          </a:fillRef>
+          <a:effectRef idx="0">
+            <a:schemeClr val="accent1"/>
+          </a:effectRef>
+          <a:fontRef idx="minor">
+            <a:schemeClr val="lt1"/>
+          </a:fontRef>
+        </p:style>
+        <p:txBody>
+          <a:bodyPr rtlCol="0" anchor="ctr"/>
+          <a:lstStyle/>
+          <a:p>
+            <a:pPr algn="ctr"/>
+            <a:endParaRPr lang="es-ES"/>
+          </a:p>
+        </p:txBody>
+      </p:sp>
+      <p:sp>
+        <p:nvSpPr>
+          <p:cNvPr id="4" name="TextBox 4">
+            <a:extLst>
+              <a:ext uri="{FF2B5EF4-FFF2-40B4-BE49-F238E27FC236}">
+                <a16:creationId xmlns:a16="http://schemas.microsoft.com/office/drawing/2014/main" id="{24CA3EED-277E-4BE7-9369-C290D65FB8DD}"/>
+              </a:ext>
+            </a:extLst>
+          </p:cNvPr>
+          <p:cNvSpPr txBox="1"/>
+          <p:nvPr/>
+        </p:nvSpPr>
+        <p:spPr>
+          <a:xfrm>
+            <a:off x="9126857" y="1971231"/>
+            <a:ext cx="2155435" cy="1200329"/>
+          </a:xfrm>
+          <a:prstGeom prst="rect">
+            <a:avLst/>
+          </a:prstGeom>
+          <a:noFill/>
+        </p:spPr>
+        <p:txBody>
+          <a:bodyPr wrap="square" rtlCol="0">
+            <a:spAutoFit/>
+          </a:bodyPr>
+          <a:lstStyle/>
+          <a:p>
+            <a:pPr algn="ctr"/>
+            <a:r>
+              <a:rPr lang="es-ES" b="1" dirty="0">
+                <a:solidFill>
+                  <a:schemeClr val="bg1"/>
+                </a:solidFill>
+              </a:rPr>
+              <a:t>Los datos los tengo almacenados en un </a:t>
+            </a:r>
+            <a:r>
+              <a:rPr lang="es-ES" b="1" dirty="0" err="1">
+                <a:solidFill>
+                  <a:schemeClr val="bg1"/>
+                </a:solidFill>
+              </a:rPr>
+              <a:t>json</a:t>
+            </a:r>
+            <a:r>
+              <a:rPr lang="es-ES" b="1" dirty="0">
+                <a:solidFill>
+                  <a:schemeClr val="bg1"/>
+                </a:solidFill>
+              </a:rPr>
+              <a:t> en la carpeta data</a:t>
+            </a:r>
+          </a:p>
+        </p:txBody>
+      </p:sp>
+      <p:sp>
+        <p:nvSpPr>
+          <p:cNvPr id="5" name="Title 11">
+            <a:extLst>
+              <a:ext uri="{FF2B5EF4-FFF2-40B4-BE49-F238E27FC236}">
+                <a16:creationId xmlns:a16="http://schemas.microsoft.com/office/drawing/2014/main" id="{C14DC5E5-A1EC-488F-8A32-2EC31EBF38E6}"/>
+              </a:ext>
+            </a:extLst>
+          </p:cNvPr>
+          <p:cNvSpPr txBox="1">
+            <a:spLocks/>
+          </p:cNvSpPr>
+          <p:nvPr/>
+        </p:nvSpPr>
+        <p:spPr>
+          <a:xfrm>
+            <a:off x="6946537" y="192273"/>
+            <a:ext cx="4920343" cy="1499616"/>
+          </a:xfrm>
+          <a:prstGeom prst="rect">
+            <a:avLst/>
+          </a:prstGeom>
+        </p:spPr>
+        <p:txBody>
+          <a:bodyPr/>
+          <a:lstStyle>
+            <a:lvl1pPr algn="l" defTabSz="914400" rtl="0" eaLnBrk="1" latinLnBrk="0" hangingPunct="1">
+              <a:lnSpc>
+                <a:spcPct val="80000"/>
+              </a:lnSpc>
+              <a:spcBef>
+                <a:spcPct val="0"/>
+              </a:spcBef>
+              <a:buNone/>
+              <a:defRPr sz="5000" kern="1200" cap="all" spc="100" baseline="0">
+                <a:solidFill>
+                  <a:schemeClr val="tx1">
+                    <a:lumMod val="95000"/>
+                    <a:lumOff val="5000"/>
+                  </a:schemeClr>
+                </a:solidFill>
+                <a:latin typeface="+mj-lt"/>
+                <a:ea typeface="+mj-ea"/>
+                <a:cs typeface="+mj-cs"/>
+              </a:defRPr>
+            </a:lvl1pPr>
+          </a:lstStyle>
+          <a:p>
+            <a:r>
+              <a:rPr lang="es-ES" dirty="0"/>
+              <a:t>Datos</a:t>
+            </a:r>
+          </a:p>
+        </p:txBody>
+      </p:sp>
+    </p:spTree>
+    <p:extLst>
+      <p:ext uri="{BB962C8B-B14F-4D97-AF65-F5344CB8AC3E}">
+        <p14:creationId xmlns:p14="http://schemas.microsoft.com/office/powerpoint/2010/main" val="3050474761"/>
       </p:ext>
     </p:extLst>
   </p:cSld>
@@ -10506,7 +12880,7 @@
           </a:lstStyle>
           <a:p>
             <a:r>
-              <a:rPr lang="es-ES" smtClean="0"/>
+              <a:rPr lang="es-ES"/>
               <a:t>Instalación y preparación del entorno</a:t>
             </a:r>
             <a:endParaRPr lang="es-ES" dirty="0"/>
@@ -10541,13 +12915,13 @@
           <a:lstStyle/>
           <a:p>
             <a:r>
-              <a:rPr lang="es-ES" dirty="0" smtClean="0">
+              <a:rPr lang="es-ES" dirty="0">
                 <a:latin typeface="Enriqueta"/>
               </a:rPr>
               <a:t>Paso 1. Instalar </a:t>
             </a:r>
             <a:r>
-              <a:rPr lang="es-ES" dirty="0" err="1" smtClean="0">
+              <a:rPr lang="es-ES" dirty="0" err="1">
                 <a:latin typeface="Enriqueta"/>
               </a:rPr>
               <a:t>pluggin</a:t>
@@ -10586,14 +12960,11 @@
           <a:lstStyle/>
           <a:p>
             <a:r>
-              <a:rPr lang="es-ES" dirty="0" smtClean="0">
+              <a:rPr lang="es-ES" dirty="0">
                 <a:latin typeface="Enriqueta"/>
               </a:rPr>
               <a:t>Paso 2. Generar un nuevo proyecto</a:t>
             </a:r>
-            <a:endParaRPr lang="es-ES" dirty="0">
-              <a:latin typeface="Enriqueta"/>
-            </a:endParaRPr>
           </a:p>
         </p:txBody>
       </p:sp>
@@ -10625,14 +12996,11 @@
           <a:lstStyle/>
           <a:p>
             <a:r>
-              <a:rPr lang="es-ES" dirty="0" smtClean="0">
+              <a:rPr lang="es-ES" dirty="0">
                 <a:latin typeface="Enriqueta"/>
               </a:rPr>
               <a:t>Paso 3. Lanzar el proyecto</a:t>
             </a:r>
-            <a:endParaRPr lang="es-ES" dirty="0">
-              <a:latin typeface="Enriqueta"/>
-            </a:endParaRPr>
           </a:p>
         </p:txBody>
       </p:sp>
@@ -10664,14 +13032,11 @@
           <a:lstStyle/>
           <a:p>
             <a:r>
-              <a:rPr lang="es-ES" dirty="0" smtClean="0">
+              <a:rPr lang="es-ES" dirty="0">
                 <a:latin typeface="Enriqueta"/>
               </a:rPr>
               <a:t>Paso 4. Ver la aplicación por defecto en: localhost:4200</a:t>
             </a:r>
-            <a:endParaRPr lang="es-ES" dirty="0">
-              <a:latin typeface="Enriqueta"/>
-            </a:endParaRPr>
           </a:p>
         </p:txBody>
       </p:sp>
@@ -10748,10 +13113,9 @@
           <a:lstStyle/>
           <a:p>
             <a:r>
-              <a:rPr lang="es-ES" dirty="0" smtClean="0"/>
+              <a:rPr lang="es-ES" dirty="0"/>
               <a:t>Nombre del proyecto en minúsculas</a:t>
             </a:r>
-            <a:endParaRPr lang="es-ES" dirty="0"/>
           </a:p>
         </p:txBody>
       </p:sp>
@@ -10876,10 +13240,9 @@
           </a:lstStyle>
           <a:p>
             <a:r>
-              <a:rPr lang="es-ES" dirty="0" smtClean="0"/>
+              <a:rPr lang="es-ES" dirty="0"/>
               <a:t>Estructura del proyecto</a:t>
             </a:r>
-            <a:endParaRPr lang="es-ES" dirty="0"/>
           </a:p>
         </p:txBody>
       </p:sp>
@@ -10891,8 +13254,8 @@
         </p:nvSpPr>
         <p:spPr>
           <a:xfrm>
-            <a:off x="3781247" y="1494257"/>
-            <a:ext cx="8192218" cy="3693319"/>
+            <a:off x="3999782" y="1412977"/>
+            <a:ext cx="8192218" cy="4524315"/>
           </a:xfrm>
           <a:prstGeom prst="rect">
             <a:avLst/>
@@ -10918,7 +13281,7 @@
               <a:t>D</a:t>
             </a:r>
             <a:r>
-              <a:rPr lang="es-ES" b="0" i="0" dirty="0" smtClean="0">
+              <a:rPr lang="es-ES" b="0" i="0" dirty="0">
                 <a:solidFill>
                   <a:srgbClr val="36312D"/>
                 </a:solidFill>
@@ -10928,7 +13291,7 @@
               <a:t>irectorio </a:t>
             </a:r>
             <a:r>
-              <a:rPr lang="es-ES" b="1" i="1" dirty="0" err="1" smtClean="0">
+              <a:rPr lang="es-ES" b="1" i="1" dirty="0" err="1">
                 <a:solidFill>
                   <a:srgbClr val="36312D"/>
                 </a:solidFill>
@@ -10938,7 +13301,7 @@
               <a:t>public</a:t>
             </a:r>
             <a:r>
-              <a:rPr lang="es-ES" b="1" i="0" dirty="0" smtClean="0">
+              <a:rPr lang="es-ES" b="1" i="0" dirty="0">
                 <a:solidFill>
                   <a:srgbClr val="36312D"/>
                 </a:solidFill>
@@ -10947,7 +13310,76 @@
               </a:rPr>
               <a:t> </a:t>
             </a:r>
-            <a:endParaRPr lang="es-ES" b="1" i="0" dirty="0" smtClean="0">
+          </a:p>
+          <a:p>
+            <a:pPr marL="742950" lvl="1" indent="-285750" fontAlgn="base">
+              <a:buFont typeface="Wingdings" panose="05000000000000000000" pitchFamily="2" charset="2"/>
+              <a:buChar char="Ø"/>
+            </a:pPr>
+            <a:r>
+              <a:rPr lang="es-ES" b="1" dirty="0">
+                <a:solidFill>
+                  <a:srgbClr val="36312D"/>
+                </a:solidFill>
+                <a:latin typeface="inherit"/>
+              </a:rPr>
+              <a:t>Icono </a:t>
+            </a:r>
+            <a:r>
+              <a:rPr lang="es-ES" b="1" dirty="0">
+                <a:solidFill>
+                  <a:srgbClr val="36312D"/>
+                </a:solidFill>
+                <a:latin typeface="inherit"/>
+                <a:sym typeface="Wingdings" panose="05000000000000000000" pitchFamily="2" charset="2"/>
+              </a:rPr>
+              <a:t> icono de la pestaña</a:t>
+            </a:r>
+            <a:endParaRPr lang="es-ES" b="1" dirty="0">
+              <a:solidFill>
+                <a:srgbClr val="36312D"/>
+              </a:solidFill>
+              <a:latin typeface="inherit"/>
+            </a:endParaRPr>
+          </a:p>
+          <a:p>
+            <a:pPr marL="742950" lvl="1" indent="-285750" fontAlgn="base">
+              <a:buFont typeface="Wingdings" panose="05000000000000000000" pitchFamily="2" charset="2"/>
+              <a:buChar char="Ø"/>
+            </a:pPr>
+            <a:r>
+              <a:rPr lang="es-ES" b="1" i="0" dirty="0">
+                <a:solidFill>
+                  <a:srgbClr val="36312D"/>
+                </a:solidFill>
+                <a:effectLst/>
+                <a:latin typeface="inherit"/>
+              </a:rPr>
+              <a:t>Index.html </a:t>
+            </a:r>
+            <a:r>
+              <a:rPr lang="es-ES" b="1" i="0" dirty="0">
+                <a:solidFill>
+                  <a:srgbClr val="36312D"/>
+                </a:solidFill>
+                <a:effectLst/>
+                <a:latin typeface="inherit"/>
+                <a:sym typeface="Wingdings" panose="05000000000000000000" pitchFamily="2" charset="2"/>
+              </a:rPr>
+              <a:t> </a:t>
+            </a:r>
+            <a:r>
+              <a:rPr lang="es-ES" i="0" dirty="0" err="1">
+                <a:solidFill>
+                  <a:srgbClr val="36312D"/>
+                </a:solidFill>
+                <a:effectLst/>
+                <a:latin typeface="inherit"/>
+                <a:sym typeface="Wingdings" panose="05000000000000000000" pitchFamily="2" charset="2"/>
+              </a:rPr>
+              <a:t>index</a:t>
+            </a:r>
+            <a:endParaRPr lang="es-ES" i="0" dirty="0">
               <a:solidFill>
                 <a:srgbClr val="36312D"/>
               </a:solidFill>
@@ -10961,30 +13393,176 @@
               <a:buChar char="Ø"/>
             </a:pPr>
             <a:r>
-              <a:rPr lang="es-ES" b="1" dirty="0" smtClean="0">
+              <a:rPr lang="es-ES" b="1" dirty="0" err="1">
                 <a:solidFill>
                   <a:srgbClr val="36312D"/>
                 </a:solidFill>
                 <a:latin typeface="inherit"/>
               </a:rPr>
-              <a:t>Icono </a:t>
-            </a:r>
-            <a:r>
-              <a:rPr lang="es-ES" b="1" dirty="0" smtClean="0">
+              <a:t>Manifest.json</a:t>
+            </a:r>
+            <a:r>
+              <a:rPr lang="es-ES" dirty="0">
+                <a:solidFill>
+                  <a:srgbClr val="36312D"/>
+                </a:solidFill>
+                <a:latin typeface="Enriqueta"/>
+              </a:rPr>
+              <a:t> </a:t>
+            </a:r>
+            <a:r>
+              <a:rPr lang="es-ES" dirty="0">
+                <a:solidFill>
+                  <a:srgbClr val="36312D"/>
+                </a:solidFill>
+                <a:latin typeface="Enriqueta"/>
+                <a:sym typeface="Wingdings" panose="05000000000000000000" pitchFamily="2" charset="2"/>
+              </a:rPr>
+              <a:t> </a:t>
+            </a:r>
+            <a:r>
+              <a:rPr lang="es-ES" dirty="0">
                 <a:solidFill>
                   <a:srgbClr val="36312D"/>
                 </a:solidFill>
                 <a:latin typeface="inherit"/>
                 <a:sym typeface="Wingdings" panose="05000000000000000000" pitchFamily="2" charset="2"/>
               </a:rPr>
-              <a:t> icono de la pestaña</a:t>
-            </a:r>
-            <a:endParaRPr lang="es-ES" b="1" dirty="0" smtClean="0">
+              <a:t>web app </a:t>
+            </a:r>
+            <a:r>
+              <a:rPr lang="es-ES" dirty="0" err="1">
+                <a:solidFill>
+                  <a:srgbClr val="36312D"/>
+                </a:solidFill>
+                <a:latin typeface="inherit"/>
+                <a:sym typeface="Wingdings" panose="05000000000000000000" pitchFamily="2" charset="2"/>
+              </a:rPr>
+              <a:t>Manifest</a:t>
+            </a:r>
+            <a:r>
+              <a:rPr lang="es-ES" dirty="0">
+                <a:solidFill>
+                  <a:srgbClr val="36312D"/>
+                </a:solidFill>
+                <a:latin typeface="inherit"/>
+                <a:sym typeface="Wingdings" panose="05000000000000000000" pitchFamily="2" charset="2"/>
+              </a:rPr>
+              <a:t> </a:t>
+            </a:r>
+            <a:r>
+              <a:rPr lang="es-ES" dirty="0" err="1">
+                <a:solidFill>
+                  <a:srgbClr val="36312D"/>
+                </a:solidFill>
+                <a:latin typeface="inherit"/>
+                <a:sym typeface="Wingdings" panose="05000000000000000000" pitchFamily="2" charset="2"/>
+              </a:rPr>
+              <a:t>that</a:t>
+            </a:r>
+            <a:r>
+              <a:rPr lang="es-ES" dirty="0">
+                <a:solidFill>
+                  <a:srgbClr val="36312D"/>
+                </a:solidFill>
+                <a:latin typeface="inherit"/>
+                <a:sym typeface="Wingdings" panose="05000000000000000000" pitchFamily="2" charset="2"/>
+              </a:rPr>
+              <a:t> describes </a:t>
+            </a:r>
+            <a:r>
+              <a:rPr lang="es-ES" dirty="0" err="1">
+                <a:solidFill>
+                  <a:srgbClr val="36312D"/>
+                </a:solidFill>
+                <a:latin typeface="inherit"/>
+                <a:sym typeface="Wingdings" panose="05000000000000000000" pitchFamily="2" charset="2"/>
+              </a:rPr>
+              <a:t>your</a:t>
+            </a:r>
+            <a:r>
+              <a:rPr lang="es-ES" dirty="0">
+                <a:solidFill>
+                  <a:srgbClr val="36312D"/>
+                </a:solidFill>
+                <a:latin typeface="inherit"/>
+                <a:sym typeface="Wingdings" panose="05000000000000000000" pitchFamily="2" charset="2"/>
+              </a:rPr>
+              <a:t> app.</a:t>
+            </a:r>
+            <a:endParaRPr lang="es-ES" b="0" i="0" dirty="0">
               <a:solidFill>
                 <a:srgbClr val="36312D"/>
               </a:solidFill>
+              <a:effectLst/>
               <a:latin typeface="inherit"/>
             </a:endParaRPr>
+          </a:p>
+          <a:p>
+            <a:pPr marL="285750" indent="-285750" fontAlgn="base">
+              <a:buFont typeface="Wingdings" panose="05000000000000000000" pitchFamily="2" charset="2"/>
+              <a:buChar char="v"/>
+            </a:pPr>
+            <a:r>
+              <a:rPr lang="es-ES" dirty="0">
+                <a:solidFill>
+                  <a:srgbClr val="36312D"/>
+                </a:solidFill>
+                <a:latin typeface="inherit"/>
+              </a:rPr>
+              <a:t>D</a:t>
+            </a:r>
+            <a:r>
+              <a:rPr lang="es-ES" b="0" i="0" dirty="0">
+                <a:solidFill>
+                  <a:srgbClr val="36312D"/>
+                </a:solidFill>
+                <a:effectLst/>
+                <a:latin typeface="inherit"/>
+              </a:rPr>
+              <a:t>irectorio </a:t>
+            </a:r>
+            <a:r>
+              <a:rPr lang="es-ES" b="1" i="1" dirty="0" err="1">
+                <a:solidFill>
+                  <a:srgbClr val="36312D"/>
+                </a:solidFill>
+                <a:effectLst/>
+                <a:latin typeface="inherit"/>
+              </a:rPr>
+              <a:t>src</a:t>
+            </a:r>
+            <a:r>
+              <a:rPr lang="es-ES" b="0" i="0" dirty="0">
+                <a:solidFill>
+                  <a:srgbClr val="36312D"/>
+                </a:solidFill>
+                <a:effectLst/>
+                <a:latin typeface="inherit"/>
+              </a:rPr>
+              <a:t> </a:t>
+            </a:r>
+            <a:r>
+              <a:rPr lang="es-ES" b="0" i="0" dirty="0">
+                <a:solidFill>
+                  <a:srgbClr val="36312D"/>
+                </a:solidFill>
+                <a:effectLst/>
+                <a:latin typeface="inherit"/>
+                <a:sym typeface="Wingdings" panose="05000000000000000000" pitchFamily="2" charset="2"/>
+              </a:rPr>
+              <a:t> donde trabajamos</a:t>
+            </a:r>
+            <a:r>
+              <a:rPr lang="es-ES" b="0" i="0" dirty="0">
+                <a:solidFill>
+                  <a:srgbClr val="36312D"/>
+                </a:solidFill>
+                <a:effectLst/>
+                <a:latin typeface="inherit"/>
+              </a:rPr>
+              <a:t>:</a:t>
+            </a:r>
           </a:p>
           <a:p>
             <a:pPr marL="742950" lvl="1" indent="-285750" fontAlgn="base">
@@ -10992,17 +13570,104 @@
               <a:buChar char="Ø"/>
             </a:pPr>
             <a:r>
-              <a:rPr lang="es-ES" b="1" i="0" dirty="0" smtClean="0">
+              <a:rPr lang="es-ES" b="1" i="1" dirty="0">
                 <a:solidFill>
                   <a:srgbClr val="36312D"/>
                 </a:solidFill>
                 <a:effectLst/>
                 <a:latin typeface="inherit"/>
               </a:rPr>
-              <a:t>Index.html </a:t>
-            </a:r>
-            <a:r>
-              <a:rPr lang="es-ES" b="1" i="0" dirty="0" smtClean="0">
+              <a:t>app</a:t>
+            </a:r>
+            <a:r>
+              <a:rPr lang="es-ES" b="0" i="0" dirty="0">
+                <a:solidFill>
+                  <a:srgbClr val="36312D"/>
+                </a:solidFill>
+                <a:effectLst/>
+                <a:latin typeface="inherit"/>
+              </a:rPr>
+              <a:t> </a:t>
+            </a:r>
+            <a:r>
+              <a:rPr lang="es-ES" b="0" i="0" dirty="0">
+                <a:solidFill>
+                  <a:srgbClr val="36312D"/>
+                </a:solidFill>
+                <a:effectLst/>
+                <a:latin typeface="inherit"/>
+                <a:sym typeface="Wingdings" panose="05000000000000000000" pitchFamily="2" charset="2"/>
+              </a:rPr>
+              <a:t></a:t>
+            </a:r>
+            <a:r>
+              <a:rPr lang="es-ES" b="0" i="0" dirty="0">
+                <a:solidFill>
+                  <a:srgbClr val="36312D"/>
+                </a:solidFill>
+                <a:effectLst/>
+                <a:latin typeface="inherit"/>
+              </a:rPr>
+              <a:t>primer componente con </a:t>
+            </a:r>
+            <a:r>
+              <a:rPr lang="es-ES" b="0" i="0" dirty="0" err="1">
+                <a:solidFill>
+                  <a:srgbClr val="36312D"/>
+                </a:solidFill>
+                <a:effectLst/>
+                <a:latin typeface="inherit"/>
+              </a:rPr>
+              <a:t>css</a:t>
+            </a:r>
+            <a:r>
+              <a:rPr lang="es-ES" b="0" i="0" dirty="0">
+                <a:solidFill>
+                  <a:srgbClr val="36312D"/>
+                </a:solidFill>
+                <a:effectLst/>
+                <a:latin typeface="inherit"/>
+              </a:rPr>
+              <a:t>, </a:t>
+            </a:r>
+            <a:r>
+              <a:rPr lang="es-ES" b="0" i="0" dirty="0" err="1">
+                <a:solidFill>
+                  <a:srgbClr val="36312D"/>
+                </a:solidFill>
+                <a:effectLst/>
+                <a:latin typeface="inherit"/>
+              </a:rPr>
+              <a:t>js</a:t>
+            </a:r>
+            <a:r>
+              <a:rPr lang="es-ES" b="0" i="0" dirty="0">
+                <a:solidFill>
+                  <a:srgbClr val="36312D"/>
+                </a:solidFill>
+                <a:effectLst/>
+                <a:latin typeface="inherit"/>
+              </a:rPr>
+              <a:t> y test.</a:t>
+            </a:r>
+          </a:p>
+          <a:p>
+            <a:pPr marL="742950" lvl="1" indent="-285750" fontAlgn="base">
+              <a:buFont typeface="Wingdings" panose="05000000000000000000" pitchFamily="2" charset="2"/>
+              <a:buChar char="Ø"/>
+            </a:pPr>
+            <a:r>
+              <a:rPr lang="es-ES" b="1" i="1" dirty="0">
+                <a:solidFill>
+                  <a:srgbClr val="36312D"/>
+                </a:solidFill>
+                <a:effectLst/>
+                <a:latin typeface="inherit"/>
+              </a:rPr>
+              <a:t>Index.css </a:t>
+            </a:r>
+            <a:r>
+              <a:rPr lang="es-ES" dirty="0">
                 <a:solidFill>
                   <a:srgbClr val="36312D"/>
                 </a:solidFill>
@@ -11013,7 +13678,29 @@
               <a:t> </a:t>
             </a:r>
             <a:r>
-              <a:rPr lang="es-ES" i="0" dirty="0" err="1" smtClean="0">
+              <a:rPr lang="es-ES" dirty="0" err="1">
+                <a:solidFill>
+                  <a:srgbClr val="36312D"/>
+                </a:solidFill>
+                <a:effectLst/>
+                <a:latin typeface="inherit"/>
+                <a:sym typeface="Wingdings" panose="05000000000000000000" pitchFamily="2" charset="2"/>
+              </a:rPr>
+              <a:t>css</a:t>
+            </a:r>
+            <a:r>
+              <a:rPr lang="es-ES" dirty="0">
+                <a:solidFill>
+                  <a:srgbClr val="36312D"/>
+                </a:solidFill>
+                <a:effectLst/>
+                <a:latin typeface="inherit"/>
+                <a:sym typeface="Wingdings" panose="05000000000000000000" pitchFamily="2" charset="2"/>
+              </a:rPr>
+              <a:t> de la página </a:t>
+            </a:r>
+            <a:r>
+              <a:rPr lang="es-ES" dirty="0" err="1">
                 <a:solidFill>
                   <a:srgbClr val="36312D"/>
                 </a:solidFill>
@@ -11023,7 +13710,7 @@
               </a:rPr>
               <a:t>index</a:t>
             </a:r>
-            <a:endParaRPr lang="es-ES" i="0" dirty="0" smtClean="0">
+            <a:endParaRPr lang="es-ES" dirty="0">
               <a:solidFill>
                 <a:srgbClr val="36312D"/>
               </a:solidFill>
@@ -11037,55 +13724,343 @@
               <a:buChar char="Ø"/>
             </a:pPr>
             <a:r>
-              <a:rPr lang="es-ES" b="1" dirty="0" err="1" smtClean="0">
+              <a:rPr lang="es-ES" b="1" i="1" dirty="0">
                 <a:solidFill>
                   <a:srgbClr val="36312D"/>
                 </a:solidFill>
                 <a:latin typeface="inherit"/>
               </a:rPr>
-              <a:t>Manifest.json</a:t>
-            </a:r>
-            <a:r>
-              <a:rPr lang="es-ES" dirty="0">
+              <a:t>Index.js</a:t>
+            </a:r>
+            <a:r>
+              <a:rPr lang="es-ES" b="0" i="0" dirty="0">
                 <a:solidFill>
                   <a:srgbClr val="36312D"/>
                 </a:solidFill>
-                <a:latin typeface="Enriqueta"/>
+                <a:effectLst/>
+                <a:latin typeface="inherit"/>
               </a:rPr>
-              <a:t> </a:t>
-            </a:r>
-            <a:r>
-              <a:rPr lang="es-ES" dirty="0" smtClean="0">
+              <a:t> </a:t>
+            </a:r>
+            <a:r>
+              <a:rPr lang="es-ES" b="0" i="0" dirty="0">
                 <a:solidFill>
                   <a:srgbClr val="36312D"/>
                 </a:solidFill>
-                <a:latin typeface="Enriqueta"/>
+                <a:effectLst/>
+                <a:latin typeface="inherit"/>
                 <a:sym typeface="Wingdings" panose="05000000000000000000" pitchFamily="2" charset="2"/>
               </a:rPr>
               <a:t> </a:t>
             </a:r>
             <a:r>
-              <a:rPr lang="es-ES" dirty="0" smtClean="0">
+              <a:rPr lang="es-ES" b="0" i="0" dirty="0" err="1">
+                <a:solidFill>
+                  <a:srgbClr val="36312D"/>
+                </a:solidFill>
+                <a:effectLst/>
+                <a:latin typeface="inherit"/>
+                <a:sym typeface="Wingdings" panose="05000000000000000000" pitchFamily="2" charset="2"/>
+              </a:rPr>
+              <a:t>javascript</a:t>
+            </a:r>
+            <a:r>
+              <a:rPr lang="es-ES" b="0" i="0" dirty="0">
+                <a:solidFill>
+                  <a:srgbClr val="36312D"/>
+                </a:solidFill>
+                <a:effectLst/>
+                <a:latin typeface="inherit"/>
+                <a:sym typeface="Wingdings" panose="05000000000000000000" pitchFamily="2" charset="2"/>
+              </a:rPr>
+              <a:t> asociado al index.js</a:t>
+            </a:r>
+            <a:r>
+              <a:rPr lang="es-ES" b="0" i="0" dirty="0">
+                <a:solidFill>
+                  <a:srgbClr val="36312D"/>
+                </a:solidFill>
+                <a:effectLst/>
+                <a:latin typeface="inherit"/>
+              </a:rPr>
+              <a:t>.</a:t>
+            </a:r>
+          </a:p>
+          <a:p>
+            <a:pPr marL="742950" lvl="1" indent="-285750" fontAlgn="base">
+              <a:buFont typeface="Wingdings" panose="05000000000000000000" pitchFamily="2" charset="2"/>
+              <a:buChar char="Ø"/>
+            </a:pPr>
+            <a:r>
+              <a:rPr lang="es-ES" b="1" dirty="0" err="1">
+                <a:solidFill>
+                  <a:srgbClr val="36312D"/>
+                </a:solidFill>
+                <a:latin typeface="inherit"/>
+              </a:rPr>
+              <a:t>Logo.svg</a:t>
+            </a:r>
+            <a:endParaRPr lang="es-ES" b="1" dirty="0">
+              <a:solidFill>
+                <a:srgbClr val="36312D"/>
+              </a:solidFill>
+              <a:latin typeface="inherit"/>
+            </a:endParaRPr>
+          </a:p>
+          <a:p>
+            <a:pPr marL="742950" lvl="1" indent="-285750" fontAlgn="base">
+              <a:buFont typeface="Wingdings" panose="05000000000000000000" pitchFamily="2" charset="2"/>
+              <a:buChar char="Ø"/>
+            </a:pPr>
+            <a:r>
+              <a:rPr lang="es-ES" b="1" i="0" dirty="0">
+                <a:solidFill>
+                  <a:srgbClr val="36312D"/>
+                </a:solidFill>
+                <a:effectLst/>
+                <a:latin typeface="inherit"/>
+              </a:rPr>
+              <a:t>registerServiceWorker.js </a:t>
+            </a:r>
+            <a:r>
+              <a:rPr lang="es-ES" b="1" i="0" dirty="0">
+                <a:solidFill>
+                  <a:srgbClr val="36312D"/>
+                </a:solidFill>
+                <a:effectLst/>
+                <a:latin typeface="inherit"/>
+                <a:sym typeface="Wingdings" panose="05000000000000000000" pitchFamily="2" charset="2"/>
+              </a:rPr>
+              <a:t> </a:t>
+            </a:r>
+            <a:r>
+              <a:rPr lang="en-US" dirty="0">
+                <a:latin typeface="inherit"/>
+              </a:rPr>
+              <a:t>web API que </a:t>
+            </a:r>
+            <a:r>
+              <a:rPr lang="en-US" dirty="0" err="1">
+                <a:latin typeface="inherit"/>
+              </a:rPr>
+              <a:t>te</a:t>
+            </a:r>
+            <a:r>
+              <a:rPr lang="en-US" dirty="0">
+                <a:latin typeface="inherit"/>
+              </a:rPr>
+              <a:t> </a:t>
+            </a:r>
+            <a:r>
+              <a:rPr lang="en-US" dirty="0" err="1">
+                <a:latin typeface="inherit"/>
+              </a:rPr>
+              <a:t>ayuda</a:t>
+            </a:r>
+            <a:r>
+              <a:rPr lang="en-US" dirty="0">
+                <a:latin typeface="inherit"/>
+              </a:rPr>
+              <a:t> a </a:t>
+            </a:r>
+            <a:r>
+              <a:rPr lang="en-US" dirty="0" err="1">
+                <a:latin typeface="inherit"/>
+              </a:rPr>
+              <a:t>cachear</a:t>
+            </a:r>
+            <a:r>
+              <a:rPr lang="en-US" dirty="0">
+                <a:latin typeface="inherit"/>
+              </a:rPr>
+              <a:t> los assets y </a:t>
+            </a:r>
+            <a:r>
+              <a:rPr lang="en-US" dirty="0" err="1">
+                <a:latin typeface="inherit"/>
+              </a:rPr>
+              <a:t>otros</a:t>
+            </a:r>
+            <a:endParaRPr lang="en-US" dirty="0">
+              <a:latin typeface="inherit"/>
+            </a:endParaRPr>
+          </a:p>
+          <a:p>
+            <a:pPr marL="742950" lvl="1" indent="-285750" fontAlgn="base">
+              <a:buFont typeface="Wingdings" panose="05000000000000000000" pitchFamily="2" charset="2"/>
+              <a:buChar char="Ø"/>
+            </a:pPr>
+            <a:r>
+              <a:rPr lang="en-US" b="1" i="0" dirty="0">
+                <a:solidFill>
+                  <a:srgbClr val="36312D"/>
+                </a:solidFill>
+                <a:effectLst/>
+                <a:latin typeface="inherit"/>
+              </a:rPr>
+              <a:t>Components </a:t>
+            </a:r>
+            <a:r>
+              <a:rPr lang="en-US" b="1" i="0" dirty="0">
+                <a:solidFill>
+                  <a:srgbClr val="36312D"/>
+                </a:solidFill>
+                <a:effectLst/>
+                <a:latin typeface="inherit"/>
+                <a:sym typeface="Wingdings" panose="05000000000000000000" pitchFamily="2" charset="2"/>
+              </a:rPr>
+              <a:t> </a:t>
+            </a:r>
+            <a:r>
+              <a:rPr lang="en-US" i="0" dirty="0" err="1">
+                <a:solidFill>
+                  <a:srgbClr val="36312D"/>
+                </a:solidFill>
+                <a:effectLst/>
+                <a:latin typeface="inherit"/>
+                <a:sym typeface="Wingdings" panose="05000000000000000000" pitchFamily="2" charset="2"/>
+              </a:rPr>
+              <a:t>Carpeta</a:t>
+            </a:r>
+            <a:r>
+              <a:rPr lang="en-US" i="0" dirty="0">
+                <a:solidFill>
+                  <a:srgbClr val="36312D"/>
+                </a:solidFill>
+                <a:effectLst/>
+                <a:latin typeface="inherit"/>
+                <a:sym typeface="Wingdings" panose="05000000000000000000" pitchFamily="2" charset="2"/>
+              </a:rPr>
+              <a:t> </a:t>
+            </a:r>
+            <a:r>
+              <a:rPr lang="en-US" i="0" dirty="0" err="1">
+                <a:solidFill>
+                  <a:srgbClr val="36312D"/>
+                </a:solidFill>
+                <a:effectLst/>
+                <a:latin typeface="inherit"/>
+                <a:sym typeface="Wingdings" panose="05000000000000000000" pitchFamily="2" charset="2"/>
+              </a:rPr>
+              <a:t>donde</a:t>
+            </a:r>
+            <a:r>
+              <a:rPr lang="en-US" i="0" dirty="0">
+                <a:solidFill>
+                  <a:srgbClr val="36312D"/>
+                </a:solidFill>
+                <a:effectLst/>
+                <a:latin typeface="inherit"/>
+                <a:sym typeface="Wingdings" panose="05000000000000000000" pitchFamily="2" charset="2"/>
+              </a:rPr>
+              <a:t> se van </a:t>
+            </a:r>
+            <a:r>
+              <a:rPr lang="en-US" i="0" dirty="0" err="1">
+                <a:solidFill>
+                  <a:srgbClr val="36312D"/>
+                </a:solidFill>
+                <a:effectLst/>
+                <a:latin typeface="inherit"/>
+                <a:sym typeface="Wingdings" panose="05000000000000000000" pitchFamily="2" charset="2"/>
+              </a:rPr>
+              <a:t>guardando</a:t>
+            </a:r>
+            <a:r>
+              <a:rPr lang="en-US" i="0" dirty="0">
+                <a:solidFill>
+                  <a:srgbClr val="36312D"/>
+                </a:solidFill>
+                <a:effectLst/>
+                <a:latin typeface="inherit"/>
+                <a:sym typeface="Wingdings" panose="05000000000000000000" pitchFamily="2" charset="2"/>
+              </a:rPr>
+              <a:t> los </a:t>
+            </a:r>
+            <a:r>
+              <a:rPr lang="en-US" i="0" dirty="0" err="1">
+                <a:solidFill>
+                  <a:srgbClr val="36312D"/>
+                </a:solidFill>
+                <a:effectLst/>
+                <a:latin typeface="inherit"/>
+                <a:sym typeface="Wingdings" panose="05000000000000000000" pitchFamily="2" charset="2"/>
+              </a:rPr>
+              <a:t>componentes</a:t>
+            </a:r>
+            <a:r>
+              <a:rPr lang="en-US" i="0" dirty="0">
+                <a:solidFill>
+                  <a:srgbClr val="36312D"/>
+                </a:solidFill>
+                <a:effectLst/>
+                <a:latin typeface="inherit"/>
+                <a:sym typeface="Wingdings" panose="05000000000000000000" pitchFamily="2" charset="2"/>
+              </a:rPr>
+              <a:t> </a:t>
+            </a:r>
+            <a:r>
+              <a:rPr lang="en-US" i="0" dirty="0" err="1">
+                <a:solidFill>
+                  <a:srgbClr val="36312D"/>
+                </a:solidFill>
+                <a:effectLst/>
+                <a:latin typeface="inherit"/>
+                <a:sym typeface="Wingdings" panose="05000000000000000000" pitchFamily="2" charset="2"/>
+              </a:rPr>
+              <a:t>desarrollados</a:t>
+            </a:r>
+            <a:r>
+              <a:rPr lang="en-US" i="0" dirty="0">
+                <a:solidFill>
+                  <a:srgbClr val="36312D"/>
+                </a:solidFill>
+                <a:effectLst/>
+                <a:latin typeface="inherit"/>
+                <a:sym typeface="Wingdings" panose="05000000000000000000" pitchFamily="2" charset="2"/>
+              </a:rPr>
+              <a:t>.</a:t>
+            </a:r>
+          </a:p>
+          <a:p>
+            <a:pPr marL="742950" lvl="1" indent="-285750" fontAlgn="base">
+              <a:buFont typeface="Wingdings" panose="05000000000000000000" pitchFamily="2" charset="2"/>
+              <a:buChar char="Ø"/>
+            </a:pPr>
+            <a:r>
+              <a:rPr lang="en-US" b="1" i="0" dirty="0">
+                <a:solidFill>
+                  <a:srgbClr val="36312D"/>
+                </a:solidFill>
+                <a:effectLst/>
+                <a:latin typeface="inherit"/>
+                <a:sym typeface="Wingdings" panose="05000000000000000000" pitchFamily="2" charset="2"/>
+              </a:rPr>
+              <a:t>Data  </a:t>
+            </a:r>
+            <a:r>
+              <a:rPr lang="en-US" i="0" dirty="0" err="1">
+                <a:solidFill>
+                  <a:srgbClr val="36312D"/>
+                </a:solidFill>
+                <a:effectLst/>
+                <a:latin typeface="inherit"/>
+                <a:sym typeface="Wingdings" panose="05000000000000000000" pitchFamily="2" charset="2"/>
+              </a:rPr>
+              <a:t>car</a:t>
+            </a:r>
+            <a:r>
+              <a:rPr lang="en-US" dirty="0" err="1">
                 <a:solidFill>
                   <a:srgbClr val="36312D"/>
                 </a:solidFill>
                 <a:latin typeface="inherit"/>
                 <a:sym typeface="Wingdings" panose="05000000000000000000" pitchFamily="2" charset="2"/>
               </a:rPr>
-              <a:t>web app </a:t>
-            </a:r>
-            <a:r>
-              <a:rPr lang="es-ES" dirty="0" err="1" smtClean="0">
-                <a:solidFill>
-                  <a:srgbClr val="36312D"/>
-                </a:solidFill>
-                <a:latin typeface="inherit"/>
-                <a:sym typeface="Wingdings" panose="05000000000000000000" pitchFamily="2" charset="2"/>
-              </a:rPr>
-              <a:t>Manifest</a:t>
-            </a:r>
-            <a:r>
-              <a:rPr lang="es-ES" dirty="0" smtClean="0">
+              <a:t>peta</a:t>
+            </a:r>
+            <a:r>
+              <a:rPr lang="en-US" dirty="0">
                 <a:solidFill>
                   <a:srgbClr val="36312D"/>
                 </a:solidFill>
@@ -11095,46 +14070,150 @@
               <a:t> </a:t>
             </a:r>
             <a:r>
-              <a:rPr lang="es-ES" dirty="0" err="1" smtClean="0">
+              <a:rPr lang="en-US" dirty="0" err="1">
                 <a:solidFill>
                   <a:srgbClr val="36312D"/>
                 </a:solidFill>
                 <a:latin typeface="inherit"/>
                 <a:sym typeface="Wingdings" panose="05000000000000000000" pitchFamily="2" charset="2"/>
               </a:rPr>
-              <a:t>that</a:t>
-            </a:r>
-            <a:r>
-              <a:rPr lang="es-ES" dirty="0" smtClean="0">
+              <a:t>donde</a:t>
+            </a:r>
+            <a:r>
+              <a:rPr lang="en-US" dirty="0">
                 <a:solidFill>
                   <a:srgbClr val="36312D"/>
                 </a:solidFill>
                 <a:latin typeface="inherit"/>
                 <a:sym typeface="Wingdings" panose="05000000000000000000" pitchFamily="2" charset="2"/>
               </a:rPr>
-              <a:t> describes </a:t>
-            </a:r>
-            <a:r>
-              <a:rPr lang="es-ES" dirty="0" err="1" smtClean="0">
+              <a:t> he </a:t>
+            </a:r>
+            <a:r>
+              <a:rPr lang="en-US" dirty="0" err="1">
                 <a:solidFill>
                   <a:srgbClr val="36312D"/>
                 </a:solidFill>
                 <a:latin typeface="inherit"/>
                 <a:sym typeface="Wingdings" panose="05000000000000000000" pitchFamily="2" charset="2"/>
               </a:rPr>
-              <a:t>your</a:t>
-            </a:r>
-            <a:r>
-              <a:rPr lang="es-ES" dirty="0" smtClean="0">
+              <a:t>guardado</a:t>
+            </a:r>
+            <a:r>
+              <a:rPr lang="en-US" dirty="0">
                 <a:solidFill>
                   <a:srgbClr val="36312D"/>
                 </a:solidFill>
                 <a:latin typeface="inherit"/>
                 <a:sym typeface="Wingdings" panose="05000000000000000000" pitchFamily="2" charset="2"/>
               </a:rPr>
-              <a:t> app.</a:t>
-            </a:r>
-            <a:endParaRPr lang="es-ES" b="0" i="0" dirty="0" smtClean="0">
+              <a:t> mi json con mis </a:t>
+            </a:r>
+            <a:r>
+              <a:rPr lang="en-US" dirty="0" err="1">
+                <a:solidFill>
+                  <a:srgbClr val="36312D"/>
+                </a:solidFill>
+                <a:latin typeface="inherit"/>
+                <a:sym typeface="Wingdings" panose="05000000000000000000" pitchFamily="2" charset="2"/>
+              </a:rPr>
+              <a:t>preguntas</a:t>
+            </a:r>
+            <a:endParaRPr lang="en-US" dirty="0">
+              <a:solidFill>
+                <a:srgbClr val="36312D"/>
+              </a:solidFill>
+              <a:latin typeface="inherit"/>
+              <a:sym typeface="Wingdings" panose="05000000000000000000" pitchFamily="2" charset="2"/>
+            </a:endParaRPr>
+          </a:p>
+          <a:p>
+            <a:pPr marL="742950" lvl="1" indent="-285750" fontAlgn="base">
+              <a:buFont typeface="Wingdings" panose="05000000000000000000" pitchFamily="2" charset="2"/>
+              <a:buChar char="Ø"/>
+            </a:pPr>
+            <a:r>
+              <a:rPr lang="en-US" b="1" i="0" dirty="0">
+                <a:solidFill>
+                  <a:srgbClr val="36312D"/>
+                </a:solidFill>
+                <a:effectLst/>
+                <a:latin typeface="inherit"/>
+                <a:sym typeface="Wingdings" panose="05000000000000000000" pitchFamily="2" charset="2"/>
+              </a:rPr>
+              <a:t>Images </a:t>
+            </a:r>
+            <a:r>
+              <a:rPr lang="en-US" b="1" dirty="0">
+                <a:solidFill>
+                  <a:srgbClr val="36312D"/>
+                </a:solidFill>
+                <a:latin typeface="inherit"/>
+                <a:sym typeface="Wingdings" panose="05000000000000000000" pitchFamily="2" charset="2"/>
+              </a:rPr>
+              <a:t> </a:t>
+            </a:r>
+            <a:r>
+              <a:rPr lang="en-US" dirty="0" err="1">
+                <a:solidFill>
+                  <a:srgbClr val="36312D"/>
+                </a:solidFill>
+                <a:latin typeface="inherit"/>
+                <a:sym typeface="Wingdings" panose="05000000000000000000" pitchFamily="2" charset="2"/>
+              </a:rPr>
+              <a:t>carpeta</a:t>
+            </a:r>
+            <a:r>
+              <a:rPr lang="en-US" dirty="0">
+                <a:solidFill>
+                  <a:srgbClr val="36312D"/>
+                </a:solidFill>
+                <a:latin typeface="inherit"/>
+                <a:sym typeface="Wingdings" panose="05000000000000000000" pitchFamily="2" charset="2"/>
+              </a:rPr>
+              <a:t> con las </a:t>
+            </a:r>
+            <a:r>
+              <a:rPr lang="en-US" dirty="0" err="1">
+                <a:solidFill>
+                  <a:srgbClr val="36312D"/>
+                </a:solidFill>
+                <a:latin typeface="inherit"/>
+                <a:sym typeface="Wingdings" panose="05000000000000000000" pitchFamily="2" charset="2"/>
+              </a:rPr>
+              <a:t>imagenes</a:t>
+            </a:r>
+            <a:r>
+              <a:rPr lang="en-US" dirty="0">
+                <a:solidFill>
+                  <a:srgbClr val="36312D"/>
+                </a:solidFill>
+                <a:latin typeface="inherit"/>
+                <a:sym typeface="Wingdings" panose="05000000000000000000" pitchFamily="2" charset="2"/>
+              </a:rPr>
+              <a:t> </a:t>
+            </a:r>
+            <a:r>
+              <a:rPr lang="en-US" dirty="0" err="1">
+                <a:solidFill>
+                  <a:srgbClr val="36312D"/>
+                </a:solidFill>
+                <a:latin typeface="inherit"/>
+                <a:sym typeface="Wingdings" panose="05000000000000000000" pitchFamily="2" charset="2"/>
+              </a:rPr>
+              <a:t>utilizadas</a:t>
+            </a:r>
+            <a:r>
+              <a:rPr lang="en-US" b="1" dirty="0">
+                <a:solidFill>
+                  <a:srgbClr val="36312D"/>
+                </a:solidFill>
+                <a:latin typeface="inherit"/>
+                <a:sym typeface="Wingdings" panose="05000000000000000000" pitchFamily="2" charset="2"/>
+              </a:rPr>
+              <a:t>.</a:t>
+            </a:r>
+            <a:endParaRPr lang="es-ES" b="1" i="0" dirty="0">
               <a:solidFill>
                 <a:srgbClr val="36312D"/>
               </a:solidFill>
@@ -11148,36 +14227,17 @@
               <a:buChar char="v"/>
             </a:pPr>
             <a:r>
-              <a:rPr lang="es-ES" dirty="0" smtClean="0">
-                <a:solidFill>
-                  <a:srgbClr val="36312D"/>
-                </a:solidFill>
-                <a:latin typeface="inherit"/>
-              </a:rPr>
-              <a:t>D</a:t>
-            </a:r>
-            <a:r>
-              <a:rPr lang="es-ES" b="0" i="0" dirty="0" smtClean="0">
+              <a:rPr lang="es-ES" b="1" i="1" dirty="0" err="1">
                 <a:solidFill>
                   <a:srgbClr val="36312D"/>
                 </a:solidFill>
                 <a:effectLst/>
                 <a:latin typeface="inherit"/>
               </a:rPr>
-              <a:t>irectorio </a:t>
-            </a:r>
-            <a:r>
-              <a:rPr lang="es-ES" b="1" i="1" dirty="0" err="1" smtClean="0">
-                <a:solidFill>
-                  <a:srgbClr val="36312D"/>
-                </a:solidFill>
-                <a:effectLst/>
-                <a:latin typeface="inherit"/>
-              </a:rPr>
-              <a:t>src</a:t>
-            </a:r>
-            <a:r>
-              <a:rPr lang="es-ES" b="0" i="0" dirty="0" smtClean="0">
+              <a:t>Package-lock.json</a:t>
+            </a:r>
+            <a:r>
+              <a:rPr lang="es-ES" b="1" i="1" dirty="0">
                 <a:solidFill>
                   <a:srgbClr val="36312D"/>
                 </a:solidFill>
@@ -11187,344 +14247,7 @@
               <a:t> </a:t>
             </a:r>
             <a:r>
-              <a:rPr lang="es-ES" b="0" i="0" dirty="0" smtClean="0">
-                <a:solidFill>
-                  <a:srgbClr val="36312D"/>
-                </a:solidFill>
-                <a:effectLst/>
-                <a:latin typeface="inherit"/>
-                <a:sym typeface="Wingdings" panose="05000000000000000000" pitchFamily="2" charset="2"/>
-              </a:rPr>
-              <a:t> donde trabajamos</a:t>
-            </a:r>
-            <a:r>
-              <a:rPr lang="es-ES" b="0" i="0" dirty="0" smtClean="0">
-                <a:solidFill>
-                  <a:srgbClr val="36312D"/>
-                </a:solidFill>
-                <a:effectLst/>
-                <a:latin typeface="inherit"/>
-              </a:rPr>
-              <a:t>:</a:t>
-            </a:r>
-          </a:p>
-          <a:p>
-            <a:pPr marL="742950" lvl="1" indent="-285750" fontAlgn="base">
-              <a:buFont typeface="Wingdings" panose="05000000000000000000" pitchFamily="2" charset="2"/>
-              <a:buChar char="Ø"/>
-            </a:pPr>
-            <a:r>
-              <a:rPr lang="es-ES" b="1" i="1" dirty="0" smtClean="0">
-                <a:solidFill>
-                  <a:srgbClr val="36312D"/>
-                </a:solidFill>
-                <a:effectLst/>
-                <a:latin typeface="inherit"/>
-              </a:rPr>
-              <a:t>app</a:t>
-            </a:r>
-            <a:r>
-              <a:rPr lang="es-ES" b="0" i="0" dirty="0" smtClean="0">
-                <a:solidFill>
-                  <a:srgbClr val="36312D"/>
-                </a:solidFill>
-                <a:effectLst/>
-                <a:latin typeface="inherit"/>
-              </a:rPr>
-              <a:t> </a:t>
-            </a:r>
-            <a:r>
-              <a:rPr lang="es-ES" b="0" i="0" dirty="0" smtClean="0">
-                <a:solidFill>
-                  <a:srgbClr val="36312D"/>
-                </a:solidFill>
-                <a:effectLst/>
-                <a:latin typeface="inherit"/>
-                <a:sym typeface="Wingdings" panose="05000000000000000000" pitchFamily="2" charset="2"/>
-              </a:rPr>
-              <a:t></a:t>
-            </a:r>
-            <a:r>
-              <a:rPr lang="es-ES" b="0" i="0" dirty="0" smtClean="0">
-                <a:solidFill>
-                  <a:srgbClr val="36312D"/>
-                </a:solidFill>
-                <a:effectLst/>
-                <a:latin typeface="inherit"/>
-              </a:rPr>
-              <a:t>primer componente con </a:t>
-            </a:r>
-            <a:r>
-              <a:rPr lang="es-ES" b="0" i="0" dirty="0" err="1" smtClean="0">
-                <a:solidFill>
-                  <a:srgbClr val="36312D"/>
-                </a:solidFill>
-                <a:effectLst/>
-                <a:latin typeface="inherit"/>
-              </a:rPr>
-              <a:t>css</a:t>
-            </a:r>
-            <a:r>
-              <a:rPr lang="es-ES" b="0" i="0" dirty="0" smtClean="0">
-                <a:solidFill>
-                  <a:srgbClr val="36312D"/>
-                </a:solidFill>
-                <a:effectLst/>
-                <a:latin typeface="inherit"/>
-              </a:rPr>
-              <a:t>, </a:t>
-            </a:r>
-            <a:r>
-              <a:rPr lang="es-ES" b="0" i="0" dirty="0" err="1" smtClean="0">
-                <a:solidFill>
-                  <a:srgbClr val="36312D"/>
-                </a:solidFill>
-                <a:effectLst/>
-                <a:latin typeface="inherit"/>
-              </a:rPr>
-              <a:t>js</a:t>
-            </a:r>
-            <a:r>
-              <a:rPr lang="es-ES" b="0" i="0" dirty="0" smtClean="0">
-                <a:solidFill>
-                  <a:srgbClr val="36312D"/>
-                </a:solidFill>
-                <a:effectLst/>
-                <a:latin typeface="inherit"/>
-              </a:rPr>
-              <a:t> y test.</a:t>
-            </a:r>
-            <a:endParaRPr lang="es-ES" b="0" i="0" dirty="0" smtClean="0">
-              <a:solidFill>
-                <a:srgbClr val="36312D"/>
-              </a:solidFill>
-              <a:effectLst/>
-              <a:latin typeface="inherit"/>
-            </a:endParaRPr>
-          </a:p>
-          <a:p>
-            <a:pPr marL="742950" lvl="1" indent="-285750" fontAlgn="base">
-              <a:buFont typeface="Wingdings" panose="05000000000000000000" pitchFamily="2" charset="2"/>
-              <a:buChar char="Ø"/>
-            </a:pPr>
-            <a:r>
-              <a:rPr lang="es-ES" b="1" i="1" dirty="0" smtClean="0">
-                <a:solidFill>
-                  <a:srgbClr val="36312D"/>
-                </a:solidFill>
-                <a:effectLst/>
-                <a:latin typeface="inherit"/>
-              </a:rPr>
-              <a:t>Index.css </a:t>
-            </a:r>
-            <a:r>
-              <a:rPr lang="es-ES" dirty="0" smtClean="0">
-                <a:solidFill>
-                  <a:srgbClr val="36312D"/>
-                </a:solidFill>
-                <a:effectLst/>
-                <a:latin typeface="inherit"/>
-                <a:sym typeface="Wingdings" panose="05000000000000000000" pitchFamily="2" charset="2"/>
-              </a:rPr>
-              <a:t> </a:t>
-            </a:r>
-            <a:r>
-              <a:rPr lang="es-ES" dirty="0" err="1" smtClean="0">
-                <a:solidFill>
-                  <a:srgbClr val="36312D"/>
-                </a:solidFill>
-                <a:effectLst/>
-                <a:latin typeface="inherit"/>
-                <a:sym typeface="Wingdings" panose="05000000000000000000" pitchFamily="2" charset="2"/>
-              </a:rPr>
-              <a:t>css</a:t>
-            </a:r>
-            <a:r>
-              <a:rPr lang="es-ES" dirty="0" smtClean="0">
-                <a:solidFill>
-                  <a:srgbClr val="36312D"/>
-                </a:solidFill>
-                <a:effectLst/>
-                <a:latin typeface="inherit"/>
-                <a:sym typeface="Wingdings" panose="05000000000000000000" pitchFamily="2" charset="2"/>
-              </a:rPr>
-              <a:t> de la página </a:t>
-            </a:r>
-            <a:r>
-              <a:rPr lang="es-ES" dirty="0" err="1" smtClean="0">
-                <a:solidFill>
-                  <a:srgbClr val="36312D"/>
-                </a:solidFill>
-                <a:effectLst/>
-                <a:latin typeface="inherit"/>
-                <a:sym typeface="Wingdings" panose="05000000000000000000" pitchFamily="2" charset="2"/>
-              </a:rPr>
-              <a:t>index</a:t>
-            </a:r>
-            <a:endParaRPr lang="es-ES" dirty="0" smtClean="0">
-              <a:solidFill>
-                <a:srgbClr val="36312D"/>
-              </a:solidFill>
-              <a:effectLst/>
-              <a:latin typeface="inherit"/>
-            </a:endParaRPr>
-          </a:p>
-          <a:p>
-            <a:pPr marL="742950" lvl="1" indent="-285750" fontAlgn="base">
-              <a:buFont typeface="Wingdings" panose="05000000000000000000" pitchFamily="2" charset="2"/>
-              <a:buChar char="Ø"/>
-            </a:pPr>
-            <a:r>
-              <a:rPr lang="es-ES" b="1" i="1" dirty="0" smtClean="0">
-                <a:solidFill>
-                  <a:srgbClr val="36312D"/>
-                </a:solidFill>
-                <a:latin typeface="inherit"/>
-              </a:rPr>
-              <a:t>Index.js</a:t>
-            </a:r>
-            <a:r>
-              <a:rPr lang="es-ES" b="0" i="0" dirty="0" smtClean="0">
-                <a:solidFill>
-                  <a:srgbClr val="36312D"/>
-                </a:solidFill>
-                <a:effectLst/>
-                <a:latin typeface="inherit"/>
-              </a:rPr>
-              <a:t> </a:t>
-            </a:r>
-            <a:r>
-              <a:rPr lang="es-ES" b="0" i="0" dirty="0" smtClean="0">
-                <a:solidFill>
-                  <a:srgbClr val="36312D"/>
-                </a:solidFill>
-                <a:effectLst/>
-                <a:latin typeface="inherit"/>
-                <a:sym typeface="Wingdings" panose="05000000000000000000" pitchFamily="2" charset="2"/>
-              </a:rPr>
-              <a:t> </a:t>
-            </a:r>
-            <a:r>
-              <a:rPr lang="es-ES" b="0" i="0" dirty="0" err="1" smtClean="0">
-                <a:solidFill>
-                  <a:srgbClr val="36312D"/>
-                </a:solidFill>
-                <a:effectLst/>
-                <a:latin typeface="inherit"/>
-                <a:sym typeface="Wingdings" panose="05000000000000000000" pitchFamily="2" charset="2"/>
-              </a:rPr>
-              <a:t>javascript</a:t>
-            </a:r>
-            <a:r>
-              <a:rPr lang="es-ES" b="0" i="0" dirty="0" smtClean="0">
-                <a:solidFill>
-                  <a:srgbClr val="36312D"/>
-                </a:solidFill>
-                <a:effectLst/>
-                <a:latin typeface="inherit"/>
-                <a:sym typeface="Wingdings" panose="05000000000000000000" pitchFamily="2" charset="2"/>
-              </a:rPr>
-              <a:t> asociado al index.js</a:t>
-            </a:r>
-            <a:r>
-              <a:rPr lang="es-ES" b="0" i="0" dirty="0" smtClean="0">
-                <a:solidFill>
-                  <a:srgbClr val="36312D"/>
-                </a:solidFill>
-                <a:effectLst/>
-                <a:latin typeface="inherit"/>
-              </a:rPr>
-              <a:t>.</a:t>
-            </a:r>
-          </a:p>
-          <a:p>
-            <a:pPr marL="742950" lvl="1" indent="-285750" fontAlgn="base">
-              <a:buFont typeface="Wingdings" panose="05000000000000000000" pitchFamily="2" charset="2"/>
-              <a:buChar char="Ø"/>
-            </a:pPr>
-            <a:r>
-              <a:rPr lang="es-ES" b="1" dirty="0" err="1" smtClean="0">
-                <a:solidFill>
-                  <a:srgbClr val="36312D"/>
-                </a:solidFill>
-                <a:latin typeface="inherit"/>
-              </a:rPr>
-              <a:t>Logo.svg</a:t>
-            </a:r>
-            <a:endParaRPr lang="es-ES" b="1" dirty="0" smtClean="0">
-              <a:solidFill>
-                <a:srgbClr val="36312D"/>
-              </a:solidFill>
-              <a:latin typeface="inherit"/>
-            </a:endParaRPr>
-          </a:p>
-          <a:p>
-            <a:pPr marL="742950" lvl="1" indent="-285750" fontAlgn="base">
-              <a:buFont typeface="Wingdings" panose="05000000000000000000" pitchFamily="2" charset="2"/>
-              <a:buChar char="Ø"/>
-            </a:pPr>
-            <a:r>
-              <a:rPr lang="es-ES" b="1" i="0" dirty="0" smtClean="0">
-                <a:solidFill>
-                  <a:srgbClr val="36312D"/>
-                </a:solidFill>
-                <a:effectLst/>
-                <a:latin typeface="inherit"/>
-              </a:rPr>
-              <a:t>registerServiceWorker.js </a:t>
-            </a:r>
-            <a:r>
-              <a:rPr lang="es-ES" b="1" i="0" dirty="0" smtClean="0">
-                <a:solidFill>
-                  <a:srgbClr val="36312D"/>
-                </a:solidFill>
-                <a:effectLst/>
-                <a:latin typeface="inherit"/>
-                <a:sym typeface="Wingdings" panose="05000000000000000000" pitchFamily="2" charset="2"/>
-              </a:rPr>
-              <a:t> </a:t>
-            </a:r>
-            <a:r>
-              <a:rPr lang="en-US" dirty="0">
-                <a:latin typeface="inherit"/>
-              </a:rPr>
-              <a:t>web API that helps you cache your assets and other file</a:t>
-            </a:r>
-            <a:endParaRPr lang="es-ES" b="1" i="0" dirty="0" smtClean="0">
-              <a:solidFill>
-                <a:srgbClr val="36312D"/>
-              </a:solidFill>
-              <a:effectLst/>
-              <a:latin typeface="inherit"/>
-            </a:endParaRPr>
-          </a:p>
-          <a:p>
-            <a:pPr marL="285750" indent="-285750" fontAlgn="base">
-              <a:buFont typeface="Wingdings" panose="05000000000000000000" pitchFamily="2" charset="2"/>
-              <a:buChar char="v"/>
-            </a:pPr>
-            <a:r>
-              <a:rPr lang="es-ES" b="1" i="1" dirty="0" err="1" smtClean="0">
-                <a:solidFill>
-                  <a:srgbClr val="36312D"/>
-                </a:solidFill>
-                <a:effectLst/>
-                <a:latin typeface="inherit"/>
-              </a:rPr>
-              <a:t>Package-lock.json</a:t>
-            </a:r>
-            <a:r>
-              <a:rPr lang="es-ES" b="1" i="1" dirty="0" smtClean="0">
-                <a:solidFill>
-                  <a:srgbClr val="36312D"/>
-                </a:solidFill>
-                <a:effectLst/>
-                <a:latin typeface="inherit"/>
-              </a:rPr>
-              <a:t> </a:t>
-            </a:r>
-            <a:r>
-              <a:rPr lang="es-ES" b="0" i="0" dirty="0" smtClean="0">
+              <a:rPr lang="es-ES" b="0" i="0" dirty="0">
                 <a:solidFill>
                   <a:srgbClr val="36312D"/>
                 </a:solidFill>
@@ -11534,7 +14257,7 @@
               <a:t> </a:t>
             </a:r>
             <a:r>
-              <a:rPr lang="es-ES" b="0" i="0" dirty="0" smtClean="0">
+              <a:rPr lang="es-ES" b="0" i="0" dirty="0">
                 <a:solidFill>
                   <a:srgbClr val="36312D"/>
                 </a:solidFill>
@@ -11551,7 +14274,7 @@
               <a:buChar char="v"/>
             </a:pPr>
             <a:r>
-              <a:rPr lang="es-ES" b="1" i="1" dirty="0" err="1" smtClean="0">
+              <a:rPr lang="es-ES" b="1" i="1" dirty="0" err="1">
                 <a:solidFill>
                   <a:srgbClr val="36312D"/>
                 </a:solidFill>
@@ -11561,7 +14284,7 @@
               <a:t>package.json</a:t>
             </a:r>
             <a:r>
-              <a:rPr lang="es-ES" b="0" i="0" dirty="0" smtClean="0">
+              <a:rPr lang="es-ES" b="0" i="0" dirty="0">
                 <a:solidFill>
                   <a:srgbClr val="36312D"/>
                 </a:solidFill>
@@ -11571,26 +14294,6 @@
               <a:t> </a:t>
             </a:r>
             <a:r>
-              <a:rPr lang="es-ES" dirty="0" smtClean="0">
-                <a:solidFill>
-                  <a:srgbClr val="36312D"/>
-                </a:solidFill>
-                <a:latin typeface="Enriqueta"/>
-                <a:sym typeface="Wingdings" panose="05000000000000000000" pitchFamily="2" charset="2"/>
-              </a:rPr>
-              <a:t> </a:t>
-            </a:r>
-            <a:r>
-              <a:rPr lang="es-ES" dirty="0" smtClean="0">
-                <a:solidFill>
-                  <a:srgbClr val="36312D"/>
-                </a:solidFill>
-                <a:latin typeface="Enriqueta"/>
-                <a:sym typeface="Wingdings" panose="05000000000000000000" pitchFamily="2" charset="2"/>
-              </a:rPr>
-              <a:t>archivo </a:t>
-            </a:r>
-            <a:r>
               <a:rPr lang="es-ES" dirty="0">
                 <a:solidFill>
                   <a:srgbClr val="36312D"/>
@@ -11598,31 +14301,20 @@
                 <a:latin typeface="Enriqueta"/>
                 <a:sym typeface="Wingdings" panose="05000000000000000000" pitchFamily="2" charset="2"/>
               </a:rPr>
-              <a:t>de </a:t>
-            </a:r>
-            <a:r>
-              <a:rPr lang="es-ES" dirty="0" smtClean="0">
-                <a:solidFill>
-                  <a:srgbClr val="36312D"/>
-                </a:solidFill>
-                <a:latin typeface="Enriqueta"/>
-                <a:sym typeface="Wingdings" panose="05000000000000000000" pitchFamily="2" charset="2"/>
-              </a:rPr>
-              <a:t>configuración de dependencias</a:t>
-            </a:r>
-            <a:endParaRPr lang="es-ES" dirty="0">
-              <a:solidFill>
-                <a:srgbClr val="36312D"/>
-              </a:solidFill>
-              <a:latin typeface="Enriqueta"/>
-              <a:sym typeface="Wingdings" panose="05000000000000000000" pitchFamily="2" charset="2"/>
-            </a:endParaRPr>
+              <a:t> archivo de configuración de dependencias</a:t>
+            </a:r>
           </a:p>
         </p:txBody>
       </p:sp>
       <p:pic>
         <p:nvPicPr>
-          <p:cNvPr id="7" name="Picture 6"/>
+          <p:cNvPr id="3" name="Imagen 2">
+            <a:extLst>
+              <a:ext uri="{FF2B5EF4-FFF2-40B4-BE49-F238E27FC236}">
+                <a16:creationId xmlns:a16="http://schemas.microsoft.com/office/drawing/2014/main" id="{EDD9B57C-4FB6-41F4-A793-D055430275B4}"/>
+              </a:ext>
+            </a:extLst>
+          </p:cNvPr>
           <p:cNvPicPr>
             <a:picLocks noChangeAspect="1"/>
           </p:cNvPicPr>
@@ -11636,8 +14328,8 @@
         </p:blipFill>
         <p:spPr>
           <a:xfrm>
-            <a:off x="388931" y="1149201"/>
-            <a:ext cx="3055885" cy="4823878"/>
+            <a:off x="100097" y="982721"/>
+            <a:ext cx="3681150" cy="5087518"/>
           </a:xfrm>
           <a:prstGeom prst="rect">
             <a:avLst/>
@@ -11676,6 +14368,370 @@
       </p:grpSpPr>
       <p:sp>
         <p:nvSpPr>
+          <p:cNvPr id="2" name="Título 1">
+            <a:extLst>
+              <a:ext uri="{FF2B5EF4-FFF2-40B4-BE49-F238E27FC236}">
+                <a16:creationId xmlns:a16="http://schemas.microsoft.com/office/drawing/2014/main" id="{5D74ABF2-4801-4C05-B874-EF211899D2C0}"/>
+              </a:ext>
+            </a:extLst>
+          </p:cNvPr>
+          <p:cNvSpPr>
+            <a:spLocks noGrp="1"/>
+          </p:cNvSpPr>
+          <p:nvPr>
+            <p:ph type="title"/>
+          </p:nvPr>
+        </p:nvSpPr>
+        <p:spPr/>
+        <p:txBody>
+          <a:bodyPr/>
+          <a:lstStyle/>
+          <a:p>
+            <a:r>
+              <a:rPr lang="es-ES" dirty="0" err="1"/>
+              <a:t>index</a:t>
+            </a:r>
+            <a:endParaRPr lang="es-ES" dirty="0"/>
+          </a:p>
+        </p:txBody>
+      </p:sp>
+    </p:spTree>
+    <p:extLst>
+      <p:ext uri="{BB962C8B-B14F-4D97-AF65-F5344CB8AC3E}">
+        <p14:creationId xmlns:p14="http://schemas.microsoft.com/office/powerpoint/2010/main" val="696061560"/>
+      </p:ext>
+    </p:extLst>
+  </p:cSld>
+  <p:clrMapOvr>
+    <a:masterClrMapping/>
+  </p:clrMapOvr>
+</p:sld>
+</file>
+
+<file path=ppt/slides/slide6.xml><?xml version="1.0" encoding="utf-8"?>
+<p:sld xmlns:a="http://schemas.openxmlformats.org/drawingml/2006/main" xmlns:r="http://schemas.openxmlformats.org/officeDocument/2006/relationships" xmlns:p="http://schemas.openxmlformats.org/presentationml/2006/main">
+  <p:cSld>
+    <p:spTree>
+      <p:nvGrpSpPr>
+        <p:cNvPr id="1" name=""/>
+        <p:cNvGrpSpPr/>
+        <p:nvPr/>
+      </p:nvGrpSpPr>
+      <p:grpSpPr>
+        <a:xfrm>
+          <a:off x="0" y="0"/>
+          <a:ext cx="0" cy="0"/>
+          <a:chOff x="0" y="0"/>
+          <a:chExt cx="0" cy="0"/>
+        </a:xfrm>
+      </p:grpSpPr>
+      <p:pic>
+        <p:nvPicPr>
+          <p:cNvPr id="2" name="Imagen 1">
+            <a:extLst>
+              <a:ext uri="{FF2B5EF4-FFF2-40B4-BE49-F238E27FC236}">
+                <a16:creationId xmlns:a16="http://schemas.microsoft.com/office/drawing/2014/main" id="{2E83B5CD-B55A-4715-9B40-FB61D2CBEB91}"/>
+              </a:ext>
+            </a:extLst>
+          </p:cNvPr>
+          <p:cNvPicPr>
+            <a:picLocks noChangeAspect="1"/>
+          </p:cNvPicPr>
+          <p:nvPr/>
+        </p:nvPicPr>
+        <p:blipFill>
+          <a:blip r:embed="rId2"/>
+          <a:stretch>
+            <a:fillRect/>
+          </a:stretch>
+        </p:blipFill>
+        <p:spPr>
+          <a:xfrm>
+            <a:off x="182880" y="1843628"/>
+            <a:ext cx="11582400" cy="2152650"/>
+          </a:xfrm>
+          <a:prstGeom prst="rect">
+            <a:avLst/>
+          </a:prstGeom>
+        </p:spPr>
+      </p:pic>
+      <p:grpSp>
+        <p:nvGrpSpPr>
+          <p:cNvPr id="5" name="Grupo 4">
+            <a:extLst>
+              <a:ext uri="{FF2B5EF4-FFF2-40B4-BE49-F238E27FC236}">
+                <a16:creationId xmlns:a16="http://schemas.microsoft.com/office/drawing/2014/main" id="{C900FF42-7820-47B9-B745-F14293F0C4A9}"/>
+              </a:ext>
+            </a:extLst>
+          </p:cNvPr>
+          <p:cNvGrpSpPr/>
+          <p:nvPr/>
+        </p:nvGrpSpPr>
+        <p:grpSpPr>
+          <a:xfrm>
+            <a:off x="8698030" y="1708982"/>
+            <a:ext cx="3311090" cy="2241443"/>
+            <a:chOff x="7526956" y="3687719"/>
+            <a:chExt cx="3311090" cy="2241443"/>
+          </a:xfrm>
+        </p:grpSpPr>
+        <p:sp>
+          <p:nvSpPr>
+            <p:cNvPr id="3" name="Cloud 3">
+              <a:extLst>
+                <a:ext uri="{FF2B5EF4-FFF2-40B4-BE49-F238E27FC236}">
+                  <a16:creationId xmlns:a16="http://schemas.microsoft.com/office/drawing/2014/main" id="{2BB5E25B-FBF3-43F6-A0F5-AED6EEE170DD}"/>
+                </a:ext>
+              </a:extLst>
+            </p:cNvPr>
+            <p:cNvSpPr/>
+            <p:nvPr/>
+          </p:nvSpPr>
+          <p:spPr>
+            <a:xfrm>
+              <a:off x="7526956" y="3687719"/>
+              <a:ext cx="3311090" cy="2241443"/>
+            </a:xfrm>
+            <a:prstGeom prst="cloud">
+              <a:avLst/>
+            </a:prstGeom>
+          </p:spPr>
+          <p:style>
+            <a:lnRef idx="2">
+              <a:schemeClr val="accent1">
+                <a:shade val="50000"/>
+              </a:schemeClr>
+            </a:lnRef>
+            <a:fillRef idx="1">
+              <a:schemeClr val="accent1"/>
+            </a:fillRef>
+            <a:effectRef idx="0">
+              <a:schemeClr val="accent1"/>
+            </a:effectRef>
+            <a:fontRef idx="minor">
+              <a:schemeClr val="lt1"/>
+            </a:fontRef>
+          </p:style>
+          <p:txBody>
+            <a:bodyPr rtlCol="0" anchor="ctr"/>
+            <a:lstStyle/>
+            <a:p>
+              <a:pPr algn="ctr"/>
+              <a:endParaRPr lang="es-ES"/>
+            </a:p>
+          </p:txBody>
+        </p:sp>
+        <p:sp>
+          <p:nvSpPr>
+            <p:cNvPr id="4" name="TextBox 4">
+              <a:extLst>
+                <a:ext uri="{FF2B5EF4-FFF2-40B4-BE49-F238E27FC236}">
+                  <a16:creationId xmlns:a16="http://schemas.microsoft.com/office/drawing/2014/main" id="{FF9C391E-A4FF-42D2-81A1-DCE776887925}"/>
+                </a:ext>
+              </a:extLst>
+            </p:cNvPr>
+            <p:cNvSpPr txBox="1"/>
+            <p:nvPr/>
+          </p:nvSpPr>
+          <p:spPr>
+            <a:xfrm>
+              <a:off x="7632810" y="4255068"/>
+              <a:ext cx="3099381" cy="923330"/>
+            </a:xfrm>
+            <a:prstGeom prst="rect">
+              <a:avLst/>
+            </a:prstGeom>
+            <a:noFill/>
+          </p:spPr>
+          <p:txBody>
+            <a:bodyPr wrap="square" rtlCol="0">
+              <a:spAutoFit/>
+            </a:bodyPr>
+            <a:lstStyle/>
+            <a:p>
+              <a:pPr algn="ctr"/>
+              <a:r>
+                <a:rPr lang="es-ES" b="1" dirty="0">
+                  <a:solidFill>
+                    <a:schemeClr val="bg1"/>
+                  </a:solidFill>
+                </a:rPr>
+                <a:t>El index.js simplemente renderiza el componente App y lo pone como </a:t>
+              </a:r>
+              <a:r>
+                <a:rPr lang="es-ES" b="1" dirty="0" err="1">
+                  <a:solidFill>
+                    <a:schemeClr val="bg1"/>
+                  </a:solidFill>
+                </a:rPr>
+                <a:t>root</a:t>
+              </a:r>
+              <a:r>
+                <a:rPr lang="es-ES" b="1" dirty="0">
+                  <a:solidFill>
+                    <a:schemeClr val="bg1"/>
+                  </a:solidFill>
+                </a:rPr>
+                <a:t>.</a:t>
+              </a:r>
+            </a:p>
+          </p:txBody>
+        </p:sp>
+      </p:grpSp>
+      <p:pic>
+        <p:nvPicPr>
+          <p:cNvPr id="6" name="Imagen 5">
+            <a:extLst>
+              <a:ext uri="{FF2B5EF4-FFF2-40B4-BE49-F238E27FC236}">
+                <a16:creationId xmlns:a16="http://schemas.microsoft.com/office/drawing/2014/main" id="{9171588E-73BD-47E0-BB6D-D9F8AD707F21}"/>
+              </a:ext>
+            </a:extLst>
+          </p:cNvPr>
+          <p:cNvPicPr>
+            <a:picLocks noChangeAspect="1"/>
+          </p:cNvPicPr>
+          <p:nvPr/>
+        </p:nvPicPr>
+        <p:blipFill>
+          <a:blip r:embed="rId3"/>
+          <a:stretch>
+            <a:fillRect/>
+          </a:stretch>
+        </p:blipFill>
+        <p:spPr>
+          <a:xfrm>
+            <a:off x="179672" y="4431123"/>
+            <a:ext cx="10439400" cy="2200275"/>
+          </a:xfrm>
+          <a:prstGeom prst="rect">
+            <a:avLst/>
+          </a:prstGeom>
+        </p:spPr>
+      </p:pic>
+      <p:sp>
+        <p:nvSpPr>
+          <p:cNvPr id="7" name="Title 11">
+            <a:extLst>
+              <a:ext uri="{FF2B5EF4-FFF2-40B4-BE49-F238E27FC236}">
+                <a16:creationId xmlns:a16="http://schemas.microsoft.com/office/drawing/2014/main" id="{0EEE5647-5B77-4088-A4AD-380EA29A2720}"/>
+              </a:ext>
+            </a:extLst>
+          </p:cNvPr>
+          <p:cNvSpPr txBox="1">
+            <a:spLocks/>
+          </p:cNvSpPr>
+          <p:nvPr/>
+        </p:nvSpPr>
+        <p:spPr>
+          <a:xfrm>
+            <a:off x="6946537" y="192273"/>
+            <a:ext cx="4920343" cy="1499616"/>
+          </a:xfrm>
+          <a:prstGeom prst="rect">
+            <a:avLst/>
+          </a:prstGeom>
+        </p:spPr>
+        <p:txBody>
+          <a:bodyPr/>
+          <a:lstStyle>
+            <a:lvl1pPr algn="l" defTabSz="914400" rtl="0" eaLnBrk="1" latinLnBrk="0" hangingPunct="1">
+              <a:lnSpc>
+                <a:spcPct val="80000"/>
+              </a:lnSpc>
+              <a:spcBef>
+                <a:spcPct val="0"/>
+              </a:spcBef>
+              <a:buNone/>
+              <a:defRPr sz="5000" kern="1200" cap="all" spc="100" baseline="0">
+                <a:solidFill>
+                  <a:schemeClr val="tx1">
+                    <a:lumMod val="95000"/>
+                    <a:lumOff val="5000"/>
+                  </a:schemeClr>
+                </a:solidFill>
+                <a:latin typeface="+mj-lt"/>
+                <a:ea typeface="+mj-ea"/>
+                <a:cs typeface="+mj-cs"/>
+              </a:defRPr>
+            </a:lvl1pPr>
+          </a:lstStyle>
+          <a:p>
+            <a:r>
+              <a:rPr lang="es-ES" dirty="0"/>
+              <a:t>Index.js e index.css</a:t>
+            </a:r>
+          </a:p>
+        </p:txBody>
+      </p:sp>
+      <p:sp>
+        <p:nvSpPr>
+          <p:cNvPr id="8" name="TextBox 12">
+            <a:extLst>
+              <a:ext uri="{FF2B5EF4-FFF2-40B4-BE49-F238E27FC236}">
+                <a16:creationId xmlns:a16="http://schemas.microsoft.com/office/drawing/2014/main" id="{205BBB27-6422-4DFE-BF28-812B703065A4}"/>
+              </a:ext>
+            </a:extLst>
+          </p:cNvPr>
+          <p:cNvSpPr txBox="1"/>
+          <p:nvPr/>
+        </p:nvSpPr>
+        <p:spPr>
+          <a:xfrm>
+            <a:off x="179671" y="1213761"/>
+            <a:ext cx="8348311" cy="369332"/>
+          </a:xfrm>
+          <a:prstGeom prst="rect">
+            <a:avLst/>
+          </a:prstGeom>
+          <a:solidFill>
+            <a:schemeClr val="accent1"/>
+          </a:solidFill>
+        </p:spPr>
+        <p:txBody>
+          <a:bodyPr wrap="square" rtlCol="0">
+            <a:spAutoFit/>
+          </a:bodyPr>
+          <a:lstStyle/>
+          <a:p>
+            <a:r>
+              <a:rPr lang="es-ES" dirty="0"/>
+              <a:t>Estos dos archivos los he dejado tal como se crean por defecto</a:t>
+            </a:r>
+          </a:p>
+        </p:txBody>
+      </p:sp>
+    </p:spTree>
+    <p:extLst>
+      <p:ext uri="{BB962C8B-B14F-4D97-AF65-F5344CB8AC3E}">
+        <p14:creationId xmlns:p14="http://schemas.microsoft.com/office/powerpoint/2010/main" val="2415357527"/>
+      </p:ext>
+    </p:extLst>
+  </p:cSld>
+  <p:clrMapOvr>
+    <a:masterClrMapping/>
+  </p:clrMapOvr>
+</p:sld>
+</file>
+
+<file path=ppt/slides/slide7.xml><?xml version="1.0" encoding="utf-8"?>
+<p:sld xmlns:a="http://schemas.openxmlformats.org/drawingml/2006/main" xmlns:r="http://schemas.openxmlformats.org/officeDocument/2006/relationships" xmlns:p="http://schemas.openxmlformats.org/presentationml/2006/main">
+  <p:cSld>
+    <p:spTree>
+      <p:nvGrpSpPr>
+        <p:cNvPr id="1" name=""/>
+        <p:cNvGrpSpPr/>
+        <p:nvPr/>
+      </p:nvGrpSpPr>
+      <p:grpSpPr>
+        <a:xfrm>
+          <a:off x="0" y="0"/>
+          <a:ext cx="0" cy="0"/>
+          <a:chOff x="0" y="0"/>
+          <a:chExt cx="0" cy="0"/>
+        </a:xfrm>
+      </p:grpSpPr>
+      <p:sp>
+        <p:nvSpPr>
           <p:cNvPr id="4" name="Title 1"/>
           <p:cNvSpPr>
             <a:spLocks noGrp="1"/>
@@ -11690,10 +14746,9 @@
           <a:lstStyle/>
           <a:p>
             <a:r>
-              <a:rPr lang="es-ES" dirty="0" smtClean="0"/>
+              <a:rPr lang="es-ES" dirty="0"/>
               <a:t>Pantalla inicio</a:t>
             </a:r>
-            <a:endParaRPr lang="es-ES" dirty="0"/>
           </a:p>
         </p:txBody>
       </p:sp>
@@ -11729,37 +14784,7 @@
 </p:sld>
 </file>
 
-<file path=ppt/slides/slide6.xml><?xml version="1.0" encoding="utf-8"?>
-<p:sld xmlns:a="http://schemas.openxmlformats.org/drawingml/2006/main" xmlns:r="http://schemas.openxmlformats.org/officeDocument/2006/relationships" xmlns:p="http://schemas.openxmlformats.org/presentationml/2006/main">
-  <p:cSld>
-    <p:spTree>
-      <p:nvGrpSpPr>
-        <p:cNvPr id="1" name=""/>
-        <p:cNvGrpSpPr/>
-        <p:nvPr/>
-      </p:nvGrpSpPr>
-      <p:grpSpPr>
-        <a:xfrm>
-          <a:off x="0" y="0"/>
-          <a:ext cx="0" cy="0"/>
-          <a:chOff x="0" y="0"/>
-          <a:chExt cx="0" cy="0"/>
-        </a:xfrm>
-      </p:grpSpPr>
-    </p:spTree>
-    <p:extLst>
-      <p:ext uri="{BB962C8B-B14F-4D97-AF65-F5344CB8AC3E}">
-        <p14:creationId xmlns:p14="http://schemas.microsoft.com/office/powerpoint/2010/main" val="3676162573"/>
-      </p:ext>
-    </p:extLst>
-  </p:cSld>
-  <p:clrMapOvr>
-    <a:masterClrMapping/>
-  </p:clrMapOvr>
-</p:sld>
-</file>
-
-<file path=ppt/slides/slide7.xml><?xml version="1.0" encoding="utf-8"?>
+<file path=ppt/slides/slide8.xml><?xml version="1.0" encoding="utf-8"?>
 <p:sld xmlns:a="http://schemas.openxmlformats.org/drawingml/2006/main" xmlns:r="http://schemas.openxmlformats.org/officeDocument/2006/relationships" xmlns:p="http://schemas.openxmlformats.org/presentationml/2006/main">
   <p:cSld>
     <p:spTree>
@@ -11778,14 +14803,110 @@
       </p:grpSpPr>
       <p:sp>
         <p:nvSpPr>
-          <p:cNvPr id="4" name="Cloud 3"/>
+          <p:cNvPr id="2" name="Title 11">
+            <a:extLst>
+              <a:ext uri="{FF2B5EF4-FFF2-40B4-BE49-F238E27FC236}">
+                <a16:creationId xmlns:a16="http://schemas.microsoft.com/office/drawing/2014/main" id="{D6E8C49A-53C2-4DC2-8739-D2C7AEC2AEAC}"/>
+              </a:ext>
+            </a:extLst>
+          </p:cNvPr>
+          <p:cNvSpPr txBox="1">
+            <a:spLocks/>
+          </p:cNvSpPr>
+          <p:nvPr/>
+        </p:nvSpPr>
+        <p:spPr>
+          <a:xfrm>
+            <a:off x="6946537" y="192273"/>
+            <a:ext cx="4920343" cy="1499616"/>
+          </a:xfrm>
+          <a:prstGeom prst="rect">
+            <a:avLst/>
+          </a:prstGeom>
+        </p:spPr>
+        <p:txBody>
+          <a:bodyPr/>
+          <a:lstStyle>
+            <a:lvl1pPr algn="l" defTabSz="914400" rtl="0" eaLnBrk="1" latinLnBrk="0" hangingPunct="1">
+              <a:lnSpc>
+                <a:spcPct val="80000"/>
+              </a:lnSpc>
+              <a:spcBef>
+                <a:spcPct val="0"/>
+              </a:spcBef>
+              <a:buNone/>
+              <a:defRPr sz="5000" kern="1200" cap="all" spc="100" baseline="0">
+                <a:solidFill>
+                  <a:schemeClr val="tx1">
+                    <a:lumMod val="95000"/>
+                    <a:lumOff val="5000"/>
+                  </a:schemeClr>
+                </a:solidFill>
+                <a:latin typeface="+mj-lt"/>
+                <a:ea typeface="+mj-ea"/>
+                <a:cs typeface="+mj-cs"/>
+              </a:defRPr>
+            </a:lvl1pPr>
+          </a:lstStyle>
+          <a:p>
+            <a:r>
+              <a:rPr lang="es-ES" dirty="0"/>
+              <a:t>Componente </a:t>
+            </a:r>
+            <a:r>
+              <a:rPr lang="es-ES" dirty="0" err="1"/>
+              <a:t>welcome</a:t>
+            </a:r>
+            <a:endParaRPr lang="es-ES" dirty="0"/>
+          </a:p>
+        </p:txBody>
+      </p:sp>
+      <p:pic>
+        <p:nvPicPr>
+          <p:cNvPr id="4" name="Imagen 3">
+            <a:extLst>
+              <a:ext uri="{FF2B5EF4-FFF2-40B4-BE49-F238E27FC236}">
+                <a16:creationId xmlns:a16="http://schemas.microsoft.com/office/drawing/2014/main" id="{960854CE-38EA-4521-99F8-3C9C72755B8D}"/>
+              </a:ext>
+            </a:extLst>
+          </p:cNvPr>
+          <p:cNvPicPr>
+            <a:picLocks noChangeAspect="1"/>
+          </p:cNvPicPr>
+          <p:nvPr/>
+        </p:nvPicPr>
+        <p:blipFill>
+          <a:blip r:embed="rId2"/>
+          <a:stretch>
+            <a:fillRect/>
+          </a:stretch>
+        </p:blipFill>
+        <p:spPr>
+          <a:xfrm>
+            <a:off x="325120" y="1499552"/>
+            <a:ext cx="6486525" cy="3533775"/>
+          </a:xfrm>
+          <a:prstGeom prst="rect">
+            <a:avLst/>
+          </a:prstGeom>
+        </p:spPr>
+      </p:pic>
+      <p:sp>
+        <p:nvSpPr>
+          <p:cNvPr id="5" name="Cloud 3">
+            <a:extLst>
+              <a:ext uri="{FF2B5EF4-FFF2-40B4-BE49-F238E27FC236}">
+                <a16:creationId xmlns:a16="http://schemas.microsoft.com/office/drawing/2014/main" id="{2AAE1A0C-C88B-4DB3-BA75-04D8670791AE}"/>
+              </a:ext>
+            </a:extLst>
+          </p:cNvPr>
           <p:cNvSpPr/>
           <p:nvPr/>
         </p:nvSpPr>
         <p:spPr>
           <a:xfrm>
-            <a:off x="389357" y="485463"/>
-            <a:ext cx="2398143" cy="1576251"/>
+            <a:off x="6811645" y="1223651"/>
+            <a:ext cx="4775200" cy="2966720"/>
           </a:xfrm>
           <a:prstGeom prst="cloud">
             <a:avLst/>
@@ -11818,14 +14939,20 @@
       </p:sp>
       <p:sp>
         <p:nvSpPr>
-          <p:cNvPr id="5" name="TextBox 4"/>
+          <p:cNvPr id="6" name="TextBox 4">
+            <a:extLst>
+              <a:ext uri="{FF2B5EF4-FFF2-40B4-BE49-F238E27FC236}">
+                <a16:creationId xmlns:a16="http://schemas.microsoft.com/office/drawing/2014/main" id="{1B7801E5-5D95-499C-9197-B86E6C80C7D0}"/>
+              </a:ext>
+            </a:extLst>
+          </p:cNvPr>
           <p:cNvSpPr txBox="1"/>
           <p:nvPr/>
         </p:nvSpPr>
         <p:spPr>
           <a:xfrm>
-            <a:off x="477374" y="793631"/>
-            <a:ext cx="2155435" cy="369332"/>
+            <a:off x="7251273" y="1829848"/>
+            <a:ext cx="3701207" cy="1754326"/>
           </a:xfrm>
           <a:prstGeom prst="rect">
             <a:avLst/>
@@ -11840,17 +14967,60 @@
           <a:p>
             <a:pPr algn="ctr"/>
             <a:r>
-              <a:rPr lang="es-ES" b="1" dirty="0" smtClean="0"/>
-              <a:t>pendiente</a:t>
-            </a:r>
-            <a:endParaRPr lang="es-ES" b="1" dirty="0"/>
+              <a:rPr lang="es-ES" b="1" dirty="0" err="1">
+                <a:solidFill>
+                  <a:schemeClr val="bg1"/>
+                </a:solidFill>
+              </a:rPr>
+              <a:t>React</a:t>
+            </a:r>
+            <a:r>
+              <a:rPr lang="es-ES" b="1" dirty="0">
+                <a:solidFill>
+                  <a:schemeClr val="bg1"/>
+                </a:solidFill>
+              </a:rPr>
+              <a:t> se basa es componentes. Para el componente </a:t>
+            </a:r>
+            <a:r>
+              <a:rPr lang="es-ES" b="1" dirty="0" err="1">
+                <a:solidFill>
+                  <a:schemeClr val="bg1"/>
+                </a:solidFill>
+              </a:rPr>
+              <a:t>welcome</a:t>
+            </a:r>
+            <a:r>
+              <a:rPr lang="es-ES" b="1" dirty="0">
+                <a:solidFill>
+                  <a:schemeClr val="bg1"/>
+                </a:solidFill>
+              </a:rPr>
+              <a:t> simplemente he creado un div con una imagen, un título y un botón que están vinculados a través de </a:t>
+            </a:r>
+            <a:r>
+              <a:rPr lang="es-ES" b="1" dirty="0" err="1">
+                <a:solidFill>
+                  <a:schemeClr val="bg1"/>
+                </a:solidFill>
+              </a:rPr>
+              <a:t>this.props</a:t>
+            </a:r>
+            <a:r>
+              <a:rPr lang="es-ES" b="1" dirty="0">
+                <a:solidFill>
+                  <a:schemeClr val="bg1"/>
+                </a:solidFill>
+              </a:rPr>
+              <a:t> a la clase padre.</a:t>
+            </a:r>
           </a:p>
         </p:txBody>
       </p:sp>
     </p:spTree>
     <p:extLst>
       <p:ext uri="{BB962C8B-B14F-4D97-AF65-F5344CB8AC3E}">
-        <p14:creationId xmlns:p14="http://schemas.microsoft.com/office/powerpoint/2010/main" val="460771363"/>
+        <p14:creationId xmlns:p14="http://schemas.microsoft.com/office/powerpoint/2010/main" val="3676162573"/>
       </p:ext>
     </p:extLst>
   </p:cSld>
@@ -11860,7 +15030,7 @@
 </p:sld>
 </file>
 
-<file path=ppt/slides/slide8.xml><?xml version="1.0" encoding="utf-8"?>
+<file path=ppt/slides/slide9.xml><?xml version="1.0" encoding="utf-8"?>
 <p:sld xmlns:a="http://schemas.openxmlformats.org/drawingml/2006/main" xmlns:r="http://schemas.openxmlformats.org/officeDocument/2006/relationships" xmlns:p="http://schemas.openxmlformats.org/presentationml/2006/main">
   <p:cSld>
     <p:spTree>
@@ -11893,10 +15063,9 @@
           <a:lstStyle/>
           <a:p>
             <a:r>
-              <a:rPr lang="es-ES" dirty="0" smtClean="0"/>
+              <a:rPr lang="es-ES" dirty="0"/>
               <a:t>Pantalla juego</a:t>
             </a:r>
-            <a:endParaRPr lang="es-ES" dirty="0"/>
           </a:p>
         </p:txBody>
       </p:sp>
@@ -11923,36 +15092,6 @@
     <p:extLst>
       <p:ext uri="{BB962C8B-B14F-4D97-AF65-F5344CB8AC3E}">
         <p14:creationId xmlns:p14="http://schemas.microsoft.com/office/powerpoint/2010/main" val="203318373"/>
-      </p:ext>
-    </p:extLst>
-  </p:cSld>
-  <p:clrMapOvr>
-    <a:masterClrMapping/>
-  </p:clrMapOvr>
-</p:sld>
-</file>
-
-<file path=ppt/slides/slide9.xml><?xml version="1.0" encoding="utf-8"?>
-<p:sld xmlns:a="http://schemas.openxmlformats.org/drawingml/2006/main" xmlns:r="http://schemas.openxmlformats.org/officeDocument/2006/relationships" xmlns:p="http://schemas.openxmlformats.org/presentationml/2006/main">
-  <p:cSld>
-    <p:spTree>
-      <p:nvGrpSpPr>
-        <p:cNvPr id="1" name=""/>
-        <p:cNvGrpSpPr/>
-        <p:nvPr/>
-      </p:nvGrpSpPr>
-      <p:grpSpPr>
-        <a:xfrm>
-          <a:off x="0" y="0"/>
-          <a:ext cx="0" cy="0"/>
-          <a:chOff x="0" y="0"/>
-          <a:chExt cx="0" cy="0"/>
-        </a:xfrm>
-      </p:grpSpPr>
-    </p:spTree>
-    <p:extLst>
-      <p:ext uri="{BB962C8B-B14F-4D97-AF65-F5344CB8AC3E}">
-        <p14:creationId xmlns:p14="http://schemas.microsoft.com/office/powerpoint/2010/main" val="2219239325"/>
       </p:ext>
     </p:extLst>
   </p:cSld>
